--- a/monaca.pptx
+++ b/monaca.pptx
@@ -8,16 +8,18 @@
     <p:sldId id="256" r:id="rId2"/>
     <p:sldId id="257" r:id="rId3"/>
     <p:sldId id="299" r:id="rId4"/>
-    <p:sldId id="298" r:id="rId5"/>
-    <p:sldId id="265" r:id="rId6"/>
-    <p:sldId id="258" r:id="rId7"/>
-    <p:sldId id="274" r:id="rId8"/>
-    <p:sldId id="259" r:id="rId9"/>
-    <p:sldId id="297" r:id="rId10"/>
-    <p:sldId id="277" r:id="rId11"/>
-    <p:sldId id="271" r:id="rId12"/>
-    <p:sldId id="269" r:id="rId13"/>
-    <p:sldId id="276" r:id="rId14"/>
+    <p:sldId id="300" r:id="rId5"/>
+    <p:sldId id="298" r:id="rId6"/>
+    <p:sldId id="301" r:id="rId7"/>
+    <p:sldId id="265" r:id="rId8"/>
+    <p:sldId id="258" r:id="rId9"/>
+    <p:sldId id="274" r:id="rId10"/>
+    <p:sldId id="259" r:id="rId11"/>
+    <p:sldId id="297" r:id="rId12"/>
+    <p:sldId id="277" r:id="rId13"/>
+    <p:sldId id="271" r:id="rId14"/>
+    <p:sldId id="269" r:id="rId15"/>
+    <p:sldId id="276" r:id="rId16"/>
   </p:sldIdLst>
   <p:sldSz cx="9144000" cy="6858000" type="screen4x3"/>
   <p:notesSz cx="6858000" cy="9144000"/>
@@ -253,7 +255,7 @@
           <a:p>
             <a:fld id="{39378AC4-C49C-4159-B332-7738B007311C}" type="datetimeFigureOut">
               <a:rPr kumimoji="1" lang="ja-JP" altLang="en-US" smtClean="0"/>
-              <a:t>2014/7/17</a:t>
+              <a:t>2014/7/18</a:t>
             </a:fld>
             <a:endParaRPr kumimoji="1" lang="ja-JP" altLang="en-US"/>
           </a:p>
@@ -598,7 +600,7 @@
           <a:p>
             <a:fld id="{39378AC4-C49C-4159-B332-7738B007311C}" type="datetimeFigureOut">
               <a:rPr kumimoji="1" lang="ja-JP" altLang="en-US" smtClean="0"/>
-              <a:t>2014/7/17</a:t>
+              <a:t>2014/7/18</a:t>
             </a:fld>
             <a:endParaRPr kumimoji="1" lang="ja-JP" altLang="en-US"/>
           </a:p>
@@ -815,7 +817,7 @@
           <a:p>
             <a:fld id="{39378AC4-C49C-4159-B332-7738B007311C}" type="datetimeFigureOut">
               <a:rPr kumimoji="1" lang="ja-JP" altLang="en-US" smtClean="0"/>
-              <a:t>2014/7/17</a:t>
+              <a:t>2014/7/18</a:t>
             </a:fld>
             <a:endParaRPr kumimoji="1" lang="ja-JP" altLang="en-US"/>
           </a:p>
@@ -1022,7 +1024,7 @@
           <a:p>
             <a:fld id="{39378AC4-C49C-4159-B332-7738B007311C}" type="datetimeFigureOut">
               <a:rPr kumimoji="1" lang="ja-JP" altLang="en-US" smtClean="0"/>
-              <a:t>2014/7/17</a:t>
+              <a:t>2014/7/18</a:t>
             </a:fld>
             <a:endParaRPr kumimoji="1" lang="ja-JP" altLang="en-US"/>
           </a:p>
@@ -1290,7 +1292,7 @@
           <a:p>
             <a:fld id="{39378AC4-C49C-4159-B332-7738B007311C}" type="datetimeFigureOut">
               <a:rPr kumimoji="1" lang="ja-JP" altLang="en-US" smtClean="0"/>
-              <a:t>2014/7/17</a:t>
+              <a:t>2014/7/18</a:t>
             </a:fld>
             <a:endParaRPr kumimoji="1" lang="ja-JP" altLang="en-US"/>
           </a:p>
@@ -1822,7 +1824,7 @@
           <a:p>
             <a:fld id="{39378AC4-C49C-4159-B332-7738B007311C}" type="datetimeFigureOut">
               <a:rPr kumimoji="1" lang="ja-JP" altLang="en-US" smtClean="0"/>
-              <a:t>2014/7/17</a:t>
+              <a:t>2014/7/18</a:t>
             </a:fld>
             <a:endParaRPr kumimoji="1" lang="ja-JP" altLang="en-US"/>
           </a:p>
@@ -2375,7 +2377,7 @@
           <a:p>
             <a:fld id="{39378AC4-C49C-4159-B332-7738B007311C}" type="datetimeFigureOut">
               <a:rPr kumimoji="1" lang="ja-JP" altLang="en-US" smtClean="0"/>
-              <a:t>2014/7/17</a:t>
+              <a:t>2014/7/18</a:t>
             </a:fld>
             <a:endParaRPr kumimoji="1" lang="ja-JP" altLang="en-US"/>
           </a:p>
@@ -2501,7 +2503,7 @@
           <a:p>
             <a:fld id="{39378AC4-C49C-4159-B332-7738B007311C}" type="datetimeFigureOut">
               <a:rPr kumimoji="1" lang="ja-JP" altLang="en-US" smtClean="0"/>
-              <a:t>2014/7/17</a:t>
+              <a:t>2014/7/18</a:t>
             </a:fld>
             <a:endParaRPr kumimoji="1" lang="ja-JP" altLang="en-US"/>
           </a:p>
@@ -2645,7 +2647,7 @@
           <a:p>
             <a:fld id="{39378AC4-C49C-4159-B332-7738B007311C}" type="datetimeFigureOut">
               <a:rPr kumimoji="1" lang="ja-JP" altLang="en-US" smtClean="0"/>
-              <a:t>2014/7/17</a:t>
+              <a:t>2014/7/18</a:t>
             </a:fld>
             <a:endParaRPr kumimoji="1" lang="ja-JP" altLang="en-US"/>
           </a:p>
@@ -2999,7 +3001,7 @@
           <a:p>
             <a:fld id="{39378AC4-C49C-4159-B332-7738B007311C}" type="datetimeFigureOut">
               <a:rPr kumimoji="1" lang="ja-JP" altLang="en-US" smtClean="0"/>
-              <a:t>2014/7/17</a:t>
+              <a:t>2014/7/18</a:t>
             </a:fld>
             <a:endParaRPr kumimoji="1" lang="ja-JP" altLang="en-US"/>
           </a:p>
@@ -3133,7 +3135,7 @@
           <a:p>
             <a:fld id="{39378AC4-C49C-4159-B332-7738B007311C}" type="datetimeFigureOut">
               <a:rPr kumimoji="1" lang="ja-JP" altLang="en-US" smtClean="0"/>
-              <a:t>2014/7/17</a:t>
+              <a:t>2014/7/18</a:t>
             </a:fld>
             <a:endParaRPr kumimoji="1" lang="ja-JP" altLang="en-US"/>
           </a:p>
@@ -3946,7 +3948,7 @@
           <a:p>
             <a:fld id="{39378AC4-C49C-4159-B332-7738B007311C}" type="datetimeFigureOut">
               <a:rPr kumimoji="1" lang="ja-JP" altLang="en-US" smtClean="0"/>
-              <a:t>2014/7/17</a:t>
+              <a:t>2014/7/18</a:t>
             </a:fld>
             <a:endParaRPr kumimoji="1" lang="ja-JP" altLang="en-US"/>
           </a:p>
@@ -4500,7 +4502,6 @@
               <a:rPr kumimoji="1" lang="en-US" altLang="ja-JP" dirty="0" smtClean="0"/>
               <a:t>2014/7/22</a:t>
             </a:r>
-            <a:endParaRPr kumimoji="1" lang="en-US" altLang="ja-JP" dirty="0" smtClean="0"/>
           </a:p>
           <a:p>
             <a:r>
@@ -4532,1466 +4533,6 @@
 </file>
 
 <file path=ppt/slides/slide10.xml><?xml version="1.0" encoding="utf-8"?>
-<p:sld xmlns:a="http://schemas.openxmlformats.org/drawingml/2006/main" xmlns:r="http://schemas.openxmlformats.org/officeDocument/2006/relationships" xmlns:p="http://schemas.openxmlformats.org/presentationml/2006/main">
-  <p:cSld>
-    <p:spTree>
-      <p:nvGrpSpPr>
-        <p:cNvPr id="1" name=""/>
-        <p:cNvGrpSpPr/>
-        <p:nvPr/>
-      </p:nvGrpSpPr>
-      <p:grpSpPr>
-        <a:xfrm>
-          <a:off x="0" y="0"/>
-          <a:ext cx="0" cy="0"/>
-          <a:chOff x="0" y="0"/>
-          <a:chExt cx="0" cy="0"/>
-        </a:xfrm>
-      </p:grpSpPr>
-      <p:sp>
-        <p:nvSpPr>
-          <p:cNvPr id="3" name="コンテンツ プレースホルダー 2"/>
-          <p:cNvSpPr>
-            <a:spLocks noGrp="1"/>
-          </p:cNvSpPr>
-          <p:nvPr>
-            <p:ph idx="1"/>
-          </p:nvPr>
-        </p:nvSpPr>
-        <p:spPr/>
-        <p:txBody>
-          <a:bodyPr>
-            <a:normAutofit/>
-          </a:bodyPr>
-          <a:lstStyle/>
-          <a:p>
-            <a:pPr marL="82296" indent="0">
-              <a:buNone/>
-            </a:pPr>
-            <a:r>
-              <a:rPr lang="en-US" altLang="ja-JP" dirty="0"/>
-              <a:t>UWSC</a:t>
-            </a:r>
-            <a:r>
-              <a:rPr lang="ja-JP" altLang="en-US" dirty="0"/>
-              <a:t>　</a:t>
-            </a:r>
-            <a:r>
-              <a:rPr lang="en-US" altLang="ja-JP" dirty="0"/>
-              <a:t>/A</a:t>
-            </a:r>
-            <a:r>
-              <a:rPr lang="ja-JP" altLang="en-US" dirty="0"/>
-              <a:t>　</a:t>
-            </a:r>
-            <a:r>
-              <a:rPr lang="en-US" altLang="ja-JP" dirty="0" err="1"/>
-              <a:t>ORIGINAL.uws</a:t>
-            </a:r>
-            <a:r>
-              <a:rPr lang="ja-JP" altLang="en-US" dirty="0"/>
-              <a:t>　</a:t>
-            </a:r>
-            <a:r>
-              <a:rPr lang="en-US" altLang="ja-JP" dirty="0" err="1" smtClean="0"/>
-              <a:t>SCRAMBLED.uws</a:t>
-            </a:r>
-            <a:endParaRPr lang="en-US" altLang="ja-JP" dirty="0" smtClean="0"/>
-          </a:p>
-          <a:p>
-            <a:pPr marL="82296" indent="0">
-              <a:buNone/>
-            </a:pPr>
-            <a:endParaRPr kumimoji="1" lang="en-US" altLang="ja-JP" dirty="0"/>
-          </a:p>
-          <a:p>
-            <a:pPr marL="82296" indent="0">
-              <a:buNone/>
-            </a:pPr>
-            <a:endParaRPr lang="en-US" altLang="ja-JP" dirty="0" smtClean="0"/>
-          </a:p>
-          <a:p>
-            <a:pPr marL="82296" indent="0">
-              <a:buNone/>
-            </a:pPr>
-            <a:endParaRPr lang="en-US" altLang="ja-JP" dirty="0"/>
-          </a:p>
-          <a:p>
-            <a:pPr marL="82296" indent="0">
-              <a:buNone/>
-            </a:pPr>
-            <a:endParaRPr lang="en-US" altLang="ja-JP" dirty="0" smtClean="0"/>
-          </a:p>
-          <a:p>
-            <a:pPr marL="82296" indent="0">
-              <a:buNone/>
-            </a:pPr>
-            <a:r>
-              <a:rPr lang="en-US" altLang="ja-JP" sz="1200" dirty="0" smtClean="0"/>
-              <a:t>CUI</a:t>
-            </a:r>
-            <a:r>
-              <a:rPr lang="ja-JP" altLang="en-US" sz="1200" dirty="0" smtClean="0"/>
-              <a:t>で動かせるのって大事ですよね。</a:t>
-            </a:r>
-            <a:endParaRPr lang="en-US" altLang="ja-JP" sz="1200" dirty="0" smtClean="0"/>
-          </a:p>
-          <a:p>
-            <a:pPr marL="82296" indent="0">
-              <a:buNone/>
-            </a:pPr>
-            <a:r>
-              <a:rPr kumimoji="1" lang="ja-JP" altLang="en-US" sz="800" dirty="0"/>
-              <a:t>というかそれ</a:t>
-            </a:r>
-            <a:r>
-              <a:rPr kumimoji="1" lang="ja-JP" altLang="en-US" sz="800" dirty="0" smtClean="0"/>
-              <a:t>が普通・・・？</a:t>
-            </a:r>
-            <a:endParaRPr kumimoji="1" lang="en-US" altLang="ja-JP" sz="800" dirty="0" smtClean="0"/>
-          </a:p>
-        </p:txBody>
-      </p:sp>
-      <p:sp>
-        <p:nvSpPr>
-          <p:cNvPr id="4" name="タイトル 3"/>
-          <p:cNvSpPr>
-            <a:spLocks noGrp="1"/>
-          </p:cNvSpPr>
-          <p:nvPr>
-            <p:ph type="title"/>
-          </p:nvPr>
-        </p:nvSpPr>
-        <p:spPr/>
-        <p:txBody>
-          <a:bodyPr>
-            <a:normAutofit fontScale="90000"/>
-          </a:bodyPr>
-          <a:lstStyle/>
-          <a:p>
-            <a:r>
-              <a:rPr kumimoji="1" lang="ja-JP" altLang="en-US" dirty="0" smtClean="0"/>
-              <a:t>可読できないようにもできます</a:t>
-            </a:r>
-            <a:endParaRPr kumimoji="1" lang="ja-JP" altLang="en-US" dirty="0"/>
-          </a:p>
-        </p:txBody>
-      </p:sp>
-    </p:spTree>
-    <p:extLst>
-      <p:ext uri="{BB962C8B-B14F-4D97-AF65-F5344CB8AC3E}">
-        <p14:creationId xmlns:p14="http://schemas.microsoft.com/office/powerpoint/2010/main" val="3783224327"/>
-      </p:ext>
-    </p:extLst>
-  </p:cSld>
-  <p:clrMapOvr>
-    <a:masterClrMapping/>
-  </p:clrMapOvr>
-  <p:timing>
-    <p:tnLst>
-      <p:par>
-        <p:cTn id="1" dur="indefinite" restart="never" nodeType="tmRoot"/>
-      </p:par>
-    </p:tnLst>
-  </p:timing>
-</p:sld>
-</file>
-
-<file path=ppt/slides/slide11.xml><?xml version="1.0" encoding="utf-8"?>
-<p:sld xmlns:a="http://schemas.openxmlformats.org/drawingml/2006/main" xmlns:r="http://schemas.openxmlformats.org/officeDocument/2006/relationships" xmlns:p="http://schemas.openxmlformats.org/presentationml/2006/main">
-  <p:cSld>
-    <p:spTree>
-      <p:nvGrpSpPr>
-        <p:cNvPr id="1" name=""/>
-        <p:cNvGrpSpPr/>
-        <p:nvPr/>
-      </p:nvGrpSpPr>
-      <p:grpSpPr>
-        <a:xfrm>
-          <a:off x="0" y="0"/>
-          <a:ext cx="0" cy="0"/>
-          <a:chOff x="0" y="0"/>
-          <a:chExt cx="0" cy="0"/>
-        </a:xfrm>
-      </p:grpSpPr>
-      <p:sp>
-        <p:nvSpPr>
-          <p:cNvPr id="2" name="タイトル 1"/>
-          <p:cNvSpPr>
-            <a:spLocks noGrp="1"/>
-          </p:cNvSpPr>
-          <p:nvPr>
-            <p:ph type="title"/>
-          </p:nvPr>
-        </p:nvSpPr>
-        <p:spPr/>
-        <p:txBody>
-          <a:bodyPr/>
-          <a:lstStyle/>
-          <a:p>
-            <a:r>
-              <a:rPr kumimoji="1" lang="ja-JP" altLang="en-US" dirty="0" smtClean="0"/>
-              <a:t>やってないけどやりたかった</a:t>
-            </a:r>
-            <a:endParaRPr kumimoji="1" lang="ja-JP" altLang="en-US" dirty="0"/>
-          </a:p>
-        </p:txBody>
-      </p:sp>
-      <p:sp>
-        <p:nvSpPr>
-          <p:cNvPr id="3" name="コンテンツ プレースホルダー 2"/>
-          <p:cNvSpPr>
-            <a:spLocks noGrp="1"/>
-          </p:cNvSpPr>
-          <p:nvPr>
-            <p:ph idx="1"/>
-          </p:nvPr>
-        </p:nvSpPr>
-        <p:spPr>
-          <a:xfrm>
-            <a:off x="1435608" y="1447800"/>
-            <a:ext cx="7498080" cy="5077544"/>
-          </a:xfrm>
-        </p:spPr>
-        <p:txBody>
-          <a:bodyPr>
-            <a:normAutofit/>
-          </a:bodyPr>
-          <a:lstStyle/>
-          <a:p>
-            <a:r>
-              <a:rPr kumimoji="1" lang="ja-JP" altLang="en-US" dirty="0" smtClean="0"/>
-              <a:t>画像認識ができるらしい</a:t>
-            </a:r>
-            <a:endParaRPr kumimoji="1" lang="en-US" altLang="ja-JP" dirty="0" smtClean="0"/>
-          </a:p>
-          <a:p>
-            <a:pPr marL="82296" indent="0">
-              <a:buNone/>
-            </a:pPr>
-            <a:endParaRPr lang="en-US" altLang="ja-JP" dirty="0" smtClean="0"/>
-          </a:p>
-          <a:p>
-            <a:r>
-              <a:rPr lang="ja-JP" altLang="en-US" dirty="0" smtClean="0"/>
-              <a:t>関数定義もできるので大き目なスクリプトも組めそう</a:t>
-            </a:r>
-            <a:endParaRPr lang="en-US" altLang="ja-JP" dirty="0" smtClean="0"/>
-          </a:p>
-          <a:p>
-            <a:endParaRPr lang="en-US" altLang="ja-JP" dirty="0"/>
-          </a:p>
-          <a:p>
-            <a:r>
-              <a:rPr lang="ja-JP" altLang="en-US" dirty="0" smtClean="0"/>
-              <a:t>ブラウザゲームで悪さもできます</a:t>
-            </a:r>
-            <a:endParaRPr lang="en-US" altLang="ja-JP" dirty="0"/>
-          </a:p>
-        </p:txBody>
-      </p:sp>
-    </p:spTree>
-    <p:extLst>
-      <p:ext uri="{BB962C8B-B14F-4D97-AF65-F5344CB8AC3E}">
-        <p14:creationId xmlns:p14="http://schemas.microsoft.com/office/powerpoint/2010/main" val="1686085276"/>
-      </p:ext>
-    </p:extLst>
-  </p:cSld>
-  <p:clrMapOvr>
-    <a:masterClrMapping/>
-  </p:clrMapOvr>
-</p:sld>
-</file>
-
-<file path=ppt/slides/slide12.xml><?xml version="1.0" encoding="utf-8"?>
-<p:sld xmlns:a="http://schemas.openxmlformats.org/drawingml/2006/main" xmlns:r="http://schemas.openxmlformats.org/officeDocument/2006/relationships" xmlns:p="http://schemas.openxmlformats.org/presentationml/2006/main">
-  <p:cSld>
-    <p:spTree>
-      <p:nvGrpSpPr>
-        <p:cNvPr id="1" name=""/>
-        <p:cNvGrpSpPr/>
-        <p:nvPr/>
-      </p:nvGrpSpPr>
-      <p:grpSpPr>
-        <a:xfrm>
-          <a:off x="0" y="0"/>
-          <a:ext cx="0" cy="0"/>
-          <a:chOff x="0" y="0"/>
-          <a:chExt cx="0" cy="0"/>
-        </a:xfrm>
-      </p:grpSpPr>
-      <p:sp>
-        <p:nvSpPr>
-          <p:cNvPr id="2" name="タイトル 1"/>
-          <p:cNvSpPr>
-            <a:spLocks noGrp="1"/>
-          </p:cNvSpPr>
-          <p:nvPr>
-            <p:ph type="title"/>
-          </p:nvPr>
-        </p:nvSpPr>
-        <p:spPr/>
-        <p:txBody>
-          <a:bodyPr/>
-          <a:lstStyle/>
-          <a:p>
-            <a:r>
-              <a:rPr kumimoji="1" lang="ja-JP" altLang="en-US" dirty="0" smtClean="0"/>
-              <a:t>感想</a:t>
-            </a:r>
-            <a:endParaRPr kumimoji="1" lang="ja-JP" altLang="en-US" dirty="0"/>
-          </a:p>
-        </p:txBody>
-      </p:sp>
-      <p:sp>
-        <p:nvSpPr>
-          <p:cNvPr id="6" name="コンテンツ プレースホルダー 2"/>
-          <p:cNvSpPr>
-            <a:spLocks noGrp="1"/>
-          </p:cNvSpPr>
-          <p:nvPr>
-            <p:ph idx="1"/>
-          </p:nvPr>
-        </p:nvSpPr>
-        <p:spPr>
-          <a:xfrm>
-            <a:off x="1435608" y="1447800"/>
-            <a:ext cx="7498080" cy="5077544"/>
-          </a:xfrm>
-        </p:spPr>
-        <p:txBody>
-          <a:bodyPr>
-            <a:normAutofit/>
-          </a:bodyPr>
-          <a:lstStyle/>
-          <a:p>
-            <a:r>
-              <a:rPr kumimoji="1" lang="ja-JP" altLang="en-US" dirty="0" smtClean="0"/>
-              <a:t>とりあえず動くものが簡単に作れて面白い</a:t>
-            </a:r>
-            <a:endParaRPr kumimoji="1" lang="en-US" altLang="ja-JP" dirty="0" smtClean="0"/>
-          </a:p>
-          <a:p>
-            <a:endParaRPr lang="en-US" altLang="ja-JP" dirty="0" smtClean="0"/>
-          </a:p>
-          <a:p>
-            <a:r>
-              <a:rPr lang="ja-JP" altLang="en-US" dirty="0" smtClean="0"/>
-              <a:t>すごい</a:t>
-            </a:r>
-            <a:endParaRPr lang="en-US" altLang="ja-JP" dirty="0" smtClean="0"/>
-          </a:p>
-          <a:p>
-            <a:endParaRPr lang="en-US" altLang="ja-JP" dirty="0"/>
-          </a:p>
-          <a:p>
-            <a:r>
-              <a:rPr lang="ja-JP" altLang="en-US" dirty="0" smtClean="0"/>
-              <a:t>ぶっちゃ</a:t>
-            </a:r>
-            <a:r>
-              <a:rPr lang="ja-JP" altLang="en-US" dirty="0" err="1" smtClean="0"/>
-              <a:t>け</a:t>
-            </a:r>
-            <a:r>
-              <a:rPr lang="ja-JP" altLang="en-US" dirty="0" smtClean="0"/>
-              <a:t>なんでもできそう</a:t>
-            </a:r>
-            <a:endParaRPr lang="en-US" altLang="ja-JP" dirty="0"/>
-          </a:p>
-        </p:txBody>
-      </p:sp>
-    </p:spTree>
-    <p:extLst>
-      <p:ext uri="{BB962C8B-B14F-4D97-AF65-F5344CB8AC3E}">
-        <p14:creationId xmlns:p14="http://schemas.microsoft.com/office/powerpoint/2010/main" val="868550525"/>
-      </p:ext>
-    </p:extLst>
-  </p:cSld>
-  <p:clrMapOvr>
-    <a:masterClrMapping/>
-  </p:clrMapOvr>
-</p:sld>
-</file>
-
-<file path=ppt/slides/slide13.xml><?xml version="1.0" encoding="utf-8"?>
-<p:sld xmlns:a="http://schemas.openxmlformats.org/drawingml/2006/main" xmlns:r="http://schemas.openxmlformats.org/officeDocument/2006/relationships" xmlns:p="http://schemas.openxmlformats.org/presentationml/2006/main">
-  <p:cSld>
-    <p:spTree>
-      <p:nvGrpSpPr>
-        <p:cNvPr id="1" name=""/>
-        <p:cNvGrpSpPr/>
-        <p:nvPr/>
-      </p:nvGrpSpPr>
-      <p:grpSpPr>
-        <a:xfrm>
-          <a:off x="0" y="0"/>
-          <a:ext cx="0" cy="0"/>
-          <a:chOff x="0" y="0"/>
-          <a:chExt cx="0" cy="0"/>
-        </a:xfrm>
-      </p:grpSpPr>
-      <p:sp>
-        <p:nvSpPr>
-          <p:cNvPr id="3" name="コンテンツ プレースホルダー 2"/>
-          <p:cNvSpPr>
-            <a:spLocks noGrp="1"/>
-          </p:cNvSpPr>
-          <p:nvPr>
-            <p:ph idx="1"/>
-          </p:nvPr>
-        </p:nvSpPr>
-        <p:spPr>
-          <a:xfrm>
-            <a:off x="1435608" y="3068960"/>
-            <a:ext cx="7498080" cy="3179440"/>
-          </a:xfrm>
-        </p:spPr>
-        <p:txBody>
-          <a:bodyPr/>
-          <a:lstStyle/>
-          <a:p>
-            <a:pPr marL="82296" indent="0">
-              <a:buNone/>
-            </a:pPr>
-            <a:r>
-              <a:rPr kumimoji="1" lang="ja-JP" altLang="en-US" dirty="0" smtClean="0"/>
-              <a:t>ご清聴ありがとうございました</a:t>
-            </a:r>
-            <a:endParaRPr kumimoji="1" lang="ja-JP" altLang="en-US" dirty="0"/>
-          </a:p>
-        </p:txBody>
-      </p:sp>
-      <p:sp>
-        <p:nvSpPr>
-          <p:cNvPr id="4" name="タイトル 3"/>
-          <p:cNvSpPr>
-            <a:spLocks noGrp="1"/>
-          </p:cNvSpPr>
-          <p:nvPr>
-            <p:ph type="title"/>
-          </p:nvPr>
-        </p:nvSpPr>
-        <p:spPr/>
-        <p:txBody>
-          <a:bodyPr/>
-          <a:lstStyle/>
-          <a:p>
-            <a:endParaRPr kumimoji="1" lang="ja-JP" altLang="en-US"/>
-          </a:p>
-        </p:txBody>
-      </p:sp>
-    </p:spTree>
-    <p:extLst>
-      <p:ext uri="{BB962C8B-B14F-4D97-AF65-F5344CB8AC3E}">
-        <p14:creationId xmlns:p14="http://schemas.microsoft.com/office/powerpoint/2010/main" val="2805364914"/>
-      </p:ext>
-    </p:extLst>
-  </p:cSld>
-  <p:clrMapOvr>
-    <a:masterClrMapping/>
-  </p:clrMapOvr>
-</p:sld>
-</file>
-
-<file path=ppt/slides/slide2.xml><?xml version="1.0" encoding="utf-8"?>
-<p:sld xmlns:a="http://schemas.openxmlformats.org/drawingml/2006/main" xmlns:r="http://schemas.openxmlformats.org/officeDocument/2006/relationships" xmlns:p="http://schemas.openxmlformats.org/presentationml/2006/main">
-  <p:cSld>
-    <p:spTree>
-      <p:nvGrpSpPr>
-        <p:cNvPr id="1" name=""/>
-        <p:cNvGrpSpPr/>
-        <p:nvPr/>
-      </p:nvGrpSpPr>
-      <p:grpSpPr>
-        <a:xfrm>
-          <a:off x="0" y="0"/>
-          <a:ext cx="0" cy="0"/>
-          <a:chOff x="0" y="0"/>
-          <a:chExt cx="0" cy="0"/>
-        </a:xfrm>
-      </p:grpSpPr>
-      <p:sp>
-        <p:nvSpPr>
-          <p:cNvPr id="2" name="タイトル 1"/>
-          <p:cNvSpPr>
-            <a:spLocks noGrp="1"/>
-          </p:cNvSpPr>
-          <p:nvPr>
-            <p:ph type="title"/>
-          </p:nvPr>
-        </p:nvSpPr>
-        <p:spPr/>
-        <p:txBody>
-          <a:bodyPr/>
-          <a:lstStyle/>
-          <a:p>
-            <a:r>
-              <a:rPr kumimoji="1" lang="ja-JP" altLang="en-US" dirty="0" smtClean="0"/>
-              <a:t>背景</a:t>
-            </a:r>
-            <a:endParaRPr kumimoji="1" lang="ja-JP" altLang="en-US" dirty="0"/>
-          </a:p>
-        </p:txBody>
-      </p:sp>
-      <p:pic>
-        <p:nvPicPr>
-          <p:cNvPr id="5" name="図 4"/>
-          <p:cNvPicPr>
-            <a:picLocks noChangeAspect="1"/>
-          </p:cNvPicPr>
-          <p:nvPr/>
-        </p:nvPicPr>
-        <p:blipFill>
-          <a:blip r:embed="rId2">
-            <a:extLst>
-              <a:ext uri="{28A0092B-C50C-407E-A947-70E740481C1C}">
-                <a14:useLocalDpi xmlns:a14="http://schemas.microsoft.com/office/drawing/2010/main" val="0"/>
-              </a:ext>
-            </a:extLst>
-          </a:blip>
-          <a:stretch>
-            <a:fillRect/>
-          </a:stretch>
-        </p:blipFill>
-        <p:spPr>
-          <a:xfrm>
-            <a:off x="538812" y="2924944"/>
-            <a:ext cx="4545682" cy="4545682"/>
-          </a:xfrm>
-          <a:prstGeom prst="rect">
-            <a:avLst/>
-          </a:prstGeom>
-        </p:spPr>
-      </p:pic>
-      <p:sp>
-        <p:nvSpPr>
-          <p:cNvPr id="6" name="雲形吹き出し 5"/>
-          <p:cNvSpPr/>
-          <p:nvPr/>
-        </p:nvSpPr>
-        <p:spPr>
-          <a:xfrm>
-            <a:off x="1043608" y="1052736"/>
-            <a:ext cx="8068707" cy="2319779"/>
-          </a:xfrm>
-          <a:prstGeom prst="cloudCallout">
-            <a:avLst>
-              <a:gd name="adj1" fmla="val -17850"/>
-              <a:gd name="adj2" fmla="val 70798"/>
-            </a:avLst>
-          </a:prstGeom>
-          <a:solidFill>
-            <a:schemeClr val="bg1">
-              <a:lumMod val="85000"/>
-            </a:schemeClr>
-          </a:solidFill>
-        </p:spPr>
-        <p:style>
-          <a:lnRef idx="2">
-            <a:schemeClr val="accent1">
-              <a:shade val="50000"/>
-            </a:schemeClr>
-          </a:lnRef>
-          <a:fillRef idx="1">
-            <a:schemeClr val="accent1"/>
-          </a:fillRef>
-          <a:effectRef idx="0">
-            <a:schemeClr val="accent1"/>
-          </a:effectRef>
-          <a:fontRef idx="minor">
-            <a:schemeClr val="lt1"/>
-          </a:fontRef>
-        </p:style>
-        <p:txBody>
-          <a:bodyPr rtlCol="0" anchor="ctr"/>
-          <a:lstStyle/>
-          <a:p>
-            <a:pPr algn="ctr"/>
-            <a:r>
-              <a:rPr kumimoji="1" lang="ja-JP" altLang="en-US" sz="2800" dirty="0" smtClean="0">
-                <a:solidFill>
-                  <a:schemeClr val="tx1"/>
-                </a:solidFill>
-              </a:rPr>
-              <a:t>なんか最近</a:t>
-            </a:r>
-            <a:r>
-              <a:rPr kumimoji="1" lang="en-US" altLang="ja-JP" sz="2800" dirty="0" smtClean="0">
-                <a:solidFill>
-                  <a:schemeClr val="tx1"/>
-                </a:solidFill>
-              </a:rPr>
-              <a:t>Android</a:t>
-            </a:r>
-            <a:r>
-              <a:rPr kumimoji="1" lang="ja-JP" altLang="en-US" sz="2800" dirty="0" smtClean="0">
-                <a:solidFill>
-                  <a:schemeClr val="tx1"/>
-                </a:solidFill>
-              </a:rPr>
-              <a:t>の発表とか多くてちょっと興味あるなー。</a:t>
-            </a:r>
-            <a:endParaRPr kumimoji="1" lang="en-US" altLang="ja-JP" sz="2800" dirty="0" smtClean="0">
-              <a:solidFill>
-                <a:schemeClr val="tx1"/>
-              </a:solidFill>
-            </a:endParaRPr>
-          </a:p>
-          <a:p>
-            <a:pPr algn="ctr"/>
-            <a:r>
-              <a:rPr lang="ja-JP" altLang="en-US" sz="2800" dirty="0">
-                <a:solidFill>
-                  <a:schemeClr val="tx1"/>
-                </a:solidFill>
-              </a:rPr>
-              <a:t>自分</a:t>
-            </a:r>
-            <a:r>
-              <a:rPr lang="ja-JP" altLang="en-US" sz="2800" dirty="0" smtClean="0">
-                <a:solidFill>
-                  <a:schemeClr val="tx1"/>
-                </a:solidFill>
-              </a:rPr>
-              <a:t>も</a:t>
-            </a:r>
-            <a:r>
-              <a:rPr lang="ja-JP" altLang="en-US" sz="2800" dirty="0">
-                <a:solidFill>
-                  <a:schemeClr val="tx1"/>
-                </a:solidFill>
-              </a:rPr>
-              <a:t>やってみようかなぁ</a:t>
-            </a:r>
-            <a:endParaRPr kumimoji="1" lang="ja-JP" altLang="en-US" sz="2800" dirty="0">
-              <a:solidFill>
-                <a:schemeClr val="tx1"/>
-              </a:solidFill>
-            </a:endParaRPr>
-          </a:p>
-        </p:txBody>
-      </p:sp>
-    </p:spTree>
-    <p:extLst>
-      <p:ext uri="{BB962C8B-B14F-4D97-AF65-F5344CB8AC3E}">
-        <p14:creationId xmlns:p14="http://schemas.microsoft.com/office/powerpoint/2010/main" val="2486749052"/>
-      </p:ext>
-    </p:extLst>
-  </p:cSld>
-  <p:clrMapOvr>
-    <a:masterClrMapping/>
-  </p:clrMapOvr>
-  <p:timing>
-    <p:tnLst>
-      <p:par>
-        <p:cTn id="1" dur="indefinite" restart="never" nodeType="tmRoot"/>
-      </p:par>
-    </p:tnLst>
-  </p:timing>
-</p:sld>
-</file>
-
-<file path=ppt/slides/slide3.xml><?xml version="1.0" encoding="utf-8"?>
-<p:sld xmlns:a="http://schemas.openxmlformats.org/drawingml/2006/main" xmlns:r="http://schemas.openxmlformats.org/officeDocument/2006/relationships" xmlns:p="http://schemas.openxmlformats.org/presentationml/2006/main">
-  <p:cSld>
-    <p:spTree>
-      <p:nvGrpSpPr>
-        <p:cNvPr id="1" name=""/>
-        <p:cNvGrpSpPr/>
-        <p:nvPr/>
-      </p:nvGrpSpPr>
-      <p:grpSpPr>
-        <a:xfrm>
-          <a:off x="0" y="0"/>
-          <a:ext cx="0" cy="0"/>
-          <a:chOff x="0" y="0"/>
-          <a:chExt cx="0" cy="0"/>
-        </a:xfrm>
-      </p:grpSpPr>
-      <p:sp>
-        <p:nvSpPr>
-          <p:cNvPr id="2" name="タイトル 1"/>
-          <p:cNvSpPr>
-            <a:spLocks noGrp="1"/>
-          </p:cNvSpPr>
-          <p:nvPr>
-            <p:ph type="title"/>
-          </p:nvPr>
-        </p:nvSpPr>
-        <p:spPr/>
-        <p:txBody>
-          <a:bodyPr/>
-          <a:lstStyle/>
-          <a:p>
-            <a:r>
-              <a:rPr kumimoji="1" lang="ja-JP" altLang="en-US" dirty="0" smtClean="0"/>
-              <a:t>背景</a:t>
-            </a:r>
-            <a:endParaRPr kumimoji="1" lang="ja-JP" altLang="en-US" dirty="0"/>
-          </a:p>
-        </p:txBody>
-      </p:sp>
-      <p:pic>
-        <p:nvPicPr>
-          <p:cNvPr id="5" name="図 4"/>
-          <p:cNvPicPr>
-            <a:picLocks noChangeAspect="1"/>
-          </p:cNvPicPr>
-          <p:nvPr/>
-        </p:nvPicPr>
-        <p:blipFill>
-          <a:blip r:embed="rId2">
-            <a:extLst>
-              <a:ext uri="{28A0092B-C50C-407E-A947-70E740481C1C}">
-                <a14:useLocalDpi xmlns:a14="http://schemas.microsoft.com/office/drawing/2010/main" val="0"/>
-              </a:ext>
-            </a:extLst>
-          </a:blip>
-          <a:stretch>
-            <a:fillRect/>
-          </a:stretch>
-        </p:blipFill>
-        <p:spPr>
-          <a:xfrm>
-            <a:off x="538812" y="2924944"/>
-            <a:ext cx="4545682" cy="4545682"/>
-          </a:xfrm>
-          <a:prstGeom prst="rect">
-            <a:avLst/>
-          </a:prstGeom>
-        </p:spPr>
-      </p:pic>
-      <p:sp>
-        <p:nvSpPr>
-          <p:cNvPr id="6" name="雲形吹き出し 5"/>
-          <p:cNvSpPr/>
-          <p:nvPr/>
-        </p:nvSpPr>
-        <p:spPr>
-          <a:xfrm>
-            <a:off x="1043608" y="1052736"/>
-            <a:ext cx="8068707" cy="2319779"/>
-          </a:xfrm>
-          <a:prstGeom prst="cloudCallout">
-            <a:avLst>
-              <a:gd name="adj1" fmla="val -17850"/>
-              <a:gd name="adj2" fmla="val 70798"/>
-            </a:avLst>
-          </a:prstGeom>
-          <a:solidFill>
-            <a:schemeClr val="bg1">
-              <a:lumMod val="85000"/>
-            </a:schemeClr>
-          </a:solidFill>
-        </p:spPr>
-        <p:style>
-          <a:lnRef idx="2">
-            <a:schemeClr val="accent1">
-              <a:shade val="50000"/>
-            </a:schemeClr>
-          </a:lnRef>
-          <a:fillRef idx="1">
-            <a:schemeClr val="accent1"/>
-          </a:fillRef>
-          <a:effectRef idx="0">
-            <a:schemeClr val="accent1"/>
-          </a:effectRef>
-          <a:fontRef idx="minor">
-            <a:schemeClr val="lt1"/>
-          </a:fontRef>
-        </p:style>
-        <p:txBody>
-          <a:bodyPr rtlCol="0" anchor="ctr"/>
-          <a:lstStyle/>
-          <a:p>
-            <a:pPr algn="ctr"/>
-            <a:r>
-              <a:rPr kumimoji="1" lang="ja-JP" altLang="en-US" sz="2800" dirty="0" smtClean="0">
-                <a:solidFill>
-                  <a:schemeClr val="tx1"/>
-                </a:solidFill>
-              </a:rPr>
-              <a:t>持ってるデバイス</a:t>
-            </a:r>
-            <a:endParaRPr kumimoji="1" lang="ja-JP" altLang="en-US" sz="2800" dirty="0">
-              <a:solidFill>
-                <a:schemeClr val="tx1"/>
-              </a:solidFill>
-            </a:endParaRPr>
-          </a:p>
-        </p:txBody>
-      </p:sp>
-    </p:spTree>
-    <p:extLst>
-      <p:ext uri="{BB962C8B-B14F-4D97-AF65-F5344CB8AC3E}">
-        <p14:creationId xmlns:p14="http://schemas.microsoft.com/office/powerpoint/2010/main" val="1642618047"/>
-      </p:ext>
-    </p:extLst>
-  </p:cSld>
-  <p:clrMapOvr>
-    <a:masterClrMapping/>
-  </p:clrMapOvr>
-  <p:timing>
-    <p:tnLst>
-      <p:par>
-        <p:cTn id="1" dur="indefinite" restart="never" nodeType="tmRoot"/>
-      </p:par>
-    </p:tnLst>
-  </p:timing>
-</p:sld>
-</file>
-
-<file path=ppt/slides/slide4.xml><?xml version="1.0" encoding="utf-8"?>
-<p:sld xmlns:a="http://schemas.openxmlformats.org/drawingml/2006/main" xmlns:r="http://schemas.openxmlformats.org/officeDocument/2006/relationships" xmlns:p="http://schemas.openxmlformats.org/presentationml/2006/main">
-  <p:cSld>
-    <p:spTree>
-      <p:nvGrpSpPr>
-        <p:cNvPr id="1" name=""/>
-        <p:cNvGrpSpPr/>
-        <p:nvPr/>
-      </p:nvGrpSpPr>
-      <p:grpSpPr>
-        <a:xfrm>
-          <a:off x="0" y="0"/>
-          <a:ext cx="0" cy="0"/>
-          <a:chOff x="0" y="0"/>
-          <a:chExt cx="0" cy="0"/>
-        </a:xfrm>
-      </p:grpSpPr>
-      <p:sp>
-        <p:nvSpPr>
-          <p:cNvPr id="2" name="タイトル 1"/>
-          <p:cNvSpPr>
-            <a:spLocks noGrp="1"/>
-          </p:cNvSpPr>
-          <p:nvPr>
-            <p:ph type="title"/>
-          </p:nvPr>
-        </p:nvSpPr>
-        <p:spPr/>
-        <p:txBody>
-          <a:bodyPr/>
-          <a:lstStyle/>
-          <a:p>
-            <a:r>
-              <a:rPr kumimoji="1" lang="en-US" altLang="ja-JP" dirty="0" smtClean="0"/>
-              <a:t>UWSC</a:t>
-            </a:r>
-            <a:r>
-              <a:rPr kumimoji="1" lang="ja-JP" altLang="en-US" dirty="0" smtClean="0"/>
-              <a:t>とは？</a:t>
-            </a:r>
-            <a:endParaRPr kumimoji="1" lang="ja-JP" altLang="en-US" dirty="0"/>
-          </a:p>
-        </p:txBody>
-      </p:sp>
-      <p:sp>
-        <p:nvSpPr>
-          <p:cNvPr id="3" name="コンテンツ プレースホルダー 2"/>
-          <p:cNvSpPr>
-            <a:spLocks noGrp="1"/>
-          </p:cNvSpPr>
-          <p:nvPr>
-            <p:ph idx="1"/>
-          </p:nvPr>
-        </p:nvSpPr>
-        <p:spPr>
-          <a:xfrm>
-            <a:off x="1115616" y="1124744"/>
-            <a:ext cx="7818072" cy="5544616"/>
-          </a:xfrm>
-        </p:spPr>
-        <p:txBody>
-          <a:bodyPr>
-            <a:normAutofit/>
-          </a:bodyPr>
-          <a:lstStyle/>
-          <a:p>
-            <a:pPr marL="82296" indent="0">
-              <a:buNone/>
-            </a:pPr>
-            <a:r>
-              <a:rPr lang="ja-JP" altLang="ja-JP" dirty="0"/>
-              <a:t>Windowsの作業を自動化するツール</a:t>
-            </a:r>
-            <a:endParaRPr kumimoji="1" lang="en-US" altLang="ja-JP" dirty="0" smtClean="0"/>
-          </a:p>
-          <a:p>
-            <a:pPr marL="82296" indent="0">
-              <a:buNone/>
-            </a:pPr>
-            <a:endParaRPr lang="en-US" altLang="ja-JP" dirty="0" smtClean="0"/>
-          </a:p>
-          <a:p>
-            <a:pPr marL="82296" indent="0">
-              <a:buNone/>
-            </a:pPr>
-            <a:r>
-              <a:rPr lang="ja-JP" altLang="en-US" dirty="0" smtClean="0"/>
-              <a:t>フリー版、シェアウェア版の２種類存在</a:t>
-            </a:r>
-            <a:endParaRPr lang="en-US" altLang="ja-JP" dirty="0" smtClean="0"/>
-          </a:p>
-          <a:p>
-            <a:pPr marL="82296" indent="0">
-              <a:buNone/>
-            </a:pPr>
-            <a:endParaRPr lang="en-US" altLang="ja-JP" dirty="0"/>
-          </a:p>
-          <a:p>
-            <a:pPr marL="82296" indent="0">
-              <a:buNone/>
-            </a:pPr>
-            <a:r>
-              <a:rPr lang="en-US" altLang="ja-JP" dirty="0"/>
-              <a:t>http://www.uwsc.info/</a:t>
-            </a:r>
-          </a:p>
-        </p:txBody>
-      </p:sp>
-    </p:spTree>
-    <p:extLst>
-      <p:ext uri="{BB962C8B-B14F-4D97-AF65-F5344CB8AC3E}">
-        <p14:creationId xmlns:p14="http://schemas.microsoft.com/office/powerpoint/2010/main" val="3376307830"/>
-      </p:ext>
-    </p:extLst>
-  </p:cSld>
-  <p:clrMapOvr>
-    <a:masterClrMapping/>
-  </p:clrMapOvr>
-  <p:timing>
-    <p:tnLst>
-      <p:par>
-        <p:cTn id="1" dur="indefinite" restart="never" nodeType="tmRoot"/>
-      </p:par>
-    </p:tnLst>
-  </p:timing>
-</p:sld>
-</file>
-
-<file path=ppt/slides/slide5.xml><?xml version="1.0" encoding="utf-8"?>
-<p:sld xmlns:a="http://schemas.openxmlformats.org/drawingml/2006/main" xmlns:r="http://schemas.openxmlformats.org/officeDocument/2006/relationships" xmlns:p="http://schemas.openxmlformats.org/presentationml/2006/main">
-  <p:cSld>
-    <p:spTree>
-      <p:nvGrpSpPr>
-        <p:cNvPr id="1" name=""/>
-        <p:cNvGrpSpPr/>
-        <p:nvPr/>
-      </p:nvGrpSpPr>
-      <p:grpSpPr>
-        <a:xfrm>
-          <a:off x="0" y="0"/>
-          <a:ext cx="0" cy="0"/>
-          <a:chOff x="0" y="0"/>
-          <a:chExt cx="0" cy="0"/>
-        </a:xfrm>
-      </p:grpSpPr>
-      <p:sp>
-        <p:nvSpPr>
-          <p:cNvPr id="2" name="タイトル 1"/>
-          <p:cNvSpPr>
-            <a:spLocks noGrp="1"/>
-          </p:cNvSpPr>
-          <p:nvPr>
-            <p:ph type="title"/>
-          </p:nvPr>
-        </p:nvSpPr>
-        <p:spPr/>
-        <p:txBody>
-          <a:bodyPr>
-            <a:normAutofit/>
-          </a:bodyPr>
-          <a:lstStyle/>
-          <a:p>
-            <a:r>
-              <a:rPr kumimoji="1" lang="ja-JP" altLang="en-US" dirty="0" smtClean="0"/>
-              <a:t>公式トップより</a:t>
-            </a:r>
-            <a:endParaRPr kumimoji="1" lang="ja-JP" altLang="en-US" dirty="0"/>
-          </a:p>
-        </p:txBody>
-      </p:sp>
-      <p:sp>
-        <p:nvSpPr>
-          <p:cNvPr id="3" name="コンテンツ プレースホルダー 2"/>
-          <p:cNvSpPr>
-            <a:spLocks noGrp="1"/>
-          </p:cNvSpPr>
-          <p:nvPr>
-            <p:ph idx="1"/>
-          </p:nvPr>
-        </p:nvSpPr>
-        <p:spPr>
-          <a:xfrm>
-            <a:off x="1259632" y="1124744"/>
-            <a:ext cx="7674056" cy="5328592"/>
-          </a:xfrm>
-        </p:spPr>
-        <p:txBody>
-          <a:bodyPr>
-            <a:normAutofit fontScale="85000" lnSpcReduction="20000"/>
-          </a:bodyPr>
-          <a:lstStyle/>
-          <a:p>
-            <a:pPr marL="82296" indent="0">
-              <a:buNone/>
-            </a:pPr>
-            <a:r>
-              <a:rPr lang="ja-JP" altLang="en-US" dirty="0"/>
-              <a:t>「機能」</a:t>
-            </a:r>
-            <a:br>
-              <a:rPr lang="ja-JP" altLang="en-US" dirty="0"/>
-            </a:br>
-            <a:r>
-              <a:rPr lang="ja-JP" altLang="en-US" dirty="0" smtClean="0"/>
-              <a:t>・ </a:t>
-            </a:r>
-            <a:r>
-              <a:rPr lang="ja-JP" altLang="en-US" dirty="0"/>
-              <a:t>マウスとキーボード入力を記録して再生する事ができます</a:t>
-            </a:r>
-            <a:r>
-              <a:rPr lang="ja-JP" altLang="en-US" dirty="0" smtClean="0"/>
-              <a:t>。（</a:t>
-            </a:r>
-            <a:r>
-              <a:rPr lang="ja-JP" altLang="en-US" dirty="0"/>
-              <a:t>スクリプト形式ですので自由に編集する事ができます）</a:t>
-            </a:r>
-            <a:br>
-              <a:rPr lang="ja-JP" altLang="en-US" dirty="0"/>
-            </a:br>
-            <a:endParaRPr lang="en-US" altLang="ja-JP" dirty="0" smtClean="0"/>
-          </a:p>
-          <a:p>
-            <a:pPr marL="82296" indent="0">
-              <a:buNone/>
-            </a:pPr>
-            <a:r>
-              <a:rPr lang="ja-JP" altLang="en-US" dirty="0" smtClean="0"/>
-              <a:t>・ </a:t>
-            </a:r>
-            <a:r>
-              <a:rPr lang="ja-JP" altLang="en-US" dirty="0"/>
-              <a:t>強力なスクリプト言語によりアプリの操作ができます</a:t>
-            </a:r>
-            <a:r>
-              <a:rPr lang="ja-JP" altLang="en-US" dirty="0" smtClean="0"/>
-              <a:t>。（</a:t>
-            </a:r>
-            <a:r>
-              <a:rPr lang="en-US" altLang="ja-JP" dirty="0"/>
-              <a:t>COM</a:t>
-            </a:r>
-            <a:r>
-              <a:rPr lang="ja-JP" altLang="en-US" dirty="0"/>
-              <a:t>オブジェクト、</a:t>
-            </a:r>
-            <a:r>
-              <a:rPr lang="en-US" altLang="ja-JP" dirty="0"/>
-              <a:t>DLL</a:t>
-            </a:r>
-            <a:r>
-              <a:rPr lang="ja-JP" altLang="en-US" dirty="0"/>
-              <a:t>の利用も可能です</a:t>
-            </a:r>
-            <a:r>
-              <a:rPr lang="ja-JP" altLang="en-US" dirty="0" smtClean="0"/>
-              <a:t>）</a:t>
-            </a:r>
-            <a:endParaRPr lang="en-US" altLang="ja-JP" dirty="0" smtClean="0"/>
-          </a:p>
-          <a:p>
-            <a:pPr marL="82296" indent="0">
-              <a:buNone/>
-            </a:pPr>
-            <a:r>
-              <a:rPr lang="ja-JP" altLang="en-US" dirty="0"/>
-              <a:t/>
-            </a:r>
-            <a:br>
-              <a:rPr lang="ja-JP" altLang="en-US" dirty="0"/>
-            </a:br>
-            <a:r>
-              <a:rPr lang="ja-JP" altLang="en-US" dirty="0" smtClean="0"/>
-              <a:t>・ </a:t>
-            </a:r>
-            <a:r>
-              <a:rPr lang="ja-JP" altLang="en-US" dirty="0"/>
-              <a:t>スケジュール機能により指定時間や指定ウィンドウが現れた時などの指定ができます。</a:t>
-            </a:r>
-            <a:br>
-              <a:rPr lang="ja-JP" altLang="en-US" dirty="0"/>
-            </a:br>
-            <a:endParaRPr lang="en-US" altLang="ja-JP" dirty="0" smtClean="0"/>
-          </a:p>
-          <a:p>
-            <a:pPr marL="82296" indent="0">
-              <a:buNone/>
-            </a:pPr>
-            <a:r>
-              <a:rPr lang="ja-JP" altLang="en-US" dirty="0"/>
-              <a:t/>
-            </a:r>
-            <a:br>
-              <a:rPr lang="ja-JP" altLang="en-US" dirty="0"/>
-            </a:br>
-            <a:r>
-              <a:rPr lang="ja-JP" altLang="en-US" dirty="0"/>
-              <a:t>「動作環境」</a:t>
-            </a:r>
-            <a:br>
-              <a:rPr lang="ja-JP" altLang="en-US" dirty="0"/>
-            </a:br>
-            <a:r>
-              <a:rPr lang="ja-JP" altLang="en-US" dirty="0"/>
-              <a:t>　</a:t>
-            </a:r>
-            <a:r>
-              <a:rPr lang="en-US" altLang="ja-JP" dirty="0"/>
-              <a:t>Windows</a:t>
-            </a:r>
-            <a:r>
-              <a:rPr lang="ja-JP" altLang="en-US" dirty="0"/>
-              <a:t>　</a:t>
-            </a:r>
-            <a:r>
-              <a:rPr lang="en-US" altLang="ja-JP" dirty="0"/>
-              <a:t>XP / Vista / 7 / </a:t>
-            </a:r>
-            <a:r>
-              <a:rPr lang="en-US" altLang="ja-JP" dirty="0" smtClean="0"/>
-              <a:t>8</a:t>
-            </a:r>
-            <a:endParaRPr kumimoji="1" lang="en-US" altLang="ja-JP" dirty="0" smtClean="0"/>
-          </a:p>
-        </p:txBody>
-      </p:sp>
-    </p:spTree>
-    <p:extLst>
-      <p:ext uri="{BB962C8B-B14F-4D97-AF65-F5344CB8AC3E}">
-        <p14:creationId xmlns:p14="http://schemas.microsoft.com/office/powerpoint/2010/main" val="878443423"/>
-      </p:ext>
-    </p:extLst>
-  </p:cSld>
-  <p:clrMapOvr>
-    <a:masterClrMapping/>
-  </p:clrMapOvr>
-  <p:timing>
-    <p:tnLst>
-      <p:par>
-        <p:cTn id="1" dur="indefinite" restart="never" nodeType="tmRoot"/>
-      </p:par>
-    </p:tnLst>
-  </p:timing>
-</p:sld>
-</file>
-
-<file path=ppt/slides/slide6.xml><?xml version="1.0" encoding="utf-8"?>
-<p:sld xmlns:a="http://schemas.openxmlformats.org/drawingml/2006/main" xmlns:r="http://schemas.openxmlformats.org/officeDocument/2006/relationships" xmlns:p="http://schemas.openxmlformats.org/presentationml/2006/main">
-  <p:cSld>
-    <p:spTree>
-      <p:nvGrpSpPr>
-        <p:cNvPr id="1" name=""/>
-        <p:cNvGrpSpPr/>
-        <p:nvPr/>
-      </p:nvGrpSpPr>
-      <p:grpSpPr>
-        <a:xfrm>
-          <a:off x="0" y="0"/>
-          <a:ext cx="0" cy="0"/>
-          <a:chOff x="0" y="0"/>
-          <a:chExt cx="0" cy="0"/>
-        </a:xfrm>
-      </p:grpSpPr>
-      <p:sp>
-        <p:nvSpPr>
-          <p:cNvPr id="2" name="タイトル 1"/>
-          <p:cNvSpPr>
-            <a:spLocks noGrp="1"/>
-          </p:cNvSpPr>
-          <p:nvPr>
-            <p:ph type="title"/>
-          </p:nvPr>
-        </p:nvSpPr>
-        <p:spPr/>
-        <p:txBody>
-          <a:bodyPr/>
-          <a:lstStyle/>
-          <a:p>
-            <a:r>
-              <a:rPr kumimoji="1" lang="ja-JP" altLang="en-US" dirty="0" smtClean="0"/>
-              <a:t>まず使ってみる</a:t>
-            </a:r>
-            <a:endParaRPr kumimoji="1" lang="ja-JP" altLang="en-US" dirty="0"/>
-          </a:p>
-        </p:txBody>
-      </p:sp>
-      <p:sp>
-        <p:nvSpPr>
-          <p:cNvPr id="3" name="コンテンツ プレースホルダー 2"/>
-          <p:cNvSpPr>
-            <a:spLocks noGrp="1"/>
-          </p:cNvSpPr>
-          <p:nvPr>
-            <p:ph idx="1"/>
-          </p:nvPr>
-        </p:nvSpPr>
-        <p:spPr>
-          <a:xfrm>
-            <a:off x="899592" y="1447800"/>
-            <a:ext cx="8136904" cy="4069432"/>
-          </a:xfrm>
-        </p:spPr>
-        <p:txBody>
-          <a:bodyPr>
-            <a:normAutofit/>
-          </a:bodyPr>
-          <a:lstStyle/>
-          <a:p>
-            <a:pPr marL="82296" indent="0">
-              <a:buNone/>
-            </a:pPr>
-            <a:r>
-              <a:rPr kumimoji="1" lang="ja-JP" altLang="en-US" dirty="0" smtClean="0"/>
-              <a:t>とりあえず記録→再生するだけでも</a:t>
-            </a:r>
-            <a:endParaRPr kumimoji="1" lang="en-US" altLang="ja-JP" dirty="0" smtClean="0"/>
-          </a:p>
-          <a:p>
-            <a:pPr marL="82296" indent="0">
-              <a:buNone/>
-            </a:pPr>
-            <a:r>
-              <a:rPr kumimoji="1" lang="ja-JP" altLang="en-US" dirty="0" smtClean="0"/>
-              <a:t>結構それらしくなります。</a:t>
-            </a:r>
-            <a:endParaRPr kumimoji="1" lang="en-US" altLang="ja-JP" dirty="0" smtClean="0"/>
-          </a:p>
-          <a:p>
-            <a:pPr marL="82296" indent="0">
-              <a:buNone/>
-            </a:pPr>
-            <a:endParaRPr lang="en-US" altLang="ja-JP" dirty="0"/>
-          </a:p>
-          <a:p>
-            <a:pPr marL="82296" indent="0">
-              <a:buNone/>
-            </a:pPr>
-            <a:endParaRPr kumimoji="1" lang="en-US" altLang="ja-JP" dirty="0" smtClean="0"/>
-          </a:p>
-          <a:p>
-            <a:pPr marL="82296" indent="0">
-              <a:buNone/>
-            </a:pPr>
-            <a:r>
-              <a:rPr kumimoji="1" lang="ja-JP" altLang="en-US" dirty="0" smtClean="0"/>
-              <a:t>記録してできたスクリプトの中身を読んで</a:t>
-            </a:r>
-            <a:endParaRPr kumimoji="1" lang="en-US" altLang="ja-JP" dirty="0" smtClean="0"/>
-          </a:p>
-          <a:p>
-            <a:pPr marL="82296" indent="0">
-              <a:buNone/>
-            </a:pPr>
-            <a:r>
-              <a:rPr lang="ja-JP" altLang="en-US" dirty="0"/>
-              <a:t>いじくってみる</a:t>
-            </a:r>
-            <a:r>
-              <a:rPr lang="ja-JP" altLang="en-US" dirty="0" smtClean="0"/>
-              <a:t>と面白い感じに。</a:t>
-            </a:r>
-            <a:endParaRPr kumimoji="1" lang="en-US" altLang="ja-JP" dirty="0" smtClean="0"/>
-          </a:p>
-        </p:txBody>
-      </p:sp>
-      <p:sp>
-        <p:nvSpPr>
-          <p:cNvPr id="6" name="下矢印 5"/>
-          <p:cNvSpPr/>
-          <p:nvPr/>
-        </p:nvSpPr>
-        <p:spPr>
-          <a:xfrm>
-            <a:off x="4211960" y="2827106"/>
-            <a:ext cx="936104" cy="720080"/>
-          </a:xfrm>
-          <a:prstGeom prst="downArrow">
-            <a:avLst/>
-          </a:prstGeom>
-        </p:spPr>
-        <p:style>
-          <a:lnRef idx="2">
-            <a:schemeClr val="accent1">
-              <a:shade val="50000"/>
-            </a:schemeClr>
-          </a:lnRef>
-          <a:fillRef idx="1">
-            <a:schemeClr val="accent1"/>
-          </a:fillRef>
-          <a:effectRef idx="0">
-            <a:schemeClr val="accent1"/>
-          </a:effectRef>
-          <a:fontRef idx="minor">
-            <a:schemeClr val="lt1"/>
-          </a:fontRef>
-        </p:style>
-        <p:txBody>
-          <a:bodyPr rtlCol="0" anchor="ctr"/>
-          <a:lstStyle/>
-          <a:p>
-            <a:pPr algn="ctr"/>
-            <a:endParaRPr kumimoji="1" lang="ja-JP" altLang="en-US"/>
-          </a:p>
-        </p:txBody>
-      </p:sp>
-    </p:spTree>
-    <p:extLst>
-      <p:ext uri="{BB962C8B-B14F-4D97-AF65-F5344CB8AC3E}">
-        <p14:creationId xmlns:p14="http://schemas.microsoft.com/office/powerpoint/2010/main" val="2494857876"/>
-      </p:ext>
-    </p:extLst>
-  </p:cSld>
-  <p:clrMapOvr>
-    <a:masterClrMapping/>
-  </p:clrMapOvr>
-  <p:timing>
-    <p:tnLst>
-      <p:par>
-        <p:cTn id="1" dur="indefinite" restart="never" nodeType="tmRoot"/>
-      </p:par>
-    </p:tnLst>
-  </p:timing>
-</p:sld>
-</file>
-
-<file path=ppt/slides/slide7.xml><?xml version="1.0" encoding="utf-8"?>
-<p:sld xmlns:a="http://schemas.openxmlformats.org/drawingml/2006/main" xmlns:r="http://schemas.openxmlformats.org/officeDocument/2006/relationships" xmlns:p="http://schemas.openxmlformats.org/presentationml/2006/main">
-  <p:cSld>
-    <p:spTree>
-      <p:nvGrpSpPr>
-        <p:cNvPr id="1" name=""/>
-        <p:cNvGrpSpPr/>
-        <p:nvPr/>
-      </p:nvGrpSpPr>
-      <p:grpSpPr>
-        <a:xfrm>
-          <a:off x="0" y="0"/>
-          <a:ext cx="0" cy="0"/>
-          <a:chOff x="0" y="0"/>
-          <a:chExt cx="0" cy="0"/>
-        </a:xfrm>
-      </p:grpSpPr>
-      <p:sp>
-        <p:nvSpPr>
-          <p:cNvPr id="2" name="タイトル 1"/>
-          <p:cNvSpPr>
-            <a:spLocks noGrp="1"/>
-          </p:cNvSpPr>
-          <p:nvPr>
-            <p:ph type="title"/>
-          </p:nvPr>
-        </p:nvSpPr>
-        <p:spPr/>
-        <p:txBody>
-          <a:bodyPr>
-            <a:normAutofit/>
-          </a:bodyPr>
-          <a:lstStyle/>
-          <a:p>
-            <a:r>
-              <a:rPr kumimoji="1" lang="ja-JP" altLang="en-US" dirty="0" smtClean="0"/>
-              <a:t>スクリプトを組もう</a:t>
-            </a:r>
-            <a:endParaRPr kumimoji="1" lang="ja-JP" altLang="en-US" dirty="0"/>
-          </a:p>
-        </p:txBody>
-      </p:sp>
-      <p:sp>
-        <p:nvSpPr>
-          <p:cNvPr id="3" name="コンテンツ プレースホルダー 2"/>
-          <p:cNvSpPr>
-            <a:spLocks noGrp="1"/>
-          </p:cNvSpPr>
-          <p:nvPr>
-            <p:ph idx="1"/>
-          </p:nvPr>
-        </p:nvSpPr>
-        <p:spPr>
-          <a:xfrm>
-            <a:off x="899592" y="1447800"/>
-            <a:ext cx="8136904" cy="4800600"/>
-          </a:xfrm>
-        </p:spPr>
-        <p:txBody>
-          <a:bodyPr>
-            <a:normAutofit/>
-          </a:bodyPr>
-          <a:lstStyle/>
-          <a:p>
-            <a:pPr marL="82296" indent="0">
-              <a:buNone/>
-            </a:pPr>
-            <a:r>
-              <a:rPr kumimoji="1" lang="ja-JP" altLang="en-US" dirty="0" smtClean="0"/>
-              <a:t>公式のヘルプやサンプルに色々あります。</a:t>
-            </a:r>
-            <a:endParaRPr kumimoji="1" lang="en-US" altLang="ja-JP" dirty="0" smtClean="0"/>
-          </a:p>
-          <a:p>
-            <a:pPr marL="82296" indent="0">
-              <a:buNone/>
-            </a:pPr>
-            <a:endParaRPr lang="en-US" altLang="ja-JP" dirty="0"/>
-          </a:p>
-          <a:p>
-            <a:pPr marL="82296" indent="0">
-              <a:buNone/>
-            </a:pPr>
-            <a:r>
-              <a:rPr kumimoji="1" lang="ja-JP" altLang="en-US" dirty="0" smtClean="0"/>
-              <a:t>ググ</a:t>
-            </a:r>
-            <a:r>
-              <a:rPr kumimoji="1" lang="ja-JP" altLang="en-US" dirty="0" err="1" smtClean="0"/>
-              <a:t>ると</a:t>
-            </a:r>
-            <a:r>
-              <a:rPr kumimoji="1" lang="ja-JP" altLang="en-US" dirty="0" smtClean="0"/>
-              <a:t>結構参考になるスクリプトを公開している人</a:t>
-            </a:r>
-            <a:r>
-              <a:rPr kumimoji="1" lang="ja-JP" altLang="en-US" smtClean="0"/>
-              <a:t>も。</a:t>
-            </a:r>
-            <a:endParaRPr kumimoji="1" lang="en-US" altLang="ja-JP" dirty="0" smtClean="0"/>
-          </a:p>
-        </p:txBody>
-      </p:sp>
-    </p:spTree>
-    <p:extLst>
-      <p:ext uri="{BB962C8B-B14F-4D97-AF65-F5344CB8AC3E}">
-        <p14:creationId xmlns:p14="http://schemas.microsoft.com/office/powerpoint/2010/main" val="9406206"/>
-      </p:ext>
-    </p:extLst>
-  </p:cSld>
-  <p:clrMapOvr>
-    <a:masterClrMapping/>
-  </p:clrMapOvr>
-  <p:timing>
-    <p:tnLst>
-      <p:par>
-        <p:cTn id="1" dur="indefinite" restart="never" nodeType="tmRoot"/>
-      </p:par>
-    </p:tnLst>
-  </p:timing>
-</p:sld>
-</file>
-
-<file path=ppt/slides/slide8.xml><?xml version="1.0" encoding="utf-8"?>
 <p:sld xmlns:a="http://schemas.openxmlformats.org/drawingml/2006/main" xmlns:r="http://schemas.openxmlformats.org/officeDocument/2006/relationships" xmlns:p="http://schemas.openxmlformats.org/presentationml/2006/main">
   <p:cSld>
     <p:spTree>
@@ -6196,7 +4737,7 @@
 </p:sld>
 </file>
 
-<file path=ppt/slides/slide9.xml><?xml version="1.0" encoding="utf-8"?>
+<file path=ppt/slides/slide11.xml><?xml version="1.0" encoding="utf-8"?>
 <p:sld xmlns:a="http://schemas.openxmlformats.org/drawingml/2006/main" xmlns:r="http://schemas.openxmlformats.org/officeDocument/2006/relationships" xmlns:p="http://schemas.openxmlformats.org/presentationml/2006/main">
   <p:cSld>
     <p:spTree>
@@ -6478,6 +5019,2015 @@
     <p:extLst>
       <p:ext uri="{BB962C8B-B14F-4D97-AF65-F5344CB8AC3E}">
         <p14:creationId xmlns:p14="http://schemas.microsoft.com/office/powerpoint/2010/main" val="4008001964"/>
+      </p:ext>
+    </p:extLst>
+  </p:cSld>
+  <p:clrMapOvr>
+    <a:masterClrMapping/>
+  </p:clrMapOvr>
+  <p:timing>
+    <p:tnLst>
+      <p:par>
+        <p:cTn id="1" dur="indefinite" restart="never" nodeType="tmRoot"/>
+      </p:par>
+    </p:tnLst>
+  </p:timing>
+</p:sld>
+</file>
+
+<file path=ppt/slides/slide12.xml><?xml version="1.0" encoding="utf-8"?>
+<p:sld xmlns:a="http://schemas.openxmlformats.org/drawingml/2006/main" xmlns:r="http://schemas.openxmlformats.org/officeDocument/2006/relationships" xmlns:p="http://schemas.openxmlformats.org/presentationml/2006/main">
+  <p:cSld>
+    <p:spTree>
+      <p:nvGrpSpPr>
+        <p:cNvPr id="1" name=""/>
+        <p:cNvGrpSpPr/>
+        <p:nvPr/>
+      </p:nvGrpSpPr>
+      <p:grpSpPr>
+        <a:xfrm>
+          <a:off x="0" y="0"/>
+          <a:ext cx="0" cy="0"/>
+          <a:chOff x="0" y="0"/>
+          <a:chExt cx="0" cy="0"/>
+        </a:xfrm>
+      </p:grpSpPr>
+      <p:sp>
+        <p:nvSpPr>
+          <p:cNvPr id="3" name="コンテンツ プレースホルダー 2"/>
+          <p:cNvSpPr>
+            <a:spLocks noGrp="1"/>
+          </p:cNvSpPr>
+          <p:nvPr>
+            <p:ph idx="1"/>
+          </p:nvPr>
+        </p:nvSpPr>
+        <p:spPr/>
+        <p:txBody>
+          <a:bodyPr>
+            <a:normAutofit/>
+          </a:bodyPr>
+          <a:lstStyle/>
+          <a:p>
+            <a:pPr marL="82296" indent="0">
+              <a:buNone/>
+            </a:pPr>
+            <a:r>
+              <a:rPr lang="en-US" altLang="ja-JP" dirty="0"/>
+              <a:t>UWSC</a:t>
+            </a:r>
+            <a:r>
+              <a:rPr lang="ja-JP" altLang="en-US" dirty="0"/>
+              <a:t>　</a:t>
+            </a:r>
+            <a:r>
+              <a:rPr lang="en-US" altLang="ja-JP" dirty="0"/>
+              <a:t>/A</a:t>
+            </a:r>
+            <a:r>
+              <a:rPr lang="ja-JP" altLang="en-US" dirty="0"/>
+              <a:t>　</a:t>
+            </a:r>
+            <a:r>
+              <a:rPr lang="en-US" altLang="ja-JP" dirty="0" err="1"/>
+              <a:t>ORIGINAL.uws</a:t>
+            </a:r>
+            <a:r>
+              <a:rPr lang="ja-JP" altLang="en-US" dirty="0"/>
+              <a:t>　</a:t>
+            </a:r>
+            <a:r>
+              <a:rPr lang="en-US" altLang="ja-JP" dirty="0" err="1" smtClean="0"/>
+              <a:t>SCRAMBLED.uws</a:t>
+            </a:r>
+            <a:endParaRPr lang="en-US" altLang="ja-JP" dirty="0" smtClean="0"/>
+          </a:p>
+          <a:p>
+            <a:pPr marL="82296" indent="0">
+              <a:buNone/>
+            </a:pPr>
+            <a:endParaRPr kumimoji="1" lang="en-US" altLang="ja-JP" dirty="0"/>
+          </a:p>
+          <a:p>
+            <a:pPr marL="82296" indent="0">
+              <a:buNone/>
+            </a:pPr>
+            <a:endParaRPr lang="en-US" altLang="ja-JP" dirty="0" smtClean="0"/>
+          </a:p>
+          <a:p>
+            <a:pPr marL="82296" indent="0">
+              <a:buNone/>
+            </a:pPr>
+            <a:endParaRPr lang="en-US" altLang="ja-JP" dirty="0"/>
+          </a:p>
+          <a:p>
+            <a:pPr marL="82296" indent="0">
+              <a:buNone/>
+            </a:pPr>
+            <a:endParaRPr lang="en-US" altLang="ja-JP" dirty="0" smtClean="0"/>
+          </a:p>
+          <a:p>
+            <a:pPr marL="82296" indent="0">
+              <a:buNone/>
+            </a:pPr>
+            <a:r>
+              <a:rPr lang="en-US" altLang="ja-JP" sz="1200" dirty="0" smtClean="0"/>
+              <a:t>CUI</a:t>
+            </a:r>
+            <a:r>
+              <a:rPr lang="ja-JP" altLang="en-US" sz="1200" dirty="0" smtClean="0"/>
+              <a:t>で動かせるのって大事ですよね。</a:t>
+            </a:r>
+            <a:endParaRPr lang="en-US" altLang="ja-JP" sz="1200" dirty="0" smtClean="0"/>
+          </a:p>
+          <a:p>
+            <a:pPr marL="82296" indent="0">
+              <a:buNone/>
+            </a:pPr>
+            <a:r>
+              <a:rPr kumimoji="1" lang="ja-JP" altLang="en-US" sz="800" dirty="0"/>
+              <a:t>というかそれ</a:t>
+            </a:r>
+            <a:r>
+              <a:rPr kumimoji="1" lang="ja-JP" altLang="en-US" sz="800" dirty="0" smtClean="0"/>
+              <a:t>が普通・・・？</a:t>
+            </a:r>
+            <a:endParaRPr kumimoji="1" lang="en-US" altLang="ja-JP" sz="800" dirty="0" smtClean="0"/>
+          </a:p>
+        </p:txBody>
+      </p:sp>
+      <p:sp>
+        <p:nvSpPr>
+          <p:cNvPr id="4" name="タイトル 3"/>
+          <p:cNvSpPr>
+            <a:spLocks noGrp="1"/>
+          </p:cNvSpPr>
+          <p:nvPr>
+            <p:ph type="title"/>
+          </p:nvPr>
+        </p:nvSpPr>
+        <p:spPr/>
+        <p:txBody>
+          <a:bodyPr>
+            <a:normAutofit fontScale="90000"/>
+          </a:bodyPr>
+          <a:lstStyle/>
+          <a:p>
+            <a:r>
+              <a:rPr kumimoji="1" lang="ja-JP" altLang="en-US" dirty="0" smtClean="0"/>
+              <a:t>可読できないようにもできます</a:t>
+            </a:r>
+            <a:endParaRPr kumimoji="1" lang="ja-JP" altLang="en-US" dirty="0"/>
+          </a:p>
+        </p:txBody>
+      </p:sp>
+    </p:spTree>
+    <p:extLst>
+      <p:ext uri="{BB962C8B-B14F-4D97-AF65-F5344CB8AC3E}">
+        <p14:creationId xmlns:p14="http://schemas.microsoft.com/office/powerpoint/2010/main" val="3783224327"/>
+      </p:ext>
+    </p:extLst>
+  </p:cSld>
+  <p:clrMapOvr>
+    <a:masterClrMapping/>
+  </p:clrMapOvr>
+  <p:timing>
+    <p:tnLst>
+      <p:par>
+        <p:cTn id="1" dur="indefinite" restart="never" nodeType="tmRoot"/>
+      </p:par>
+    </p:tnLst>
+  </p:timing>
+</p:sld>
+</file>
+
+<file path=ppt/slides/slide13.xml><?xml version="1.0" encoding="utf-8"?>
+<p:sld xmlns:a="http://schemas.openxmlformats.org/drawingml/2006/main" xmlns:r="http://schemas.openxmlformats.org/officeDocument/2006/relationships" xmlns:p="http://schemas.openxmlformats.org/presentationml/2006/main">
+  <p:cSld>
+    <p:spTree>
+      <p:nvGrpSpPr>
+        <p:cNvPr id="1" name=""/>
+        <p:cNvGrpSpPr/>
+        <p:nvPr/>
+      </p:nvGrpSpPr>
+      <p:grpSpPr>
+        <a:xfrm>
+          <a:off x="0" y="0"/>
+          <a:ext cx="0" cy="0"/>
+          <a:chOff x="0" y="0"/>
+          <a:chExt cx="0" cy="0"/>
+        </a:xfrm>
+      </p:grpSpPr>
+      <p:sp>
+        <p:nvSpPr>
+          <p:cNvPr id="2" name="タイトル 1"/>
+          <p:cNvSpPr>
+            <a:spLocks noGrp="1"/>
+          </p:cNvSpPr>
+          <p:nvPr>
+            <p:ph type="title"/>
+          </p:nvPr>
+        </p:nvSpPr>
+        <p:spPr/>
+        <p:txBody>
+          <a:bodyPr/>
+          <a:lstStyle/>
+          <a:p>
+            <a:r>
+              <a:rPr kumimoji="1" lang="ja-JP" altLang="en-US" dirty="0" smtClean="0"/>
+              <a:t>やってないけどやりたかった</a:t>
+            </a:r>
+            <a:endParaRPr kumimoji="1" lang="ja-JP" altLang="en-US" dirty="0"/>
+          </a:p>
+        </p:txBody>
+      </p:sp>
+      <p:sp>
+        <p:nvSpPr>
+          <p:cNvPr id="3" name="コンテンツ プレースホルダー 2"/>
+          <p:cNvSpPr>
+            <a:spLocks noGrp="1"/>
+          </p:cNvSpPr>
+          <p:nvPr>
+            <p:ph idx="1"/>
+          </p:nvPr>
+        </p:nvSpPr>
+        <p:spPr>
+          <a:xfrm>
+            <a:off x="1435608" y="1447800"/>
+            <a:ext cx="7498080" cy="5077544"/>
+          </a:xfrm>
+        </p:spPr>
+        <p:txBody>
+          <a:bodyPr>
+            <a:normAutofit/>
+          </a:bodyPr>
+          <a:lstStyle/>
+          <a:p>
+            <a:r>
+              <a:rPr kumimoji="1" lang="ja-JP" altLang="en-US" dirty="0" smtClean="0"/>
+              <a:t>画像認識ができるらしい</a:t>
+            </a:r>
+            <a:endParaRPr kumimoji="1" lang="en-US" altLang="ja-JP" dirty="0" smtClean="0"/>
+          </a:p>
+          <a:p>
+            <a:pPr marL="82296" indent="0">
+              <a:buNone/>
+            </a:pPr>
+            <a:endParaRPr lang="en-US" altLang="ja-JP" dirty="0" smtClean="0"/>
+          </a:p>
+          <a:p>
+            <a:r>
+              <a:rPr lang="ja-JP" altLang="en-US" dirty="0" smtClean="0"/>
+              <a:t>関数定義もできるので大き目なスクリプトも組めそう</a:t>
+            </a:r>
+            <a:endParaRPr lang="en-US" altLang="ja-JP" dirty="0" smtClean="0"/>
+          </a:p>
+          <a:p>
+            <a:endParaRPr lang="en-US" altLang="ja-JP" dirty="0"/>
+          </a:p>
+          <a:p>
+            <a:r>
+              <a:rPr lang="ja-JP" altLang="en-US" dirty="0" smtClean="0"/>
+              <a:t>ブラウザゲームで悪さもできます</a:t>
+            </a:r>
+            <a:endParaRPr lang="en-US" altLang="ja-JP" dirty="0"/>
+          </a:p>
+        </p:txBody>
+      </p:sp>
+    </p:spTree>
+    <p:extLst>
+      <p:ext uri="{BB962C8B-B14F-4D97-AF65-F5344CB8AC3E}">
+        <p14:creationId xmlns:p14="http://schemas.microsoft.com/office/powerpoint/2010/main" val="1686085276"/>
+      </p:ext>
+    </p:extLst>
+  </p:cSld>
+  <p:clrMapOvr>
+    <a:masterClrMapping/>
+  </p:clrMapOvr>
+</p:sld>
+</file>
+
+<file path=ppt/slides/slide14.xml><?xml version="1.0" encoding="utf-8"?>
+<p:sld xmlns:a="http://schemas.openxmlformats.org/drawingml/2006/main" xmlns:r="http://schemas.openxmlformats.org/officeDocument/2006/relationships" xmlns:p="http://schemas.openxmlformats.org/presentationml/2006/main">
+  <p:cSld>
+    <p:spTree>
+      <p:nvGrpSpPr>
+        <p:cNvPr id="1" name=""/>
+        <p:cNvGrpSpPr/>
+        <p:nvPr/>
+      </p:nvGrpSpPr>
+      <p:grpSpPr>
+        <a:xfrm>
+          <a:off x="0" y="0"/>
+          <a:ext cx="0" cy="0"/>
+          <a:chOff x="0" y="0"/>
+          <a:chExt cx="0" cy="0"/>
+        </a:xfrm>
+      </p:grpSpPr>
+      <p:sp>
+        <p:nvSpPr>
+          <p:cNvPr id="2" name="タイトル 1"/>
+          <p:cNvSpPr>
+            <a:spLocks noGrp="1"/>
+          </p:cNvSpPr>
+          <p:nvPr>
+            <p:ph type="title"/>
+          </p:nvPr>
+        </p:nvSpPr>
+        <p:spPr/>
+        <p:txBody>
+          <a:bodyPr/>
+          <a:lstStyle/>
+          <a:p>
+            <a:r>
+              <a:rPr kumimoji="1" lang="ja-JP" altLang="en-US" dirty="0" smtClean="0"/>
+              <a:t>感想</a:t>
+            </a:r>
+            <a:endParaRPr kumimoji="1" lang="ja-JP" altLang="en-US" dirty="0"/>
+          </a:p>
+        </p:txBody>
+      </p:sp>
+      <p:sp>
+        <p:nvSpPr>
+          <p:cNvPr id="6" name="コンテンツ プレースホルダー 2"/>
+          <p:cNvSpPr>
+            <a:spLocks noGrp="1"/>
+          </p:cNvSpPr>
+          <p:nvPr>
+            <p:ph idx="1"/>
+          </p:nvPr>
+        </p:nvSpPr>
+        <p:spPr>
+          <a:xfrm>
+            <a:off x="1435608" y="1447800"/>
+            <a:ext cx="7498080" cy="5077544"/>
+          </a:xfrm>
+        </p:spPr>
+        <p:txBody>
+          <a:bodyPr>
+            <a:normAutofit/>
+          </a:bodyPr>
+          <a:lstStyle/>
+          <a:p>
+            <a:r>
+              <a:rPr kumimoji="1" lang="ja-JP" altLang="en-US" dirty="0" smtClean="0"/>
+              <a:t>とりあえず動くものが簡単に作れて面白い</a:t>
+            </a:r>
+            <a:endParaRPr kumimoji="1" lang="en-US" altLang="ja-JP" dirty="0" smtClean="0"/>
+          </a:p>
+          <a:p>
+            <a:endParaRPr lang="en-US" altLang="ja-JP" dirty="0" smtClean="0"/>
+          </a:p>
+          <a:p>
+            <a:r>
+              <a:rPr lang="ja-JP" altLang="en-US" dirty="0" smtClean="0"/>
+              <a:t>すごい</a:t>
+            </a:r>
+            <a:endParaRPr lang="en-US" altLang="ja-JP" dirty="0" smtClean="0"/>
+          </a:p>
+          <a:p>
+            <a:endParaRPr lang="en-US" altLang="ja-JP" dirty="0"/>
+          </a:p>
+          <a:p>
+            <a:r>
+              <a:rPr lang="ja-JP" altLang="en-US" dirty="0" smtClean="0"/>
+              <a:t>ぶっちゃ</a:t>
+            </a:r>
+            <a:r>
+              <a:rPr lang="ja-JP" altLang="en-US" dirty="0" err="1" smtClean="0"/>
+              <a:t>け</a:t>
+            </a:r>
+            <a:r>
+              <a:rPr lang="ja-JP" altLang="en-US" dirty="0" smtClean="0"/>
+              <a:t>なんでもできそう</a:t>
+            </a:r>
+            <a:endParaRPr lang="en-US" altLang="ja-JP" dirty="0"/>
+          </a:p>
+        </p:txBody>
+      </p:sp>
+    </p:spTree>
+    <p:extLst>
+      <p:ext uri="{BB962C8B-B14F-4D97-AF65-F5344CB8AC3E}">
+        <p14:creationId xmlns:p14="http://schemas.microsoft.com/office/powerpoint/2010/main" val="868550525"/>
+      </p:ext>
+    </p:extLst>
+  </p:cSld>
+  <p:clrMapOvr>
+    <a:masterClrMapping/>
+  </p:clrMapOvr>
+</p:sld>
+</file>
+
+<file path=ppt/slides/slide15.xml><?xml version="1.0" encoding="utf-8"?>
+<p:sld xmlns:a="http://schemas.openxmlformats.org/drawingml/2006/main" xmlns:r="http://schemas.openxmlformats.org/officeDocument/2006/relationships" xmlns:p="http://schemas.openxmlformats.org/presentationml/2006/main">
+  <p:cSld>
+    <p:spTree>
+      <p:nvGrpSpPr>
+        <p:cNvPr id="1" name=""/>
+        <p:cNvGrpSpPr/>
+        <p:nvPr/>
+      </p:nvGrpSpPr>
+      <p:grpSpPr>
+        <a:xfrm>
+          <a:off x="0" y="0"/>
+          <a:ext cx="0" cy="0"/>
+          <a:chOff x="0" y="0"/>
+          <a:chExt cx="0" cy="0"/>
+        </a:xfrm>
+      </p:grpSpPr>
+      <p:sp>
+        <p:nvSpPr>
+          <p:cNvPr id="3" name="コンテンツ プレースホルダー 2"/>
+          <p:cNvSpPr>
+            <a:spLocks noGrp="1"/>
+          </p:cNvSpPr>
+          <p:nvPr>
+            <p:ph idx="1"/>
+          </p:nvPr>
+        </p:nvSpPr>
+        <p:spPr>
+          <a:xfrm>
+            <a:off x="1435608" y="3068960"/>
+            <a:ext cx="7498080" cy="3179440"/>
+          </a:xfrm>
+        </p:spPr>
+        <p:txBody>
+          <a:bodyPr/>
+          <a:lstStyle/>
+          <a:p>
+            <a:pPr marL="82296" indent="0">
+              <a:buNone/>
+            </a:pPr>
+            <a:r>
+              <a:rPr kumimoji="1" lang="ja-JP" altLang="en-US" dirty="0" smtClean="0"/>
+              <a:t>ご清聴ありがとうございました</a:t>
+            </a:r>
+            <a:endParaRPr kumimoji="1" lang="ja-JP" altLang="en-US" dirty="0"/>
+          </a:p>
+        </p:txBody>
+      </p:sp>
+      <p:sp>
+        <p:nvSpPr>
+          <p:cNvPr id="4" name="タイトル 3"/>
+          <p:cNvSpPr>
+            <a:spLocks noGrp="1"/>
+          </p:cNvSpPr>
+          <p:nvPr>
+            <p:ph type="title"/>
+          </p:nvPr>
+        </p:nvSpPr>
+        <p:spPr/>
+        <p:txBody>
+          <a:bodyPr/>
+          <a:lstStyle/>
+          <a:p>
+            <a:endParaRPr kumimoji="1" lang="ja-JP" altLang="en-US"/>
+          </a:p>
+        </p:txBody>
+      </p:sp>
+    </p:spTree>
+    <p:extLst>
+      <p:ext uri="{BB962C8B-B14F-4D97-AF65-F5344CB8AC3E}">
+        <p14:creationId xmlns:p14="http://schemas.microsoft.com/office/powerpoint/2010/main" val="2805364914"/>
+      </p:ext>
+    </p:extLst>
+  </p:cSld>
+  <p:clrMapOvr>
+    <a:masterClrMapping/>
+  </p:clrMapOvr>
+</p:sld>
+</file>
+
+<file path=ppt/slides/slide2.xml><?xml version="1.0" encoding="utf-8"?>
+<p:sld xmlns:a="http://schemas.openxmlformats.org/drawingml/2006/main" xmlns:r="http://schemas.openxmlformats.org/officeDocument/2006/relationships" xmlns:p="http://schemas.openxmlformats.org/presentationml/2006/main">
+  <p:cSld>
+    <p:spTree>
+      <p:nvGrpSpPr>
+        <p:cNvPr id="1" name=""/>
+        <p:cNvGrpSpPr/>
+        <p:nvPr/>
+      </p:nvGrpSpPr>
+      <p:grpSpPr>
+        <a:xfrm>
+          <a:off x="0" y="0"/>
+          <a:ext cx="0" cy="0"/>
+          <a:chOff x="0" y="0"/>
+          <a:chExt cx="0" cy="0"/>
+        </a:xfrm>
+      </p:grpSpPr>
+      <p:sp>
+        <p:nvSpPr>
+          <p:cNvPr id="2" name="タイトル 1"/>
+          <p:cNvSpPr>
+            <a:spLocks noGrp="1"/>
+          </p:cNvSpPr>
+          <p:nvPr>
+            <p:ph type="title"/>
+          </p:nvPr>
+        </p:nvSpPr>
+        <p:spPr/>
+        <p:txBody>
+          <a:bodyPr/>
+          <a:lstStyle/>
+          <a:p>
+            <a:r>
+              <a:rPr kumimoji="1" lang="ja-JP" altLang="en-US" dirty="0" smtClean="0"/>
+              <a:t>背景</a:t>
+            </a:r>
+            <a:endParaRPr kumimoji="1" lang="ja-JP" altLang="en-US" dirty="0"/>
+          </a:p>
+        </p:txBody>
+      </p:sp>
+      <p:pic>
+        <p:nvPicPr>
+          <p:cNvPr id="5" name="図 4"/>
+          <p:cNvPicPr>
+            <a:picLocks noChangeAspect="1"/>
+          </p:cNvPicPr>
+          <p:nvPr/>
+        </p:nvPicPr>
+        <p:blipFill>
+          <a:blip r:embed="rId2">
+            <a:extLst>
+              <a:ext uri="{28A0092B-C50C-407E-A947-70E740481C1C}">
+                <a14:useLocalDpi xmlns:a14="http://schemas.microsoft.com/office/drawing/2010/main" val="0"/>
+              </a:ext>
+            </a:extLst>
+          </a:blip>
+          <a:stretch>
+            <a:fillRect/>
+          </a:stretch>
+        </p:blipFill>
+        <p:spPr>
+          <a:xfrm>
+            <a:off x="538812" y="2924944"/>
+            <a:ext cx="4545682" cy="4545682"/>
+          </a:xfrm>
+          <a:prstGeom prst="rect">
+            <a:avLst/>
+          </a:prstGeom>
+        </p:spPr>
+      </p:pic>
+      <p:sp>
+        <p:nvSpPr>
+          <p:cNvPr id="6" name="雲形吹き出し 5"/>
+          <p:cNvSpPr/>
+          <p:nvPr/>
+        </p:nvSpPr>
+        <p:spPr>
+          <a:xfrm>
+            <a:off x="1043608" y="1052736"/>
+            <a:ext cx="8068707" cy="2319779"/>
+          </a:xfrm>
+          <a:prstGeom prst="cloudCallout">
+            <a:avLst>
+              <a:gd name="adj1" fmla="val -17850"/>
+              <a:gd name="adj2" fmla="val 70798"/>
+            </a:avLst>
+          </a:prstGeom>
+          <a:solidFill>
+            <a:schemeClr val="bg1">
+              <a:lumMod val="85000"/>
+            </a:schemeClr>
+          </a:solidFill>
+        </p:spPr>
+        <p:style>
+          <a:lnRef idx="2">
+            <a:schemeClr val="accent1">
+              <a:shade val="50000"/>
+            </a:schemeClr>
+          </a:lnRef>
+          <a:fillRef idx="1">
+            <a:schemeClr val="accent1"/>
+          </a:fillRef>
+          <a:effectRef idx="0">
+            <a:schemeClr val="accent1"/>
+          </a:effectRef>
+          <a:fontRef idx="minor">
+            <a:schemeClr val="lt1"/>
+          </a:fontRef>
+        </p:style>
+        <p:txBody>
+          <a:bodyPr rtlCol="0" anchor="ctr"/>
+          <a:lstStyle/>
+          <a:p>
+            <a:pPr algn="ctr"/>
+            <a:r>
+              <a:rPr kumimoji="1" lang="ja-JP" altLang="en-US" sz="2800" dirty="0" smtClean="0">
+                <a:solidFill>
+                  <a:schemeClr val="tx1"/>
+                </a:solidFill>
+              </a:rPr>
+              <a:t>なんか最近</a:t>
+            </a:r>
+            <a:r>
+              <a:rPr kumimoji="1" lang="en-US" altLang="ja-JP" sz="2800" dirty="0" smtClean="0">
+                <a:solidFill>
+                  <a:schemeClr val="tx1"/>
+                </a:solidFill>
+              </a:rPr>
+              <a:t>Android</a:t>
+            </a:r>
+            <a:r>
+              <a:rPr kumimoji="1" lang="ja-JP" altLang="en-US" sz="2800" dirty="0" smtClean="0">
+                <a:solidFill>
+                  <a:schemeClr val="tx1"/>
+                </a:solidFill>
+              </a:rPr>
+              <a:t>の発表とか多くてちょっと興味あるなー。</a:t>
+            </a:r>
+            <a:endParaRPr kumimoji="1" lang="en-US" altLang="ja-JP" sz="2800" dirty="0" smtClean="0">
+              <a:solidFill>
+                <a:schemeClr val="tx1"/>
+              </a:solidFill>
+            </a:endParaRPr>
+          </a:p>
+          <a:p>
+            <a:pPr algn="ctr"/>
+            <a:r>
+              <a:rPr lang="ja-JP" altLang="en-US" sz="2800" dirty="0">
+                <a:solidFill>
+                  <a:schemeClr val="tx1"/>
+                </a:solidFill>
+              </a:rPr>
+              <a:t>自分</a:t>
+            </a:r>
+            <a:r>
+              <a:rPr lang="ja-JP" altLang="en-US" sz="2800" dirty="0" smtClean="0">
+                <a:solidFill>
+                  <a:schemeClr val="tx1"/>
+                </a:solidFill>
+              </a:rPr>
+              <a:t>も</a:t>
+            </a:r>
+            <a:r>
+              <a:rPr lang="ja-JP" altLang="en-US" sz="2800" dirty="0">
+                <a:solidFill>
+                  <a:schemeClr val="tx1"/>
+                </a:solidFill>
+              </a:rPr>
+              <a:t>やってみようかなぁ</a:t>
+            </a:r>
+            <a:endParaRPr kumimoji="1" lang="ja-JP" altLang="en-US" sz="2800" dirty="0">
+              <a:solidFill>
+                <a:schemeClr val="tx1"/>
+              </a:solidFill>
+            </a:endParaRPr>
+          </a:p>
+        </p:txBody>
+      </p:sp>
+    </p:spTree>
+    <p:extLst>
+      <p:ext uri="{BB962C8B-B14F-4D97-AF65-F5344CB8AC3E}">
+        <p14:creationId xmlns:p14="http://schemas.microsoft.com/office/powerpoint/2010/main" val="2486749052"/>
+      </p:ext>
+    </p:extLst>
+  </p:cSld>
+  <p:clrMapOvr>
+    <a:masterClrMapping/>
+  </p:clrMapOvr>
+  <p:timing>
+    <p:tnLst>
+      <p:par>
+        <p:cTn id="1" dur="indefinite" restart="never" nodeType="tmRoot"/>
+      </p:par>
+    </p:tnLst>
+  </p:timing>
+</p:sld>
+</file>
+
+<file path=ppt/slides/slide3.xml><?xml version="1.0" encoding="utf-8"?>
+<p:sld xmlns:a="http://schemas.openxmlformats.org/drawingml/2006/main" xmlns:r="http://schemas.openxmlformats.org/officeDocument/2006/relationships" xmlns:p="http://schemas.openxmlformats.org/presentationml/2006/main">
+  <p:cSld>
+    <p:spTree>
+      <p:nvGrpSpPr>
+        <p:cNvPr id="1" name=""/>
+        <p:cNvGrpSpPr/>
+        <p:nvPr/>
+      </p:nvGrpSpPr>
+      <p:grpSpPr>
+        <a:xfrm>
+          <a:off x="0" y="0"/>
+          <a:ext cx="0" cy="0"/>
+          <a:chOff x="0" y="0"/>
+          <a:chExt cx="0" cy="0"/>
+        </a:xfrm>
+      </p:grpSpPr>
+      <p:sp>
+        <p:nvSpPr>
+          <p:cNvPr id="2" name="タイトル 1"/>
+          <p:cNvSpPr>
+            <a:spLocks noGrp="1"/>
+          </p:cNvSpPr>
+          <p:nvPr>
+            <p:ph type="title"/>
+          </p:nvPr>
+        </p:nvSpPr>
+        <p:spPr/>
+        <p:txBody>
+          <a:bodyPr/>
+          <a:lstStyle/>
+          <a:p>
+            <a:r>
+              <a:rPr kumimoji="1" lang="ja-JP" altLang="en-US" dirty="0" smtClean="0"/>
+              <a:t>所持デバイス</a:t>
+            </a:r>
+            <a:endParaRPr kumimoji="1" lang="ja-JP" altLang="en-US" dirty="0"/>
+          </a:p>
+        </p:txBody>
+      </p:sp>
+      <p:pic>
+        <p:nvPicPr>
+          <p:cNvPr id="5" name="図 4"/>
+          <p:cNvPicPr>
+            <a:picLocks noChangeAspect="1"/>
+          </p:cNvPicPr>
+          <p:nvPr/>
+        </p:nvPicPr>
+        <p:blipFill>
+          <a:blip r:embed="rId2">
+            <a:extLst>
+              <a:ext uri="{28A0092B-C50C-407E-A947-70E740481C1C}">
+                <a14:useLocalDpi xmlns:a14="http://schemas.microsoft.com/office/drawing/2010/main" val="0"/>
+              </a:ext>
+            </a:extLst>
+          </a:blip>
+          <a:stretch>
+            <a:fillRect/>
+          </a:stretch>
+        </p:blipFill>
+        <p:spPr>
+          <a:xfrm>
+            <a:off x="243028" y="3290265"/>
+            <a:ext cx="4545682" cy="4545682"/>
+          </a:xfrm>
+          <a:prstGeom prst="rect">
+            <a:avLst/>
+          </a:prstGeom>
+        </p:spPr>
+      </p:pic>
+      <p:sp>
+        <p:nvSpPr>
+          <p:cNvPr id="6" name="雲形吹き出し 5"/>
+          <p:cNvSpPr/>
+          <p:nvPr/>
+        </p:nvSpPr>
+        <p:spPr>
+          <a:xfrm>
+            <a:off x="4788710" y="3599672"/>
+            <a:ext cx="4322518" cy="2736304"/>
+          </a:xfrm>
+          <a:prstGeom prst="cloudCallout">
+            <a:avLst>
+              <a:gd name="adj1" fmla="val -64870"/>
+              <a:gd name="adj2" fmla="val -2192"/>
+            </a:avLst>
+          </a:prstGeom>
+          <a:solidFill>
+            <a:schemeClr val="bg1">
+              <a:lumMod val="85000"/>
+            </a:schemeClr>
+          </a:solidFill>
+        </p:spPr>
+        <p:style>
+          <a:lnRef idx="2">
+            <a:schemeClr val="accent1">
+              <a:shade val="50000"/>
+            </a:schemeClr>
+          </a:lnRef>
+          <a:fillRef idx="1">
+            <a:schemeClr val="accent1"/>
+          </a:fillRef>
+          <a:effectRef idx="0">
+            <a:schemeClr val="accent1"/>
+          </a:effectRef>
+          <a:fontRef idx="minor">
+            <a:schemeClr val="lt1"/>
+          </a:fontRef>
+        </p:style>
+        <p:txBody>
+          <a:bodyPr rtlCol="0" anchor="ctr"/>
+          <a:lstStyle/>
+          <a:p>
+            <a:pPr algn="ctr"/>
+            <a:r>
+              <a:rPr kumimoji="1" lang="ja-JP" altLang="en-US" sz="2800" dirty="0" smtClean="0">
+                <a:solidFill>
+                  <a:schemeClr val="tx1"/>
+                </a:solidFill>
+              </a:rPr>
+              <a:t>まぁ</a:t>
+            </a:r>
+            <a:r>
+              <a:rPr kumimoji="1" lang="en-US" altLang="ja-JP" sz="2800" dirty="0" smtClean="0">
+                <a:solidFill>
+                  <a:schemeClr val="tx1"/>
+                </a:solidFill>
+              </a:rPr>
+              <a:t>iOS</a:t>
+            </a:r>
+            <a:r>
+              <a:rPr kumimoji="1" lang="ja-JP" altLang="en-US" sz="2800" dirty="0" smtClean="0">
+                <a:solidFill>
+                  <a:schemeClr val="tx1"/>
+                </a:solidFill>
+              </a:rPr>
+              <a:t>アプリかな・・・</a:t>
+            </a:r>
+            <a:endParaRPr kumimoji="1" lang="ja-JP" altLang="en-US" sz="2800" dirty="0">
+              <a:solidFill>
+                <a:schemeClr val="tx1"/>
+              </a:solidFill>
+            </a:endParaRPr>
+          </a:p>
+        </p:txBody>
+      </p:sp>
+      <p:pic>
+        <p:nvPicPr>
+          <p:cNvPr id="3" name="図 2"/>
+          <p:cNvPicPr>
+            <a:picLocks noChangeAspect="1"/>
+          </p:cNvPicPr>
+          <p:nvPr/>
+        </p:nvPicPr>
+        <p:blipFill>
+          <a:blip r:embed="rId3" cstate="print">
+            <a:extLst>
+              <a:ext uri="{28A0092B-C50C-407E-A947-70E740481C1C}">
+                <a14:useLocalDpi xmlns:a14="http://schemas.microsoft.com/office/drawing/2010/main" val="0"/>
+              </a:ext>
+            </a:extLst>
+          </a:blip>
+          <a:stretch>
+            <a:fillRect/>
+          </a:stretch>
+        </p:blipFill>
+        <p:spPr>
+          <a:xfrm>
+            <a:off x="1259633" y="1150494"/>
+            <a:ext cx="2173912" cy="1630434"/>
+          </a:xfrm>
+          <a:prstGeom prst="rect">
+            <a:avLst/>
+          </a:prstGeom>
+        </p:spPr>
+      </p:pic>
+      <p:pic>
+        <p:nvPicPr>
+          <p:cNvPr id="4" name="図 3"/>
+          <p:cNvPicPr>
+            <a:picLocks noChangeAspect="1"/>
+          </p:cNvPicPr>
+          <p:nvPr/>
+        </p:nvPicPr>
+        <p:blipFill>
+          <a:blip r:embed="rId4" cstate="print">
+            <a:extLst>
+              <a:ext uri="{28A0092B-C50C-407E-A947-70E740481C1C}">
+                <a14:useLocalDpi xmlns:a14="http://schemas.microsoft.com/office/drawing/2010/main" val="0"/>
+              </a:ext>
+            </a:extLst>
+          </a:blip>
+          <a:stretch>
+            <a:fillRect/>
+          </a:stretch>
+        </p:blipFill>
+        <p:spPr>
+          <a:xfrm>
+            <a:off x="3947795" y="1075880"/>
+            <a:ext cx="2273397" cy="1705048"/>
+          </a:xfrm>
+          <a:prstGeom prst="rect">
+            <a:avLst/>
+          </a:prstGeom>
+        </p:spPr>
+      </p:pic>
+      <p:sp>
+        <p:nvSpPr>
+          <p:cNvPr id="7" name="テキスト ボックス 6"/>
+          <p:cNvSpPr txBox="1"/>
+          <p:nvPr/>
+        </p:nvSpPr>
+        <p:spPr>
+          <a:xfrm>
+            <a:off x="1259632" y="2920933"/>
+            <a:ext cx="2512475" cy="369332"/>
+          </a:xfrm>
+          <a:prstGeom prst="rect">
+            <a:avLst/>
+          </a:prstGeom>
+          <a:noFill/>
+        </p:spPr>
+        <p:txBody>
+          <a:bodyPr wrap="square" rtlCol="0">
+            <a:spAutoFit/>
+          </a:bodyPr>
+          <a:lstStyle/>
+          <a:p>
+            <a:r>
+              <a:rPr kumimoji="1" lang="en-US" altLang="ja-JP" dirty="0" smtClean="0"/>
+              <a:t>iPod touch </a:t>
+            </a:r>
+            <a:r>
+              <a:rPr kumimoji="1" lang="ja-JP" altLang="en-US" dirty="0" smtClean="0"/>
+              <a:t>第五世代</a:t>
+            </a:r>
+            <a:endParaRPr kumimoji="1" lang="ja-JP" altLang="en-US" dirty="0"/>
+          </a:p>
+        </p:txBody>
+      </p:sp>
+      <p:sp>
+        <p:nvSpPr>
+          <p:cNvPr id="8" name="テキスト ボックス 7"/>
+          <p:cNvSpPr txBox="1"/>
+          <p:nvPr/>
+        </p:nvSpPr>
+        <p:spPr>
+          <a:xfrm>
+            <a:off x="4449048" y="2920933"/>
+            <a:ext cx="1745722" cy="369332"/>
+          </a:xfrm>
+          <a:prstGeom prst="rect">
+            <a:avLst/>
+          </a:prstGeom>
+          <a:noFill/>
+        </p:spPr>
+        <p:txBody>
+          <a:bodyPr wrap="square" rtlCol="0">
+            <a:spAutoFit/>
+          </a:bodyPr>
+          <a:lstStyle/>
+          <a:p>
+            <a:r>
+              <a:rPr kumimoji="1" lang="en-US" altLang="ja-JP" dirty="0" smtClean="0"/>
+              <a:t>iPad (</a:t>
+            </a:r>
+            <a:r>
+              <a:rPr kumimoji="1" lang="ja-JP" altLang="en-US" dirty="0" smtClean="0"/>
+              <a:t>初期型</a:t>
+            </a:r>
+            <a:r>
+              <a:rPr kumimoji="1" lang="en-US" altLang="ja-JP" dirty="0" smtClean="0"/>
+              <a:t>)</a:t>
+            </a:r>
+            <a:endParaRPr kumimoji="1" lang="ja-JP" altLang="en-US" dirty="0"/>
+          </a:p>
+        </p:txBody>
+      </p:sp>
+      <p:pic>
+        <p:nvPicPr>
+          <p:cNvPr id="1026" name="Picture 2" descr="C:\Program Files\Microsoft Office\MEDIA\CAGCAT10\j0285750.wmf"/>
+          <p:cNvPicPr>
+            <a:picLocks noChangeAspect="1" noChangeArrowheads="1"/>
+          </p:cNvPicPr>
+          <p:nvPr/>
+        </p:nvPicPr>
+        <p:blipFill>
+          <a:blip r:embed="rId5" cstate="print">
+            <a:extLst>
+              <a:ext uri="{28A0092B-C50C-407E-A947-70E740481C1C}">
+                <a14:useLocalDpi xmlns:a14="http://schemas.microsoft.com/office/drawing/2010/main" val="0"/>
+              </a:ext>
+            </a:extLst>
+          </a:blip>
+          <a:srcRect/>
+          <a:stretch>
+            <a:fillRect/>
+          </a:stretch>
+        </p:blipFill>
+        <p:spPr bwMode="auto">
+          <a:xfrm>
+            <a:off x="6732240" y="1405184"/>
+            <a:ext cx="1824228" cy="1121054"/>
+          </a:xfrm>
+          <a:prstGeom prst="rect">
+            <a:avLst/>
+          </a:prstGeom>
+          <a:noFill/>
+          <a:extLst>
+            <a:ext uri="{909E8E84-426E-40DD-AFC4-6F175D3DCCD1}">
+              <a14:hiddenFill xmlns:a14="http://schemas.microsoft.com/office/drawing/2010/main">
+                <a:solidFill>
+                  <a:srgbClr val="FFFFFF"/>
+                </a:solidFill>
+              </a14:hiddenFill>
+            </a:ext>
+          </a:extLst>
+        </p:spPr>
+      </p:pic>
+      <p:sp>
+        <p:nvSpPr>
+          <p:cNvPr id="10" name="テキスト ボックス 9"/>
+          <p:cNvSpPr txBox="1"/>
+          <p:nvPr/>
+        </p:nvSpPr>
+        <p:spPr>
+          <a:xfrm>
+            <a:off x="6705455" y="2920933"/>
+            <a:ext cx="1745722" cy="369332"/>
+          </a:xfrm>
+          <a:prstGeom prst="rect">
+            <a:avLst/>
+          </a:prstGeom>
+          <a:noFill/>
+        </p:spPr>
+        <p:txBody>
+          <a:bodyPr wrap="square" rtlCol="0">
+            <a:spAutoFit/>
+          </a:bodyPr>
+          <a:lstStyle/>
+          <a:p>
+            <a:r>
+              <a:rPr kumimoji="1" lang="en-US" altLang="ja-JP" dirty="0" smtClean="0"/>
+              <a:t>Windows PC</a:t>
+            </a:r>
+            <a:endParaRPr kumimoji="1" lang="ja-JP" altLang="en-US" dirty="0"/>
+          </a:p>
+        </p:txBody>
+      </p:sp>
+    </p:spTree>
+    <p:extLst>
+      <p:ext uri="{BB962C8B-B14F-4D97-AF65-F5344CB8AC3E}">
+        <p14:creationId xmlns:p14="http://schemas.microsoft.com/office/powerpoint/2010/main" val="1642618047"/>
+      </p:ext>
+    </p:extLst>
+  </p:cSld>
+  <p:clrMapOvr>
+    <a:masterClrMapping/>
+  </p:clrMapOvr>
+  <p:timing>
+    <p:tnLst>
+      <p:par>
+        <p:cTn id="1" dur="indefinite" restart="never" nodeType="tmRoot"/>
+      </p:par>
+    </p:tnLst>
+  </p:timing>
+</p:sld>
+</file>
+
+<file path=ppt/slides/slide4.xml><?xml version="1.0" encoding="utf-8"?>
+<p:sld xmlns:a="http://schemas.openxmlformats.org/drawingml/2006/main" xmlns:r="http://schemas.openxmlformats.org/officeDocument/2006/relationships" xmlns:p="http://schemas.openxmlformats.org/presentationml/2006/main">
+  <p:cSld>
+    <p:spTree>
+      <p:nvGrpSpPr>
+        <p:cNvPr id="1" name=""/>
+        <p:cNvGrpSpPr/>
+        <p:nvPr/>
+      </p:nvGrpSpPr>
+      <p:grpSpPr>
+        <a:xfrm>
+          <a:off x="0" y="0"/>
+          <a:ext cx="0" cy="0"/>
+          <a:chOff x="0" y="0"/>
+          <a:chExt cx="0" cy="0"/>
+        </a:xfrm>
+      </p:grpSpPr>
+      <p:sp>
+        <p:nvSpPr>
+          <p:cNvPr id="2" name="タイトル 1"/>
+          <p:cNvSpPr>
+            <a:spLocks noGrp="1"/>
+          </p:cNvSpPr>
+          <p:nvPr>
+            <p:ph type="title"/>
+          </p:nvPr>
+        </p:nvSpPr>
+        <p:spPr/>
+        <p:txBody>
+          <a:bodyPr/>
+          <a:lstStyle/>
+          <a:p>
+            <a:r>
+              <a:rPr kumimoji="1" lang="ja-JP" altLang="en-US" dirty="0" smtClean="0"/>
+              <a:t>現実</a:t>
+            </a:r>
+            <a:endParaRPr kumimoji="1" lang="ja-JP" altLang="en-US" dirty="0"/>
+          </a:p>
+        </p:txBody>
+      </p:sp>
+      <p:sp>
+        <p:nvSpPr>
+          <p:cNvPr id="6" name="雲形吹き出し 5"/>
+          <p:cNvSpPr/>
+          <p:nvPr/>
+        </p:nvSpPr>
+        <p:spPr>
+          <a:xfrm>
+            <a:off x="4788710" y="3599672"/>
+            <a:ext cx="4322518" cy="2736304"/>
+          </a:xfrm>
+          <a:prstGeom prst="cloudCallout">
+            <a:avLst>
+              <a:gd name="adj1" fmla="val -64870"/>
+              <a:gd name="adj2" fmla="val -2192"/>
+            </a:avLst>
+          </a:prstGeom>
+          <a:solidFill>
+            <a:schemeClr val="bg1">
+              <a:lumMod val="85000"/>
+            </a:schemeClr>
+          </a:solidFill>
+        </p:spPr>
+        <p:style>
+          <a:lnRef idx="2">
+            <a:schemeClr val="accent1">
+              <a:shade val="50000"/>
+            </a:schemeClr>
+          </a:lnRef>
+          <a:fillRef idx="1">
+            <a:schemeClr val="accent1"/>
+          </a:fillRef>
+          <a:effectRef idx="0">
+            <a:schemeClr val="accent1"/>
+          </a:effectRef>
+          <a:fontRef idx="minor">
+            <a:schemeClr val="lt1"/>
+          </a:fontRef>
+        </p:style>
+        <p:txBody>
+          <a:bodyPr rtlCol="0" anchor="ctr"/>
+          <a:lstStyle/>
+          <a:p>
+            <a:pPr algn="ctr"/>
+            <a:r>
+              <a:rPr kumimoji="1" lang="ja-JP" altLang="en-US" sz="2800" dirty="0" smtClean="0">
+                <a:solidFill>
+                  <a:schemeClr val="tx1"/>
+                </a:solidFill>
+              </a:rPr>
+              <a:t>金がかかるとか</a:t>
+            </a:r>
+            <a:r>
+              <a:rPr lang="en-US" altLang="ja-JP" sz="2800" dirty="0" smtClean="0">
+                <a:solidFill>
+                  <a:schemeClr val="tx1"/>
+                </a:solidFill>
+              </a:rPr>
+              <a:t>Mac</a:t>
+            </a:r>
+            <a:r>
+              <a:rPr kumimoji="1" lang="ja-JP" altLang="en-US" sz="2800" dirty="0" smtClean="0">
+                <a:solidFill>
+                  <a:schemeClr val="tx1"/>
+                </a:solidFill>
+              </a:rPr>
+              <a:t>じゃないと動かないとか。</a:t>
+            </a:r>
+            <a:endParaRPr kumimoji="1" lang="ja-JP" altLang="en-US" sz="2800" dirty="0">
+              <a:solidFill>
+                <a:schemeClr val="tx1"/>
+              </a:solidFill>
+            </a:endParaRPr>
+          </a:p>
+        </p:txBody>
+      </p:sp>
+      <p:pic>
+        <p:nvPicPr>
+          <p:cNvPr id="9" name="図 8"/>
+          <p:cNvPicPr>
+            <a:picLocks noChangeAspect="1"/>
+          </p:cNvPicPr>
+          <p:nvPr/>
+        </p:nvPicPr>
+        <p:blipFill>
+          <a:blip r:embed="rId2">
+            <a:extLst>
+              <a:ext uri="{28A0092B-C50C-407E-A947-70E740481C1C}">
+                <a14:useLocalDpi xmlns:a14="http://schemas.microsoft.com/office/drawing/2010/main" val="0"/>
+              </a:ext>
+            </a:extLst>
+          </a:blip>
+          <a:stretch>
+            <a:fillRect/>
+          </a:stretch>
+        </p:blipFill>
+        <p:spPr>
+          <a:xfrm>
+            <a:off x="1043608" y="3564303"/>
+            <a:ext cx="3029322" cy="3029322"/>
+          </a:xfrm>
+          <a:prstGeom prst="rect">
+            <a:avLst/>
+          </a:prstGeom>
+        </p:spPr>
+      </p:pic>
+    </p:spTree>
+    <p:extLst>
+      <p:ext uri="{BB962C8B-B14F-4D97-AF65-F5344CB8AC3E}">
+        <p14:creationId xmlns:p14="http://schemas.microsoft.com/office/powerpoint/2010/main" val="1887449357"/>
+      </p:ext>
+    </p:extLst>
+  </p:cSld>
+  <p:clrMapOvr>
+    <a:masterClrMapping/>
+  </p:clrMapOvr>
+  <p:timing>
+    <p:tnLst>
+      <p:par>
+        <p:cTn id="1" dur="indefinite" restart="never" nodeType="tmRoot"/>
+      </p:par>
+    </p:tnLst>
+  </p:timing>
+</p:sld>
+</file>
+
+<file path=ppt/slides/slide5.xml><?xml version="1.0" encoding="utf-8"?>
+<p:sld xmlns:a="http://schemas.openxmlformats.org/drawingml/2006/main" xmlns:r="http://schemas.openxmlformats.org/officeDocument/2006/relationships" xmlns:p="http://schemas.openxmlformats.org/presentationml/2006/main">
+  <p:cSld>
+    <p:spTree>
+      <p:nvGrpSpPr>
+        <p:cNvPr id="1" name=""/>
+        <p:cNvGrpSpPr/>
+        <p:nvPr/>
+      </p:nvGrpSpPr>
+      <p:grpSpPr>
+        <a:xfrm>
+          <a:off x="0" y="0"/>
+          <a:ext cx="0" cy="0"/>
+          <a:chOff x="0" y="0"/>
+          <a:chExt cx="0" cy="0"/>
+        </a:xfrm>
+      </p:grpSpPr>
+      <p:sp>
+        <p:nvSpPr>
+          <p:cNvPr id="2" name="タイトル 1"/>
+          <p:cNvSpPr>
+            <a:spLocks noGrp="1"/>
+          </p:cNvSpPr>
+          <p:nvPr>
+            <p:ph type="title"/>
+          </p:nvPr>
+        </p:nvSpPr>
+        <p:spPr/>
+        <p:txBody>
+          <a:bodyPr/>
+          <a:lstStyle/>
+          <a:p>
+            <a:r>
+              <a:rPr kumimoji="1" lang="en-US" altLang="ja-JP" dirty="0" smtClean="0"/>
+              <a:t>UWSC</a:t>
+            </a:r>
+            <a:r>
+              <a:rPr kumimoji="1" lang="ja-JP" altLang="en-US" dirty="0" smtClean="0"/>
+              <a:t>とは？</a:t>
+            </a:r>
+            <a:endParaRPr kumimoji="1" lang="ja-JP" altLang="en-US" dirty="0"/>
+          </a:p>
+        </p:txBody>
+      </p:sp>
+      <p:sp>
+        <p:nvSpPr>
+          <p:cNvPr id="3" name="コンテンツ プレースホルダー 2"/>
+          <p:cNvSpPr>
+            <a:spLocks noGrp="1"/>
+          </p:cNvSpPr>
+          <p:nvPr>
+            <p:ph idx="1"/>
+          </p:nvPr>
+        </p:nvSpPr>
+        <p:spPr>
+          <a:xfrm>
+            <a:off x="1115616" y="1124744"/>
+            <a:ext cx="7818072" cy="5544616"/>
+          </a:xfrm>
+        </p:spPr>
+        <p:txBody>
+          <a:bodyPr>
+            <a:normAutofit/>
+          </a:bodyPr>
+          <a:lstStyle/>
+          <a:p>
+            <a:pPr marL="82296" indent="0">
+              <a:buNone/>
+            </a:pPr>
+            <a:r>
+              <a:rPr lang="ja-JP" altLang="ja-JP" dirty="0"/>
+              <a:t>Windowsの作業を自動化するツール</a:t>
+            </a:r>
+            <a:endParaRPr kumimoji="1" lang="en-US" altLang="ja-JP" dirty="0" smtClean="0"/>
+          </a:p>
+          <a:p>
+            <a:pPr marL="82296" indent="0">
+              <a:buNone/>
+            </a:pPr>
+            <a:endParaRPr lang="en-US" altLang="ja-JP" dirty="0" smtClean="0"/>
+          </a:p>
+          <a:p>
+            <a:pPr marL="82296" indent="0">
+              <a:buNone/>
+            </a:pPr>
+            <a:r>
+              <a:rPr lang="ja-JP" altLang="en-US" dirty="0" smtClean="0"/>
+              <a:t>フリー版、シェアウェア版の２種類存在</a:t>
+            </a:r>
+            <a:endParaRPr lang="en-US" altLang="ja-JP" dirty="0" smtClean="0"/>
+          </a:p>
+          <a:p>
+            <a:pPr marL="82296" indent="0">
+              <a:buNone/>
+            </a:pPr>
+            <a:endParaRPr lang="en-US" altLang="ja-JP" dirty="0"/>
+          </a:p>
+          <a:p>
+            <a:pPr marL="82296" indent="0">
+              <a:buNone/>
+            </a:pPr>
+            <a:r>
+              <a:rPr lang="en-US" altLang="ja-JP" dirty="0"/>
+              <a:t>http://www.uwsc.info/</a:t>
+            </a:r>
+          </a:p>
+        </p:txBody>
+      </p:sp>
+    </p:spTree>
+    <p:extLst>
+      <p:ext uri="{BB962C8B-B14F-4D97-AF65-F5344CB8AC3E}">
+        <p14:creationId xmlns:p14="http://schemas.microsoft.com/office/powerpoint/2010/main" val="3376307830"/>
+      </p:ext>
+    </p:extLst>
+  </p:cSld>
+  <p:clrMapOvr>
+    <a:masterClrMapping/>
+  </p:clrMapOvr>
+  <p:timing>
+    <p:tnLst>
+      <p:par>
+        <p:cTn id="1" dur="indefinite" restart="never" nodeType="tmRoot"/>
+      </p:par>
+    </p:tnLst>
+  </p:timing>
+</p:sld>
+</file>
+
+<file path=ppt/slides/slide6.xml><?xml version="1.0" encoding="utf-8"?>
+<p:sld xmlns:a="http://schemas.openxmlformats.org/drawingml/2006/main" xmlns:r="http://schemas.openxmlformats.org/officeDocument/2006/relationships" xmlns:p="http://schemas.openxmlformats.org/presentationml/2006/main">
+  <p:cSld>
+    <p:spTree>
+      <p:nvGrpSpPr>
+        <p:cNvPr id="1" name=""/>
+        <p:cNvGrpSpPr/>
+        <p:nvPr/>
+      </p:nvGrpSpPr>
+      <p:grpSpPr>
+        <a:xfrm>
+          <a:off x="0" y="0"/>
+          <a:ext cx="0" cy="0"/>
+          <a:chOff x="0" y="0"/>
+          <a:chExt cx="0" cy="0"/>
+        </a:xfrm>
+      </p:grpSpPr>
+      <p:sp>
+        <p:nvSpPr>
+          <p:cNvPr id="2" name="タイトル 1"/>
+          <p:cNvSpPr>
+            <a:spLocks noGrp="1"/>
+          </p:cNvSpPr>
+          <p:nvPr>
+            <p:ph type="title"/>
+          </p:nvPr>
+        </p:nvSpPr>
+        <p:spPr/>
+        <p:txBody>
+          <a:bodyPr/>
+          <a:lstStyle/>
+          <a:p>
+            <a:r>
+              <a:rPr kumimoji="1" lang="en-US" altLang="ja-JP" dirty="0" smtClean="0"/>
+              <a:t>Monaca</a:t>
+            </a:r>
+            <a:r>
+              <a:rPr kumimoji="1" lang="ja-JP" altLang="en-US" dirty="0" smtClean="0"/>
+              <a:t>と</a:t>
+            </a:r>
+            <a:r>
+              <a:rPr kumimoji="1" lang="ja-JP" altLang="en-US" dirty="0" smtClean="0"/>
+              <a:t>は？</a:t>
+            </a:r>
+            <a:endParaRPr kumimoji="1" lang="ja-JP" altLang="en-US" dirty="0"/>
+          </a:p>
+        </p:txBody>
+      </p:sp>
+      <p:sp>
+        <p:nvSpPr>
+          <p:cNvPr id="3" name="コンテンツ プレースホルダー 2"/>
+          <p:cNvSpPr>
+            <a:spLocks noGrp="1"/>
+          </p:cNvSpPr>
+          <p:nvPr>
+            <p:ph idx="1"/>
+          </p:nvPr>
+        </p:nvSpPr>
+        <p:spPr>
+          <a:xfrm>
+            <a:off x="1115616" y="1124744"/>
+            <a:ext cx="7818072" cy="5544616"/>
+          </a:xfrm>
+        </p:spPr>
+        <p:txBody>
+          <a:bodyPr>
+            <a:normAutofit/>
+          </a:bodyPr>
+          <a:lstStyle/>
+          <a:p>
+            <a:pPr marL="82296" indent="0">
+              <a:buNone/>
+            </a:pPr>
+            <a:r>
+              <a:rPr lang="en-US" altLang="ja-JP" dirty="0"/>
+              <a:t>HTML5</a:t>
+            </a:r>
+            <a:r>
+              <a:rPr lang="ja-JP" altLang="en-US" dirty="0"/>
+              <a:t>でモバイルアプリを開発するための</a:t>
+            </a:r>
+            <a:r>
+              <a:rPr lang="ja-JP" altLang="en-US" dirty="0" smtClean="0"/>
+              <a:t>ツール</a:t>
+            </a:r>
+            <a:endParaRPr lang="en-US" altLang="ja-JP" dirty="0" smtClean="0"/>
+          </a:p>
+          <a:p>
+            <a:pPr marL="82296" indent="0">
+              <a:buNone/>
+            </a:pPr>
+            <a:endParaRPr lang="en-US" altLang="ja-JP" dirty="0" smtClean="0"/>
+          </a:p>
+          <a:p>
+            <a:pPr marL="82296" indent="0">
+              <a:buNone/>
+            </a:pPr>
+            <a:r>
+              <a:rPr lang="en-US" altLang="ja-JP" dirty="0" smtClean="0"/>
+              <a:t>Web</a:t>
+            </a:r>
+            <a:r>
+              <a:rPr lang="ja-JP" altLang="en-US" dirty="0" smtClean="0"/>
+              <a:t>ブラウザで動作する</a:t>
+            </a:r>
+            <a:r>
+              <a:rPr lang="en-US" altLang="ja-JP" dirty="0" smtClean="0"/>
+              <a:t>IDE</a:t>
+            </a:r>
+            <a:r>
+              <a:rPr lang="ja-JP" altLang="en-US" dirty="0" smtClean="0"/>
+              <a:t>あり</a:t>
+            </a:r>
+            <a:endParaRPr lang="en-US" altLang="ja-JP" dirty="0" smtClean="0"/>
+          </a:p>
+          <a:p>
+            <a:pPr marL="82296" indent="0">
+              <a:buNone/>
+            </a:pPr>
+            <a:endParaRPr lang="en-US" altLang="ja-JP" dirty="0"/>
+          </a:p>
+          <a:p>
+            <a:pPr marL="82296" indent="0">
+              <a:buNone/>
+            </a:pPr>
+            <a:endParaRPr lang="en-US" altLang="ja-JP" smtClean="0"/>
+          </a:p>
+          <a:p>
+            <a:pPr marL="82296" indent="0">
+              <a:buNone/>
+            </a:pPr>
+            <a:endParaRPr lang="en-US" altLang="ja-JP" dirty="0"/>
+          </a:p>
+          <a:p>
+            <a:pPr marL="82296" indent="0">
+              <a:buNone/>
+            </a:pPr>
+            <a:r>
+              <a:rPr lang="en-US" altLang="ja-JP" dirty="0"/>
+              <a:t>http://www.uwsc.info/</a:t>
+            </a:r>
+          </a:p>
+        </p:txBody>
+      </p:sp>
+    </p:spTree>
+    <p:extLst>
+      <p:ext uri="{BB962C8B-B14F-4D97-AF65-F5344CB8AC3E}">
+        <p14:creationId xmlns:p14="http://schemas.microsoft.com/office/powerpoint/2010/main" val="1570990741"/>
+      </p:ext>
+    </p:extLst>
+  </p:cSld>
+  <p:clrMapOvr>
+    <a:masterClrMapping/>
+  </p:clrMapOvr>
+  <p:timing>
+    <p:tnLst>
+      <p:par>
+        <p:cTn id="1" dur="indefinite" restart="never" nodeType="tmRoot"/>
+      </p:par>
+    </p:tnLst>
+  </p:timing>
+</p:sld>
+</file>
+
+<file path=ppt/slides/slide7.xml><?xml version="1.0" encoding="utf-8"?>
+<p:sld xmlns:a="http://schemas.openxmlformats.org/drawingml/2006/main" xmlns:r="http://schemas.openxmlformats.org/officeDocument/2006/relationships" xmlns:p="http://schemas.openxmlformats.org/presentationml/2006/main">
+  <p:cSld>
+    <p:spTree>
+      <p:nvGrpSpPr>
+        <p:cNvPr id="1" name=""/>
+        <p:cNvGrpSpPr/>
+        <p:nvPr/>
+      </p:nvGrpSpPr>
+      <p:grpSpPr>
+        <a:xfrm>
+          <a:off x="0" y="0"/>
+          <a:ext cx="0" cy="0"/>
+          <a:chOff x="0" y="0"/>
+          <a:chExt cx="0" cy="0"/>
+        </a:xfrm>
+      </p:grpSpPr>
+      <p:sp>
+        <p:nvSpPr>
+          <p:cNvPr id="2" name="タイトル 1"/>
+          <p:cNvSpPr>
+            <a:spLocks noGrp="1"/>
+          </p:cNvSpPr>
+          <p:nvPr>
+            <p:ph type="title"/>
+          </p:nvPr>
+        </p:nvSpPr>
+        <p:spPr/>
+        <p:txBody>
+          <a:bodyPr>
+            <a:normAutofit/>
+          </a:bodyPr>
+          <a:lstStyle/>
+          <a:p>
+            <a:r>
+              <a:rPr kumimoji="1" lang="ja-JP" altLang="en-US" dirty="0" smtClean="0"/>
+              <a:t>公式トップより</a:t>
+            </a:r>
+            <a:endParaRPr kumimoji="1" lang="ja-JP" altLang="en-US" dirty="0"/>
+          </a:p>
+        </p:txBody>
+      </p:sp>
+      <p:sp>
+        <p:nvSpPr>
+          <p:cNvPr id="3" name="コンテンツ プレースホルダー 2"/>
+          <p:cNvSpPr>
+            <a:spLocks noGrp="1"/>
+          </p:cNvSpPr>
+          <p:nvPr>
+            <p:ph idx="1"/>
+          </p:nvPr>
+        </p:nvSpPr>
+        <p:spPr>
+          <a:xfrm>
+            <a:off x="1259632" y="1124744"/>
+            <a:ext cx="7674056" cy="5328592"/>
+          </a:xfrm>
+        </p:spPr>
+        <p:txBody>
+          <a:bodyPr>
+            <a:normAutofit fontScale="85000" lnSpcReduction="20000"/>
+          </a:bodyPr>
+          <a:lstStyle/>
+          <a:p>
+            <a:pPr marL="82296" indent="0">
+              <a:buNone/>
+            </a:pPr>
+            <a:r>
+              <a:rPr lang="ja-JP" altLang="en-US" dirty="0"/>
+              <a:t>「機能」</a:t>
+            </a:r>
+            <a:br>
+              <a:rPr lang="ja-JP" altLang="en-US" dirty="0"/>
+            </a:br>
+            <a:r>
+              <a:rPr lang="ja-JP" altLang="en-US" dirty="0" smtClean="0"/>
+              <a:t>・ </a:t>
+            </a:r>
+            <a:r>
+              <a:rPr lang="ja-JP" altLang="en-US" dirty="0"/>
+              <a:t>マウスとキーボード入力を記録して再生する事ができます</a:t>
+            </a:r>
+            <a:r>
+              <a:rPr lang="ja-JP" altLang="en-US" dirty="0" smtClean="0"/>
+              <a:t>。（</a:t>
+            </a:r>
+            <a:r>
+              <a:rPr lang="ja-JP" altLang="en-US" dirty="0"/>
+              <a:t>スクリプト形式ですので自由に編集する事ができます）</a:t>
+            </a:r>
+            <a:br>
+              <a:rPr lang="ja-JP" altLang="en-US" dirty="0"/>
+            </a:br>
+            <a:endParaRPr lang="en-US" altLang="ja-JP" dirty="0" smtClean="0"/>
+          </a:p>
+          <a:p>
+            <a:pPr marL="82296" indent="0">
+              <a:buNone/>
+            </a:pPr>
+            <a:r>
+              <a:rPr lang="ja-JP" altLang="en-US" dirty="0" smtClean="0"/>
+              <a:t>・ </a:t>
+            </a:r>
+            <a:r>
+              <a:rPr lang="ja-JP" altLang="en-US" dirty="0"/>
+              <a:t>強力なスクリプト言語によりアプリの操作ができます</a:t>
+            </a:r>
+            <a:r>
+              <a:rPr lang="ja-JP" altLang="en-US" dirty="0" smtClean="0"/>
+              <a:t>。（</a:t>
+            </a:r>
+            <a:r>
+              <a:rPr lang="en-US" altLang="ja-JP" dirty="0"/>
+              <a:t>COM</a:t>
+            </a:r>
+            <a:r>
+              <a:rPr lang="ja-JP" altLang="en-US" dirty="0"/>
+              <a:t>オブジェクト、</a:t>
+            </a:r>
+            <a:r>
+              <a:rPr lang="en-US" altLang="ja-JP" dirty="0"/>
+              <a:t>DLL</a:t>
+            </a:r>
+            <a:r>
+              <a:rPr lang="ja-JP" altLang="en-US" dirty="0"/>
+              <a:t>の利用も可能です</a:t>
+            </a:r>
+            <a:r>
+              <a:rPr lang="ja-JP" altLang="en-US" dirty="0" smtClean="0"/>
+              <a:t>）</a:t>
+            </a:r>
+            <a:endParaRPr lang="en-US" altLang="ja-JP" dirty="0" smtClean="0"/>
+          </a:p>
+          <a:p>
+            <a:pPr marL="82296" indent="0">
+              <a:buNone/>
+            </a:pPr>
+            <a:r>
+              <a:rPr lang="ja-JP" altLang="en-US" dirty="0"/>
+              <a:t/>
+            </a:r>
+            <a:br>
+              <a:rPr lang="ja-JP" altLang="en-US" dirty="0"/>
+            </a:br>
+            <a:r>
+              <a:rPr lang="ja-JP" altLang="en-US" dirty="0" smtClean="0"/>
+              <a:t>・ </a:t>
+            </a:r>
+            <a:r>
+              <a:rPr lang="ja-JP" altLang="en-US" dirty="0"/>
+              <a:t>スケジュール機能により指定時間や指定ウィンドウが現れた時などの指定ができます。</a:t>
+            </a:r>
+            <a:br>
+              <a:rPr lang="ja-JP" altLang="en-US" dirty="0"/>
+            </a:br>
+            <a:endParaRPr lang="en-US" altLang="ja-JP" dirty="0" smtClean="0"/>
+          </a:p>
+          <a:p>
+            <a:pPr marL="82296" indent="0">
+              <a:buNone/>
+            </a:pPr>
+            <a:r>
+              <a:rPr lang="ja-JP" altLang="en-US" dirty="0"/>
+              <a:t/>
+            </a:r>
+            <a:br>
+              <a:rPr lang="ja-JP" altLang="en-US" dirty="0"/>
+            </a:br>
+            <a:r>
+              <a:rPr lang="ja-JP" altLang="en-US" dirty="0"/>
+              <a:t>「動作環境」</a:t>
+            </a:r>
+            <a:br>
+              <a:rPr lang="ja-JP" altLang="en-US" dirty="0"/>
+            </a:br>
+            <a:r>
+              <a:rPr lang="ja-JP" altLang="en-US" dirty="0"/>
+              <a:t>　</a:t>
+            </a:r>
+            <a:r>
+              <a:rPr lang="en-US" altLang="ja-JP" dirty="0"/>
+              <a:t>Windows</a:t>
+            </a:r>
+            <a:r>
+              <a:rPr lang="ja-JP" altLang="en-US" dirty="0"/>
+              <a:t>　</a:t>
+            </a:r>
+            <a:r>
+              <a:rPr lang="en-US" altLang="ja-JP" dirty="0"/>
+              <a:t>XP / Vista / 7 / </a:t>
+            </a:r>
+            <a:r>
+              <a:rPr lang="en-US" altLang="ja-JP" dirty="0" smtClean="0"/>
+              <a:t>8</a:t>
+            </a:r>
+            <a:endParaRPr kumimoji="1" lang="en-US" altLang="ja-JP" dirty="0" smtClean="0"/>
+          </a:p>
+        </p:txBody>
+      </p:sp>
+    </p:spTree>
+    <p:extLst>
+      <p:ext uri="{BB962C8B-B14F-4D97-AF65-F5344CB8AC3E}">
+        <p14:creationId xmlns:p14="http://schemas.microsoft.com/office/powerpoint/2010/main" val="878443423"/>
+      </p:ext>
+    </p:extLst>
+  </p:cSld>
+  <p:clrMapOvr>
+    <a:masterClrMapping/>
+  </p:clrMapOvr>
+  <p:timing>
+    <p:tnLst>
+      <p:par>
+        <p:cTn id="1" dur="indefinite" restart="never" nodeType="tmRoot"/>
+      </p:par>
+    </p:tnLst>
+  </p:timing>
+</p:sld>
+</file>
+
+<file path=ppt/slides/slide8.xml><?xml version="1.0" encoding="utf-8"?>
+<p:sld xmlns:a="http://schemas.openxmlformats.org/drawingml/2006/main" xmlns:r="http://schemas.openxmlformats.org/officeDocument/2006/relationships" xmlns:p="http://schemas.openxmlformats.org/presentationml/2006/main">
+  <p:cSld>
+    <p:spTree>
+      <p:nvGrpSpPr>
+        <p:cNvPr id="1" name=""/>
+        <p:cNvGrpSpPr/>
+        <p:nvPr/>
+      </p:nvGrpSpPr>
+      <p:grpSpPr>
+        <a:xfrm>
+          <a:off x="0" y="0"/>
+          <a:ext cx="0" cy="0"/>
+          <a:chOff x="0" y="0"/>
+          <a:chExt cx="0" cy="0"/>
+        </a:xfrm>
+      </p:grpSpPr>
+      <p:sp>
+        <p:nvSpPr>
+          <p:cNvPr id="2" name="タイトル 1"/>
+          <p:cNvSpPr>
+            <a:spLocks noGrp="1"/>
+          </p:cNvSpPr>
+          <p:nvPr>
+            <p:ph type="title"/>
+          </p:nvPr>
+        </p:nvSpPr>
+        <p:spPr/>
+        <p:txBody>
+          <a:bodyPr/>
+          <a:lstStyle/>
+          <a:p>
+            <a:r>
+              <a:rPr kumimoji="1" lang="ja-JP" altLang="en-US" dirty="0" smtClean="0"/>
+              <a:t>まず使ってみる</a:t>
+            </a:r>
+            <a:endParaRPr kumimoji="1" lang="ja-JP" altLang="en-US" dirty="0"/>
+          </a:p>
+        </p:txBody>
+      </p:sp>
+      <p:sp>
+        <p:nvSpPr>
+          <p:cNvPr id="3" name="コンテンツ プレースホルダー 2"/>
+          <p:cNvSpPr>
+            <a:spLocks noGrp="1"/>
+          </p:cNvSpPr>
+          <p:nvPr>
+            <p:ph idx="1"/>
+          </p:nvPr>
+        </p:nvSpPr>
+        <p:spPr>
+          <a:xfrm>
+            <a:off x="899592" y="1447800"/>
+            <a:ext cx="8136904" cy="4069432"/>
+          </a:xfrm>
+        </p:spPr>
+        <p:txBody>
+          <a:bodyPr>
+            <a:normAutofit/>
+          </a:bodyPr>
+          <a:lstStyle/>
+          <a:p>
+            <a:pPr marL="82296" indent="0">
+              <a:buNone/>
+            </a:pPr>
+            <a:r>
+              <a:rPr kumimoji="1" lang="ja-JP" altLang="en-US" dirty="0" smtClean="0"/>
+              <a:t>とりあえず記録→再生するだけでも</a:t>
+            </a:r>
+            <a:endParaRPr kumimoji="1" lang="en-US" altLang="ja-JP" dirty="0" smtClean="0"/>
+          </a:p>
+          <a:p>
+            <a:pPr marL="82296" indent="0">
+              <a:buNone/>
+            </a:pPr>
+            <a:r>
+              <a:rPr kumimoji="1" lang="ja-JP" altLang="en-US" dirty="0" smtClean="0"/>
+              <a:t>結構それらしくなります。</a:t>
+            </a:r>
+            <a:endParaRPr kumimoji="1" lang="en-US" altLang="ja-JP" dirty="0" smtClean="0"/>
+          </a:p>
+          <a:p>
+            <a:pPr marL="82296" indent="0">
+              <a:buNone/>
+            </a:pPr>
+            <a:endParaRPr lang="en-US" altLang="ja-JP" dirty="0"/>
+          </a:p>
+          <a:p>
+            <a:pPr marL="82296" indent="0">
+              <a:buNone/>
+            </a:pPr>
+            <a:endParaRPr kumimoji="1" lang="en-US" altLang="ja-JP" dirty="0" smtClean="0"/>
+          </a:p>
+          <a:p>
+            <a:pPr marL="82296" indent="0">
+              <a:buNone/>
+            </a:pPr>
+            <a:r>
+              <a:rPr kumimoji="1" lang="ja-JP" altLang="en-US" dirty="0" smtClean="0"/>
+              <a:t>記録してできたスクリプトの中身を読んで</a:t>
+            </a:r>
+            <a:endParaRPr kumimoji="1" lang="en-US" altLang="ja-JP" dirty="0" smtClean="0"/>
+          </a:p>
+          <a:p>
+            <a:pPr marL="82296" indent="0">
+              <a:buNone/>
+            </a:pPr>
+            <a:r>
+              <a:rPr lang="ja-JP" altLang="en-US" dirty="0"/>
+              <a:t>いじくってみる</a:t>
+            </a:r>
+            <a:r>
+              <a:rPr lang="ja-JP" altLang="en-US" dirty="0" smtClean="0"/>
+              <a:t>と面白い感じに。</a:t>
+            </a:r>
+            <a:endParaRPr kumimoji="1" lang="en-US" altLang="ja-JP" dirty="0" smtClean="0"/>
+          </a:p>
+        </p:txBody>
+      </p:sp>
+      <p:sp>
+        <p:nvSpPr>
+          <p:cNvPr id="6" name="下矢印 5"/>
+          <p:cNvSpPr/>
+          <p:nvPr/>
+        </p:nvSpPr>
+        <p:spPr>
+          <a:xfrm>
+            <a:off x="4211960" y="2827106"/>
+            <a:ext cx="936104" cy="720080"/>
+          </a:xfrm>
+          <a:prstGeom prst="downArrow">
+            <a:avLst/>
+          </a:prstGeom>
+        </p:spPr>
+        <p:style>
+          <a:lnRef idx="2">
+            <a:schemeClr val="accent1">
+              <a:shade val="50000"/>
+            </a:schemeClr>
+          </a:lnRef>
+          <a:fillRef idx="1">
+            <a:schemeClr val="accent1"/>
+          </a:fillRef>
+          <a:effectRef idx="0">
+            <a:schemeClr val="accent1"/>
+          </a:effectRef>
+          <a:fontRef idx="minor">
+            <a:schemeClr val="lt1"/>
+          </a:fontRef>
+        </p:style>
+        <p:txBody>
+          <a:bodyPr rtlCol="0" anchor="ctr"/>
+          <a:lstStyle/>
+          <a:p>
+            <a:pPr algn="ctr"/>
+            <a:endParaRPr kumimoji="1" lang="ja-JP" altLang="en-US"/>
+          </a:p>
+        </p:txBody>
+      </p:sp>
+    </p:spTree>
+    <p:extLst>
+      <p:ext uri="{BB962C8B-B14F-4D97-AF65-F5344CB8AC3E}">
+        <p14:creationId xmlns:p14="http://schemas.microsoft.com/office/powerpoint/2010/main" val="2494857876"/>
+      </p:ext>
+    </p:extLst>
+  </p:cSld>
+  <p:clrMapOvr>
+    <a:masterClrMapping/>
+  </p:clrMapOvr>
+  <p:timing>
+    <p:tnLst>
+      <p:par>
+        <p:cTn id="1" dur="indefinite" restart="never" nodeType="tmRoot"/>
+      </p:par>
+    </p:tnLst>
+  </p:timing>
+</p:sld>
+</file>
+
+<file path=ppt/slides/slide9.xml><?xml version="1.0" encoding="utf-8"?>
+<p:sld xmlns:a="http://schemas.openxmlformats.org/drawingml/2006/main" xmlns:r="http://schemas.openxmlformats.org/officeDocument/2006/relationships" xmlns:p="http://schemas.openxmlformats.org/presentationml/2006/main">
+  <p:cSld>
+    <p:spTree>
+      <p:nvGrpSpPr>
+        <p:cNvPr id="1" name=""/>
+        <p:cNvGrpSpPr/>
+        <p:nvPr/>
+      </p:nvGrpSpPr>
+      <p:grpSpPr>
+        <a:xfrm>
+          <a:off x="0" y="0"/>
+          <a:ext cx="0" cy="0"/>
+          <a:chOff x="0" y="0"/>
+          <a:chExt cx="0" cy="0"/>
+        </a:xfrm>
+      </p:grpSpPr>
+      <p:sp>
+        <p:nvSpPr>
+          <p:cNvPr id="2" name="タイトル 1"/>
+          <p:cNvSpPr>
+            <a:spLocks noGrp="1"/>
+          </p:cNvSpPr>
+          <p:nvPr>
+            <p:ph type="title"/>
+          </p:nvPr>
+        </p:nvSpPr>
+        <p:spPr/>
+        <p:txBody>
+          <a:bodyPr>
+            <a:normAutofit/>
+          </a:bodyPr>
+          <a:lstStyle/>
+          <a:p>
+            <a:r>
+              <a:rPr kumimoji="1" lang="ja-JP" altLang="en-US" dirty="0" smtClean="0"/>
+              <a:t>スクリプトを組もう</a:t>
+            </a:r>
+            <a:endParaRPr kumimoji="1" lang="ja-JP" altLang="en-US" dirty="0"/>
+          </a:p>
+        </p:txBody>
+      </p:sp>
+      <p:sp>
+        <p:nvSpPr>
+          <p:cNvPr id="3" name="コンテンツ プレースホルダー 2"/>
+          <p:cNvSpPr>
+            <a:spLocks noGrp="1"/>
+          </p:cNvSpPr>
+          <p:nvPr>
+            <p:ph idx="1"/>
+          </p:nvPr>
+        </p:nvSpPr>
+        <p:spPr>
+          <a:xfrm>
+            <a:off x="899592" y="1447800"/>
+            <a:ext cx="8136904" cy="4800600"/>
+          </a:xfrm>
+        </p:spPr>
+        <p:txBody>
+          <a:bodyPr>
+            <a:normAutofit/>
+          </a:bodyPr>
+          <a:lstStyle/>
+          <a:p>
+            <a:pPr marL="82296" indent="0">
+              <a:buNone/>
+            </a:pPr>
+            <a:r>
+              <a:rPr kumimoji="1" lang="ja-JP" altLang="en-US" dirty="0" smtClean="0"/>
+              <a:t>公式のヘルプやサンプルに色々あります。</a:t>
+            </a:r>
+            <a:endParaRPr kumimoji="1" lang="en-US" altLang="ja-JP" dirty="0" smtClean="0"/>
+          </a:p>
+          <a:p>
+            <a:pPr marL="82296" indent="0">
+              <a:buNone/>
+            </a:pPr>
+            <a:endParaRPr lang="en-US" altLang="ja-JP" dirty="0"/>
+          </a:p>
+          <a:p>
+            <a:pPr marL="82296" indent="0">
+              <a:buNone/>
+            </a:pPr>
+            <a:r>
+              <a:rPr kumimoji="1" lang="ja-JP" altLang="en-US" dirty="0" smtClean="0"/>
+              <a:t>ググ</a:t>
+            </a:r>
+            <a:r>
+              <a:rPr kumimoji="1" lang="ja-JP" altLang="en-US" dirty="0" err="1" smtClean="0"/>
+              <a:t>ると</a:t>
+            </a:r>
+            <a:r>
+              <a:rPr kumimoji="1" lang="ja-JP" altLang="en-US" dirty="0" smtClean="0"/>
+              <a:t>結構参考になるスクリプトを公開している人</a:t>
+            </a:r>
+            <a:r>
+              <a:rPr kumimoji="1" lang="ja-JP" altLang="en-US" smtClean="0"/>
+              <a:t>も。</a:t>
+            </a:r>
+            <a:endParaRPr kumimoji="1" lang="en-US" altLang="ja-JP" dirty="0" smtClean="0"/>
+          </a:p>
+        </p:txBody>
+      </p:sp>
+    </p:spTree>
+    <p:extLst>
+      <p:ext uri="{BB962C8B-B14F-4D97-AF65-F5344CB8AC3E}">
+        <p14:creationId xmlns:p14="http://schemas.microsoft.com/office/powerpoint/2010/main" val="9406206"/>
       </p:ext>
     </p:extLst>
   </p:cSld>

--- a/monaca.pptx
+++ b/monaca.pptx
@@ -9,17 +9,15 @@
     <p:sldId id="257" r:id="rId3"/>
     <p:sldId id="299" r:id="rId4"/>
     <p:sldId id="300" r:id="rId5"/>
-    <p:sldId id="298" r:id="rId6"/>
+    <p:sldId id="302" r:id="rId6"/>
     <p:sldId id="301" r:id="rId7"/>
-    <p:sldId id="265" r:id="rId8"/>
-    <p:sldId id="258" r:id="rId9"/>
-    <p:sldId id="274" r:id="rId10"/>
-    <p:sldId id="259" r:id="rId11"/>
-    <p:sldId id="297" r:id="rId12"/>
-    <p:sldId id="277" r:id="rId13"/>
-    <p:sldId id="271" r:id="rId14"/>
-    <p:sldId id="269" r:id="rId15"/>
-    <p:sldId id="276" r:id="rId16"/>
+    <p:sldId id="303" r:id="rId8"/>
+    <p:sldId id="265" r:id="rId9"/>
+    <p:sldId id="304" r:id="rId10"/>
+    <p:sldId id="305" r:id="rId11"/>
+    <p:sldId id="306" r:id="rId12"/>
+    <p:sldId id="307" r:id="rId13"/>
+    <p:sldId id="276" r:id="rId14"/>
   </p:sldIdLst>
   <p:sldSz cx="9144000" cy="6858000" type="screen4x3"/>
   <p:notesSz cx="6858000" cy="9144000"/>
@@ -255,7 +253,7 @@
           <a:p>
             <a:fld id="{39378AC4-C49C-4159-B332-7738B007311C}" type="datetimeFigureOut">
               <a:rPr kumimoji="1" lang="ja-JP" altLang="en-US" smtClean="0"/>
-              <a:t>2014/7/18</a:t>
+              <a:t>2014/7/21</a:t>
             </a:fld>
             <a:endParaRPr kumimoji="1" lang="ja-JP" altLang="en-US"/>
           </a:p>
@@ -600,7 +598,7 @@
           <a:p>
             <a:fld id="{39378AC4-C49C-4159-B332-7738B007311C}" type="datetimeFigureOut">
               <a:rPr kumimoji="1" lang="ja-JP" altLang="en-US" smtClean="0"/>
-              <a:t>2014/7/18</a:t>
+              <a:t>2014/7/21</a:t>
             </a:fld>
             <a:endParaRPr kumimoji="1" lang="ja-JP" altLang="en-US"/>
           </a:p>
@@ -817,7 +815,7 @@
           <a:p>
             <a:fld id="{39378AC4-C49C-4159-B332-7738B007311C}" type="datetimeFigureOut">
               <a:rPr kumimoji="1" lang="ja-JP" altLang="en-US" smtClean="0"/>
-              <a:t>2014/7/18</a:t>
+              <a:t>2014/7/21</a:t>
             </a:fld>
             <a:endParaRPr kumimoji="1" lang="ja-JP" altLang="en-US"/>
           </a:p>
@@ -1024,7 +1022,7 @@
           <a:p>
             <a:fld id="{39378AC4-C49C-4159-B332-7738B007311C}" type="datetimeFigureOut">
               <a:rPr kumimoji="1" lang="ja-JP" altLang="en-US" smtClean="0"/>
-              <a:t>2014/7/18</a:t>
+              <a:t>2014/7/21</a:t>
             </a:fld>
             <a:endParaRPr kumimoji="1" lang="ja-JP" altLang="en-US"/>
           </a:p>
@@ -1292,7 +1290,7 @@
           <a:p>
             <a:fld id="{39378AC4-C49C-4159-B332-7738B007311C}" type="datetimeFigureOut">
               <a:rPr kumimoji="1" lang="ja-JP" altLang="en-US" smtClean="0"/>
-              <a:t>2014/7/18</a:t>
+              <a:t>2014/7/21</a:t>
             </a:fld>
             <a:endParaRPr kumimoji="1" lang="ja-JP" altLang="en-US"/>
           </a:p>
@@ -1824,7 +1822,7 @@
           <a:p>
             <a:fld id="{39378AC4-C49C-4159-B332-7738B007311C}" type="datetimeFigureOut">
               <a:rPr kumimoji="1" lang="ja-JP" altLang="en-US" smtClean="0"/>
-              <a:t>2014/7/18</a:t>
+              <a:t>2014/7/21</a:t>
             </a:fld>
             <a:endParaRPr kumimoji="1" lang="ja-JP" altLang="en-US"/>
           </a:p>
@@ -2377,7 +2375,7 @@
           <a:p>
             <a:fld id="{39378AC4-C49C-4159-B332-7738B007311C}" type="datetimeFigureOut">
               <a:rPr kumimoji="1" lang="ja-JP" altLang="en-US" smtClean="0"/>
-              <a:t>2014/7/18</a:t>
+              <a:t>2014/7/21</a:t>
             </a:fld>
             <a:endParaRPr kumimoji="1" lang="ja-JP" altLang="en-US"/>
           </a:p>
@@ -2503,7 +2501,7 @@
           <a:p>
             <a:fld id="{39378AC4-C49C-4159-B332-7738B007311C}" type="datetimeFigureOut">
               <a:rPr kumimoji="1" lang="ja-JP" altLang="en-US" smtClean="0"/>
-              <a:t>2014/7/18</a:t>
+              <a:t>2014/7/21</a:t>
             </a:fld>
             <a:endParaRPr kumimoji="1" lang="ja-JP" altLang="en-US"/>
           </a:p>
@@ -2647,7 +2645,7 @@
           <a:p>
             <a:fld id="{39378AC4-C49C-4159-B332-7738B007311C}" type="datetimeFigureOut">
               <a:rPr kumimoji="1" lang="ja-JP" altLang="en-US" smtClean="0"/>
-              <a:t>2014/7/18</a:t>
+              <a:t>2014/7/21</a:t>
             </a:fld>
             <a:endParaRPr kumimoji="1" lang="ja-JP" altLang="en-US"/>
           </a:p>
@@ -3001,7 +2999,7 @@
           <a:p>
             <a:fld id="{39378AC4-C49C-4159-B332-7738B007311C}" type="datetimeFigureOut">
               <a:rPr kumimoji="1" lang="ja-JP" altLang="en-US" smtClean="0"/>
-              <a:t>2014/7/18</a:t>
+              <a:t>2014/7/21</a:t>
             </a:fld>
             <a:endParaRPr kumimoji="1" lang="ja-JP" altLang="en-US"/>
           </a:p>
@@ -3135,7 +3133,7 @@
           <a:p>
             <a:fld id="{39378AC4-C49C-4159-B332-7738B007311C}" type="datetimeFigureOut">
               <a:rPr kumimoji="1" lang="ja-JP" altLang="en-US" smtClean="0"/>
-              <a:t>2014/7/18</a:t>
+              <a:t>2014/7/21</a:t>
             </a:fld>
             <a:endParaRPr kumimoji="1" lang="ja-JP" altLang="en-US"/>
           </a:p>
@@ -3948,7 +3946,7 @@
           <a:p>
             <a:fld id="{39378AC4-C49C-4159-B332-7738B007311C}" type="datetimeFigureOut">
               <a:rPr kumimoji="1" lang="ja-JP" altLang="en-US" smtClean="0"/>
-              <a:t>2014/7/18</a:t>
+              <a:t>2014/7/21</a:t>
             </a:fld>
             <a:endParaRPr kumimoji="1" lang="ja-JP" altLang="en-US"/>
           </a:p>
@@ -4467,14 +4465,26 @@
           <a:lstStyle/>
           <a:p>
             <a:r>
-              <a:rPr lang="en-US" altLang="ja-JP" dirty="0" err="1" smtClean="0"/>
+              <a:rPr lang="en-US" altLang="ja-JP" dirty="0" err="1" smtClean="0">
+                <a:latin typeface="メイリオ" panose="020B0604030504040204" pitchFamily="50" charset="-128"/>
+                <a:ea typeface="メイリオ" panose="020B0604030504040204" pitchFamily="50" charset="-128"/>
+                <a:cs typeface="メイリオ" panose="020B0604030504040204" pitchFamily="50" charset="-128"/>
+              </a:rPr>
               <a:t>monaca</a:t>
             </a:r>
             <a:r>
-              <a:rPr lang="ja-JP" altLang="en-US" dirty="0" smtClean="0"/>
+              <a:rPr lang="ja-JP" altLang="en-US" dirty="0" smtClean="0">
+                <a:latin typeface="メイリオ" panose="020B0604030504040204" pitchFamily="50" charset="-128"/>
+                <a:ea typeface="メイリオ" panose="020B0604030504040204" pitchFamily="50" charset="-128"/>
+                <a:cs typeface="メイリオ" panose="020B0604030504040204" pitchFamily="50" charset="-128"/>
+              </a:rPr>
               <a:t>でかんたんスマホアプリ開発</a:t>
             </a:r>
-            <a:endParaRPr kumimoji="1" lang="ja-JP" altLang="en-US" dirty="0"/>
+            <a:endParaRPr kumimoji="1" lang="ja-JP" altLang="en-US" dirty="0">
+              <a:latin typeface="メイリオ" panose="020B0604030504040204" pitchFamily="50" charset="-128"/>
+              <a:ea typeface="メイリオ" panose="020B0604030504040204" pitchFamily="50" charset="-128"/>
+              <a:cs typeface="メイリオ" panose="020B0604030504040204" pitchFamily="50" charset="-128"/>
+            </a:endParaRPr>
           </a:p>
         </p:txBody>
       </p:sp>
@@ -4499,16 +4509,28 @@
           <a:lstStyle/>
           <a:p>
             <a:r>
-              <a:rPr kumimoji="1" lang="en-US" altLang="ja-JP" dirty="0" smtClean="0"/>
+              <a:rPr kumimoji="1" lang="en-US" altLang="ja-JP" dirty="0" smtClean="0">
+                <a:latin typeface="メイリオ" panose="020B0604030504040204" pitchFamily="50" charset="-128"/>
+                <a:ea typeface="メイリオ" panose="020B0604030504040204" pitchFamily="50" charset="-128"/>
+                <a:cs typeface="メイリオ" panose="020B0604030504040204" pitchFamily="50" charset="-128"/>
+              </a:rPr>
               <a:t>2014/7/22</a:t>
             </a:r>
           </a:p>
           <a:p>
             <a:r>
-              <a:rPr kumimoji="1" lang="ja-JP" altLang="en-US" dirty="0" smtClean="0"/>
+              <a:rPr kumimoji="1" lang="ja-JP" altLang="en-US" dirty="0" smtClean="0">
+                <a:latin typeface="メイリオ" panose="020B0604030504040204" pitchFamily="50" charset="-128"/>
+                <a:ea typeface="メイリオ" panose="020B0604030504040204" pitchFamily="50" charset="-128"/>
+                <a:cs typeface="メイリオ" panose="020B0604030504040204" pitchFamily="50" charset="-128"/>
+              </a:rPr>
               <a:t>４－３－１）鈴木</a:t>
             </a:r>
-            <a:endParaRPr kumimoji="1" lang="ja-JP" altLang="en-US" dirty="0"/>
+            <a:endParaRPr kumimoji="1" lang="ja-JP" altLang="en-US" dirty="0">
+              <a:latin typeface="メイリオ" panose="020B0604030504040204" pitchFamily="50" charset="-128"/>
+              <a:ea typeface="メイリオ" panose="020B0604030504040204" pitchFamily="50" charset="-128"/>
+              <a:cs typeface="メイリオ" panose="020B0604030504040204" pitchFamily="50" charset="-128"/>
+            </a:endParaRPr>
           </a:p>
         </p:txBody>
       </p:sp>
@@ -4559,168 +4581,127 @@
             <p:ph type="title"/>
           </p:nvPr>
         </p:nvSpPr>
+        <p:spPr/>
+        <p:txBody>
+          <a:bodyPr>
+            <a:normAutofit/>
+          </a:bodyPr>
+          <a:lstStyle/>
+          <a:p>
+            <a:r>
+              <a:rPr kumimoji="1" lang="en-US" altLang="ja-JP" dirty="0" err="1" smtClean="0">
+                <a:latin typeface="メイリオ" panose="020B0604030504040204" pitchFamily="50" charset="-128"/>
+                <a:ea typeface="メイリオ" panose="020B0604030504040204" pitchFamily="50" charset="-128"/>
+                <a:cs typeface="メイリオ" panose="020B0604030504040204" pitchFamily="50" charset="-128"/>
+              </a:rPr>
+              <a:t>OnsenUI</a:t>
+            </a:r>
+            <a:r>
+              <a:rPr kumimoji="1" lang="ja-JP" altLang="en-US" dirty="0" smtClean="0">
+                <a:latin typeface="メイリオ" panose="020B0604030504040204" pitchFamily="50" charset="-128"/>
+                <a:ea typeface="メイリオ" panose="020B0604030504040204" pitchFamily="50" charset="-128"/>
+                <a:cs typeface="メイリオ" panose="020B0604030504040204" pitchFamily="50" charset="-128"/>
+              </a:rPr>
+              <a:t>を使ってみよう</a:t>
+            </a:r>
+            <a:endParaRPr kumimoji="1" lang="ja-JP" altLang="en-US" dirty="0">
+              <a:latin typeface="メイリオ" panose="020B0604030504040204" pitchFamily="50" charset="-128"/>
+              <a:ea typeface="メイリオ" panose="020B0604030504040204" pitchFamily="50" charset="-128"/>
+              <a:cs typeface="メイリオ" panose="020B0604030504040204" pitchFamily="50" charset="-128"/>
+            </a:endParaRPr>
+          </a:p>
+        </p:txBody>
+      </p:sp>
+      <p:sp>
+        <p:nvSpPr>
+          <p:cNvPr id="3" name="コンテンツ プレースホルダー 2"/>
+          <p:cNvSpPr>
+            <a:spLocks noGrp="1"/>
+          </p:cNvSpPr>
+          <p:nvPr>
+            <p:ph idx="1"/>
+          </p:nvPr>
+        </p:nvSpPr>
         <p:spPr>
           <a:xfrm>
-            <a:off x="1043608" y="274638"/>
-            <a:ext cx="7890080" cy="1143000"/>
+            <a:off x="1259632" y="1124744"/>
+            <a:ext cx="7674056" cy="5328592"/>
           </a:xfrm>
         </p:spPr>
         <p:txBody>
           <a:bodyPr>
-            <a:normAutofit fontScale="90000"/>
+            <a:normAutofit/>
           </a:bodyPr>
-          <a:lstStyle/>
-          <a:p>
-            <a:r>
-              <a:rPr kumimoji="1" lang="ja-JP" altLang="en-US" dirty="0" smtClean="0"/>
-              <a:t>スケジュール機能を使ってみよう</a:t>
-            </a:r>
-            <a:endParaRPr kumimoji="1" lang="ja-JP" altLang="en-US" dirty="0"/>
-          </a:p>
-        </p:txBody>
-      </p:sp>
-      <p:sp>
-        <p:nvSpPr>
-          <p:cNvPr id="3" name="コンテンツ プレースホルダー 2"/>
-          <p:cNvSpPr>
-            <a:spLocks noGrp="1"/>
-          </p:cNvSpPr>
-          <p:nvPr>
-            <p:ph idx="1"/>
-          </p:nvPr>
-        </p:nvSpPr>
-        <p:spPr/>
-        <p:txBody>
-          <a:bodyPr/>
           <a:lstStyle/>
           <a:p>
             <a:pPr marL="82296" indent="0">
               <a:buNone/>
             </a:pPr>
             <a:r>
-              <a:rPr kumimoji="1" lang="ja-JP" altLang="en-US" dirty="0" smtClean="0"/>
-              <a:t>　共有フォルダとかのパスを毎日</a:t>
-            </a:r>
-            <a:endParaRPr kumimoji="1" lang="en-US" altLang="ja-JP" dirty="0" smtClean="0"/>
+              <a:rPr kumimoji="1" lang="en-US" altLang="ja-JP" dirty="0" err="1" smtClean="0">
+                <a:latin typeface="メイリオ" panose="020B0604030504040204" pitchFamily="50" charset="-128"/>
+                <a:ea typeface="メイリオ" panose="020B0604030504040204" pitchFamily="50" charset="-128"/>
+                <a:cs typeface="メイリオ" panose="020B0604030504040204" pitchFamily="50" charset="-128"/>
+              </a:rPr>
+              <a:t>OnsenUI</a:t>
+            </a:r>
+            <a:r>
+              <a:rPr kumimoji="1" lang="en-US" altLang="ja-JP" dirty="0" smtClean="0">
+                <a:latin typeface="メイリオ" panose="020B0604030504040204" pitchFamily="50" charset="-128"/>
+                <a:ea typeface="メイリオ" panose="020B0604030504040204" pitchFamily="50" charset="-128"/>
+                <a:cs typeface="メイリオ" panose="020B0604030504040204" pitchFamily="50" charset="-128"/>
+              </a:rPr>
+              <a:t>:</a:t>
+            </a:r>
           </a:p>
           <a:p>
             <a:pPr marL="82296" indent="0">
               <a:buNone/>
             </a:pPr>
             <a:r>
-              <a:rPr lang="ja-JP" altLang="en-US" dirty="0"/>
-              <a:t>　</a:t>
-            </a:r>
-            <a:r>
-              <a:rPr lang="ja-JP" altLang="en-US" dirty="0" smtClean="0"/>
-              <a:t>　</a:t>
-            </a:r>
-            <a:r>
-              <a:rPr lang="ja-JP" altLang="en-US" dirty="0" err="1" smtClean="0"/>
-              <a:t>入れるのめん</a:t>
-            </a:r>
-            <a:r>
-              <a:rPr lang="ja-JP" altLang="en-US" dirty="0" smtClean="0"/>
-              <a:t>どい・・・</a:t>
-            </a:r>
-            <a:endParaRPr kumimoji="1" lang="ja-JP" altLang="en-US" dirty="0"/>
-          </a:p>
-        </p:txBody>
-      </p:sp>
-      <p:pic>
-        <p:nvPicPr>
-          <p:cNvPr id="1026" name="Picture 2" descr="C:\Users\Owner\AppData\Local\Microsoft\Windows\Temporary Internet Files\Content.IE5\1HM80ABI\MC900223408[1].wmf"/>
-          <p:cNvPicPr>
-            <a:picLocks noChangeAspect="1" noChangeArrowheads="1"/>
-          </p:cNvPicPr>
-          <p:nvPr/>
-        </p:nvPicPr>
-        <p:blipFill>
-          <a:blip r:embed="rId2" cstate="print">
-            <a:extLst>
-              <a:ext uri="{28A0092B-C50C-407E-A947-70E740481C1C}">
-                <a14:useLocalDpi xmlns:a14="http://schemas.microsoft.com/office/drawing/2010/main" val="0"/>
-              </a:ext>
-            </a:extLst>
-          </a:blip>
-          <a:srcRect/>
-          <a:stretch>
-            <a:fillRect/>
-          </a:stretch>
-        </p:blipFill>
-        <p:spPr bwMode="auto">
-          <a:xfrm>
-            <a:off x="1043608" y="2780928"/>
-            <a:ext cx="1489558" cy="1729130"/>
-          </a:xfrm>
-          <a:prstGeom prst="rect">
-            <a:avLst/>
-          </a:prstGeom>
-          <a:noFill/>
-          <a:extLst>
-            <a:ext uri="{909E8E84-426E-40DD-AFC4-6F175D3DCCD1}">
-              <a14:hiddenFill xmlns:a14="http://schemas.microsoft.com/office/drawing/2010/main">
-                <a:solidFill>
-                  <a:srgbClr val="FFFFFF"/>
-                </a:solidFill>
-              </a14:hiddenFill>
-            </a:ext>
-          </a:extLst>
-        </p:spPr>
-      </p:pic>
-      <p:sp>
-        <p:nvSpPr>
-          <p:cNvPr id="4" name="雲形吹き出し 3"/>
-          <p:cNvSpPr/>
-          <p:nvPr/>
-        </p:nvSpPr>
-        <p:spPr>
-          <a:xfrm>
-            <a:off x="1187624" y="1124744"/>
-            <a:ext cx="7488832" cy="1656184"/>
-          </a:xfrm>
-          <a:prstGeom prst="cloudCallout">
-            <a:avLst>
-              <a:gd name="adj1" fmla="val -25844"/>
-              <a:gd name="adj2" fmla="val 65659"/>
-            </a:avLst>
-          </a:prstGeom>
-          <a:noFill/>
-          <a:ln>
-            <a:solidFill>
-              <a:schemeClr val="tx1"/>
-            </a:solidFill>
-          </a:ln>
-        </p:spPr>
-        <p:style>
-          <a:lnRef idx="2">
-            <a:schemeClr val="accent1">
-              <a:shade val="50000"/>
-            </a:schemeClr>
-          </a:lnRef>
-          <a:fillRef idx="1">
-            <a:schemeClr val="accent1"/>
-          </a:fillRef>
-          <a:effectRef idx="0">
-            <a:schemeClr val="accent1"/>
-          </a:effectRef>
-          <a:fontRef idx="minor">
-            <a:schemeClr val="lt1"/>
-          </a:fontRef>
-        </p:style>
-        <p:txBody>
-          <a:bodyPr rtlCol="0" anchor="ctr"/>
-          <a:lstStyle/>
-          <a:p>
-            <a:pPr algn="ctr"/>
-            <a:endParaRPr kumimoji="1" lang="ja-JP" altLang="en-US"/>
+              <a:rPr kumimoji="1" lang="en-US" altLang="ja-JP" dirty="0" smtClean="0">
+                <a:latin typeface="メイリオ" panose="020B0604030504040204" pitchFamily="50" charset="-128"/>
+                <a:ea typeface="メイリオ" panose="020B0604030504040204" pitchFamily="50" charset="-128"/>
+                <a:cs typeface="メイリオ" panose="020B0604030504040204" pitchFamily="50" charset="-128"/>
+              </a:rPr>
+              <a:t>HTML5</a:t>
+            </a:r>
+            <a:r>
+              <a:rPr kumimoji="1" lang="ja-JP" altLang="en-US" dirty="0" smtClean="0">
+                <a:latin typeface="メイリオ" panose="020B0604030504040204" pitchFamily="50" charset="-128"/>
+                <a:ea typeface="メイリオ" panose="020B0604030504040204" pitchFamily="50" charset="-128"/>
+                <a:cs typeface="メイリオ" panose="020B0604030504040204" pitchFamily="50" charset="-128"/>
+              </a:rPr>
+              <a:t>で、スマホっぽい</a:t>
+            </a:r>
+            <a:r>
+              <a:rPr kumimoji="1" lang="en-US" altLang="ja-JP" dirty="0" smtClean="0">
+                <a:latin typeface="メイリオ" panose="020B0604030504040204" pitchFamily="50" charset="-128"/>
+                <a:ea typeface="メイリオ" panose="020B0604030504040204" pitchFamily="50" charset="-128"/>
+                <a:cs typeface="メイリオ" panose="020B0604030504040204" pitchFamily="50" charset="-128"/>
+              </a:rPr>
+              <a:t>UI</a:t>
+            </a:r>
+            <a:r>
+              <a:rPr lang="ja-JP" altLang="en-US" dirty="0" smtClean="0">
+                <a:latin typeface="メイリオ" panose="020B0604030504040204" pitchFamily="50" charset="-128"/>
+                <a:ea typeface="メイリオ" panose="020B0604030504040204" pitchFamily="50" charset="-128"/>
+                <a:cs typeface="メイリオ" panose="020B0604030504040204" pitchFamily="50" charset="-128"/>
+              </a:rPr>
+              <a:t>など作りやすくするフレームワーク</a:t>
+            </a:r>
+            <a:endParaRPr kumimoji="1" lang="en-US" altLang="ja-JP" dirty="0" smtClean="0">
+              <a:latin typeface="メイリオ" panose="020B0604030504040204" pitchFamily="50" charset="-128"/>
+              <a:ea typeface="メイリオ" panose="020B0604030504040204" pitchFamily="50" charset="-128"/>
+              <a:cs typeface="メイリオ" panose="020B0604030504040204" pitchFamily="50" charset="-128"/>
+            </a:endParaRPr>
           </a:p>
         </p:txBody>
       </p:sp>
     </p:spTree>
     <p:extLst>
       <p:ext uri="{BB962C8B-B14F-4D97-AF65-F5344CB8AC3E}">
-        <p14:creationId xmlns:p14="http://schemas.microsoft.com/office/powerpoint/2010/main" val="3925623356"/>
+        <p14:creationId xmlns:p14="http://schemas.microsoft.com/office/powerpoint/2010/main" val="1150302315"/>
       </p:ext>
     </p:extLst>
   </p:cSld>
@@ -4764,261 +4745,190 @@
             <p:ph type="title"/>
           </p:nvPr>
         </p:nvSpPr>
+        <p:spPr/>
+        <p:txBody>
+          <a:bodyPr>
+            <a:normAutofit/>
+          </a:bodyPr>
+          <a:lstStyle/>
+          <a:p>
+            <a:r>
+              <a:rPr kumimoji="1" lang="ja-JP" altLang="en-US" dirty="0" smtClean="0">
+                <a:latin typeface="メイリオ" panose="020B0604030504040204" pitchFamily="50" charset="-128"/>
+                <a:ea typeface="メイリオ" panose="020B0604030504040204" pitchFamily="50" charset="-128"/>
+                <a:cs typeface="メイリオ" panose="020B0604030504040204" pitchFamily="50" charset="-128"/>
+              </a:rPr>
+              <a:t>感想</a:t>
+            </a:r>
+            <a:endParaRPr kumimoji="1" lang="ja-JP" altLang="en-US" dirty="0">
+              <a:latin typeface="メイリオ" panose="020B0604030504040204" pitchFamily="50" charset="-128"/>
+              <a:ea typeface="メイリオ" panose="020B0604030504040204" pitchFamily="50" charset="-128"/>
+              <a:cs typeface="メイリオ" panose="020B0604030504040204" pitchFamily="50" charset="-128"/>
+            </a:endParaRPr>
+          </a:p>
+        </p:txBody>
+      </p:sp>
+      <p:sp>
+        <p:nvSpPr>
+          <p:cNvPr id="3" name="コンテンツ プレースホルダー 2"/>
+          <p:cNvSpPr>
+            <a:spLocks noGrp="1"/>
+          </p:cNvSpPr>
+          <p:nvPr>
+            <p:ph idx="1"/>
+          </p:nvPr>
+        </p:nvSpPr>
         <p:spPr>
           <a:xfrm>
-            <a:off x="1043608" y="274638"/>
-            <a:ext cx="7890080" cy="1143000"/>
+            <a:off x="1259632" y="1124744"/>
+            <a:ext cx="7674056" cy="5328592"/>
           </a:xfrm>
         </p:spPr>
         <p:txBody>
           <a:bodyPr>
-            <a:normAutofit fontScale="90000"/>
+            <a:normAutofit/>
           </a:bodyPr>
-          <a:lstStyle/>
-          <a:p>
-            <a:r>
-              <a:rPr kumimoji="1" lang="ja-JP" altLang="en-US" dirty="0" smtClean="0"/>
-              <a:t>スケジュール機能を使ってみよう</a:t>
-            </a:r>
-            <a:endParaRPr kumimoji="1" lang="ja-JP" altLang="en-US" dirty="0"/>
-          </a:p>
-        </p:txBody>
-      </p:sp>
-      <p:sp>
-        <p:nvSpPr>
-          <p:cNvPr id="3" name="コンテンツ プレースホルダー 2"/>
-          <p:cNvSpPr>
-            <a:spLocks noGrp="1"/>
-          </p:cNvSpPr>
-          <p:nvPr>
-            <p:ph idx="1"/>
-          </p:nvPr>
-        </p:nvSpPr>
-        <p:spPr/>
-        <p:txBody>
-          <a:bodyPr/>
           <a:lstStyle/>
           <a:p>
             <a:pPr marL="82296" indent="0">
               <a:buNone/>
             </a:pPr>
             <a:r>
-              <a:rPr kumimoji="1" lang="ja-JP" altLang="en-US" dirty="0" smtClean="0"/>
-              <a:t>　共有フォルダとかのパスを毎日</a:t>
-            </a:r>
-            <a:endParaRPr kumimoji="1" lang="en-US" altLang="ja-JP" dirty="0" smtClean="0"/>
+              <a:rPr kumimoji="1" lang="ja-JP" altLang="en-US" dirty="0" smtClean="0">
+                <a:latin typeface="メイリオ" panose="020B0604030504040204" pitchFamily="50" charset="-128"/>
+                <a:ea typeface="メイリオ" panose="020B0604030504040204" pitchFamily="50" charset="-128"/>
+                <a:cs typeface="メイリオ" panose="020B0604030504040204" pitchFamily="50" charset="-128"/>
+              </a:rPr>
+              <a:t>・無料で気軽に使えて、実機確認できる</a:t>
+            </a:r>
+            <a:endParaRPr kumimoji="1" lang="en-US" altLang="ja-JP" dirty="0" smtClean="0">
+              <a:latin typeface="メイリオ" panose="020B0604030504040204" pitchFamily="50" charset="-128"/>
+              <a:ea typeface="メイリオ" panose="020B0604030504040204" pitchFamily="50" charset="-128"/>
+              <a:cs typeface="メイリオ" panose="020B0604030504040204" pitchFamily="50" charset="-128"/>
+            </a:endParaRPr>
           </a:p>
           <a:p>
             <a:pPr marL="82296" indent="0">
               <a:buNone/>
             </a:pPr>
             <a:r>
-              <a:rPr lang="ja-JP" altLang="en-US" dirty="0"/>
-              <a:t>　</a:t>
-            </a:r>
-            <a:r>
-              <a:rPr lang="ja-JP" altLang="en-US" dirty="0" smtClean="0"/>
-              <a:t>　</a:t>
-            </a:r>
-            <a:r>
-              <a:rPr lang="ja-JP" altLang="en-US" dirty="0" err="1" smtClean="0"/>
-              <a:t>入れるのめん</a:t>
-            </a:r>
-            <a:r>
-              <a:rPr lang="ja-JP" altLang="en-US" dirty="0" smtClean="0"/>
-              <a:t>どい・・・</a:t>
-            </a:r>
-            <a:endParaRPr lang="en-US" altLang="ja-JP" dirty="0"/>
+              <a:rPr kumimoji="1" lang="ja-JP" altLang="en-US" dirty="0" smtClean="0">
+                <a:latin typeface="メイリオ" panose="020B0604030504040204" pitchFamily="50" charset="-128"/>
+                <a:ea typeface="メイリオ" panose="020B0604030504040204" pitchFamily="50" charset="-128"/>
+                <a:cs typeface="メイリオ" panose="020B0604030504040204" pitchFamily="50" charset="-128"/>
+              </a:rPr>
+              <a:t>　のはすごい</a:t>
+            </a:r>
+            <a:endParaRPr kumimoji="1" lang="en-US" altLang="ja-JP" dirty="0" smtClean="0">
+              <a:latin typeface="メイリオ" panose="020B0604030504040204" pitchFamily="50" charset="-128"/>
+              <a:ea typeface="メイリオ" panose="020B0604030504040204" pitchFamily="50" charset="-128"/>
+              <a:cs typeface="メイリオ" panose="020B0604030504040204" pitchFamily="50" charset="-128"/>
+            </a:endParaRPr>
           </a:p>
           <a:p>
             <a:pPr marL="82296" indent="0">
               <a:buNone/>
             </a:pPr>
-            <a:endParaRPr lang="en-US" altLang="ja-JP" dirty="0"/>
+            <a:endParaRPr kumimoji="1" lang="en-US" altLang="ja-JP" dirty="0" smtClean="0">
+              <a:latin typeface="メイリオ" panose="020B0604030504040204" pitchFamily="50" charset="-128"/>
+              <a:ea typeface="メイリオ" panose="020B0604030504040204" pitchFamily="50" charset="-128"/>
+              <a:cs typeface="メイリオ" panose="020B0604030504040204" pitchFamily="50" charset="-128"/>
+            </a:endParaRPr>
           </a:p>
           <a:p>
             <a:pPr marL="82296" indent="0">
               <a:buNone/>
             </a:pPr>
-            <a:endParaRPr lang="en-US" altLang="ja-JP" dirty="0"/>
+            <a:r>
+              <a:rPr lang="ja-JP" altLang="en-US" dirty="0" smtClean="0">
+                <a:latin typeface="メイリオ" panose="020B0604030504040204" pitchFamily="50" charset="-128"/>
+                <a:ea typeface="メイリオ" panose="020B0604030504040204" pitchFamily="50" charset="-128"/>
+                <a:cs typeface="メイリオ" panose="020B0604030504040204" pitchFamily="50" charset="-128"/>
+              </a:rPr>
+              <a:t>・チュートリアル、サンプルが充実して</a:t>
+            </a:r>
+            <a:endParaRPr lang="en-US" altLang="ja-JP" dirty="0" smtClean="0">
+              <a:latin typeface="メイリオ" panose="020B0604030504040204" pitchFamily="50" charset="-128"/>
+              <a:ea typeface="メイリオ" panose="020B0604030504040204" pitchFamily="50" charset="-128"/>
+              <a:cs typeface="メイリオ" panose="020B0604030504040204" pitchFamily="50" charset="-128"/>
+            </a:endParaRPr>
           </a:p>
           <a:p>
             <a:pPr marL="82296" indent="0">
               <a:buNone/>
             </a:pPr>
-            <a:endParaRPr lang="en-US" altLang="ja-JP" dirty="0"/>
+            <a:r>
+              <a:rPr lang="ja-JP" altLang="en-US" dirty="0">
+                <a:latin typeface="メイリオ" panose="020B0604030504040204" pitchFamily="50" charset="-128"/>
+                <a:ea typeface="メイリオ" panose="020B0604030504040204" pitchFamily="50" charset="-128"/>
+                <a:cs typeface="メイリオ" panose="020B0604030504040204" pitchFamily="50" charset="-128"/>
+              </a:rPr>
+              <a:t>　</a:t>
+            </a:r>
+            <a:r>
+              <a:rPr lang="ja-JP" altLang="en-US" dirty="0" smtClean="0">
+                <a:latin typeface="メイリオ" panose="020B0604030504040204" pitchFamily="50" charset="-128"/>
+                <a:ea typeface="メイリオ" panose="020B0604030504040204" pitchFamily="50" charset="-128"/>
+                <a:cs typeface="メイリオ" panose="020B0604030504040204" pitchFamily="50" charset="-128"/>
+              </a:rPr>
+              <a:t>いる（日本語だし）</a:t>
+            </a:r>
+            <a:endParaRPr lang="en-US" altLang="ja-JP" dirty="0" smtClean="0">
+              <a:latin typeface="メイリオ" panose="020B0604030504040204" pitchFamily="50" charset="-128"/>
+              <a:ea typeface="メイリオ" panose="020B0604030504040204" pitchFamily="50" charset="-128"/>
+              <a:cs typeface="メイリオ" panose="020B0604030504040204" pitchFamily="50" charset="-128"/>
+            </a:endParaRPr>
           </a:p>
           <a:p>
             <a:pPr marL="82296" indent="0">
               <a:buNone/>
             </a:pPr>
-            <a:r>
-              <a:rPr lang="ja-JP" altLang="en-US" dirty="0"/>
-              <a:t>　　　　パス入力画面が出たら</a:t>
-            </a:r>
-            <a:endParaRPr lang="en-US" altLang="ja-JP" dirty="0"/>
+            <a:endParaRPr kumimoji="1" lang="en-US" altLang="ja-JP" dirty="0">
+              <a:latin typeface="メイリオ" panose="020B0604030504040204" pitchFamily="50" charset="-128"/>
+              <a:ea typeface="メイリオ" panose="020B0604030504040204" pitchFamily="50" charset="-128"/>
+              <a:cs typeface="メイリオ" panose="020B0604030504040204" pitchFamily="50" charset="-128"/>
+            </a:endParaRPr>
           </a:p>
           <a:p>
             <a:pPr marL="82296" indent="0">
               <a:buNone/>
             </a:pPr>
             <a:r>
-              <a:rPr lang="ja-JP" altLang="en-US" dirty="0"/>
-              <a:t>　　　　勝手に文字を入れてくれる</a:t>
-            </a:r>
-            <a:endParaRPr lang="en-US" altLang="ja-JP" dirty="0"/>
-          </a:p>
-          <a:p>
-            <a:pPr marL="82296" indent="0">
-              <a:buNone/>
-            </a:pPr>
-            <a:r>
-              <a:rPr lang="ja-JP" altLang="en-US" dirty="0"/>
-              <a:t>　　　　ようにしよう</a:t>
-            </a:r>
-          </a:p>
-          <a:p>
-            <a:pPr marL="82296" indent="0">
-              <a:buNone/>
-            </a:pPr>
-            <a:endParaRPr kumimoji="1" lang="ja-JP" altLang="en-US" dirty="0"/>
-          </a:p>
-        </p:txBody>
-      </p:sp>
-      <p:pic>
-        <p:nvPicPr>
-          <p:cNvPr id="1026" name="Picture 2" descr="C:\Users\Owner\AppData\Local\Microsoft\Windows\Temporary Internet Files\Content.IE5\1HM80ABI\MC900223408[1].wmf"/>
-          <p:cNvPicPr>
-            <a:picLocks noChangeAspect="1" noChangeArrowheads="1"/>
-          </p:cNvPicPr>
-          <p:nvPr/>
-        </p:nvPicPr>
-        <p:blipFill>
-          <a:blip r:embed="rId2" cstate="print">
-            <a:extLst>
-              <a:ext uri="{28A0092B-C50C-407E-A947-70E740481C1C}">
-                <a14:useLocalDpi xmlns:a14="http://schemas.microsoft.com/office/drawing/2010/main" val="0"/>
-              </a:ext>
-            </a:extLst>
-          </a:blip>
-          <a:srcRect/>
-          <a:stretch>
-            <a:fillRect/>
-          </a:stretch>
-        </p:blipFill>
-        <p:spPr bwMode="auto">
-          <a:xfrm>
-            <a:off x="1043608" y="2780928"/>
-            <a:ext cx="1489558" cy="1729130"/>
-          </a:xfrm>
-          <a:prstGeom prst="rect">
-            <a:avLst/>
-          </a:prstGeom>
-          <a:noFill/>
-          <a:extLst>
-            <a:ext uri="{909E8E84-426E-40DD-AFC4-6F175D3DCCD1}">
-              <a14:hiddenFill xmlns:a14="http://schemas.microsoft.com/office/drawing/2010/main">
-                <a:solidFill>
-                  <a:srgbClr val="FFFFFF"/>
-                </a:solidFill>
-              </a14:hiddenFill>
-            </a:ext>
-          </a:extLst>
-        </p:spPr>
-      </p:pic>
-      <p:sp>
-        <p:nvSpPr>
-          <p:cNvPr id="4" name="雲形吹き出し 3"/>
-          <p:cNvSpPr/>
-          <p:nvPr/>
-        </p:nvSpPr>
-        <p:spPr>
-          <a:xfrm>
-            <a:off x="1187624" y="1124744"/>
-            <a:ext cx="7488832" cy="1656184"/>
-          </a:xfrm>
-          <a:prstGeom prst="cloudCallout">
-            <a:avLst>
-              <a:gd name="adj1" fmla="val -25844"/>
-              <a:gd name="adj2" fmla="val 65659"/>
-            </a:avLst>
-          </a:prstGeom>
-          <a:noFill/>
-          <a:ln>
-            <a:solidFill>
-              <a:schemeClr val="tx1"/>
-            </a:solidFill>
-          </a:ln>
-        </p:spPr>
-        <p:style>
-          <a:lnRef idx="2">
-            <a:schemeClr val="accent1">
-              <a:shade val="50000"/>
-            </a:schemeClr>
-          </a:lnRef>
-          <a:fillRef idx="1">
-            <a:schemeClr val="accent1"/>
-          </a:fillRef>
-          <a:effectRef idx="0">
-            <a:schemeClr val="accent1"/>
-          </a:effectRef>
-          <a:fontRef idx="minor">
-            <a:schemeClr val="lt1"/>
-          </a:fontRef>
-        </p:style>
-        <p:txBody>
-          <a:bodyPr rtlCol="0" anchor="ctr"/>
-          <a:lstStyle/>
-          <a:p>
-            <a:pPr algn="ctr"/>
-            <a:endParaRPr kumimoji="1" lang="ja-JP" altLang="en-US"/>
-          </a:p>
-        </p:txBody>
-      </p:sp>
-      <p:sp>
-        <p:nvSpPr>
-          <p:cNvPr id="6" name="下矢印 5"/>
-          <p:cNvSpPr/>
-          <p:nvPr/>
-        </p:nvSpPr>
-        <p:spPr>
-          <a:xfrm>
-            <a:off x="4211960" y="3325997"/>
-            <a:ext cx="936104" cy="720080"/>
-          </a:xfrm>
-          <a:prstGeom prst="downArrow">
-            <a:avLst/>
-          </a:prstGeom>
-        </p:spPr>
-        <p:style>
-          <a:lnRef idx="2">
-            <a:schemeClr val="accent1">
-              <a:shade val="50000"/>
-            </a:schemeClr>
-          </a:lnRef>
-          <a:fillRef idx="1">
-            <a:schemeClr val="accent1"/>
-          </a:fillRef>
-          <a:effectRef idx="0">
-            <a:schemeClr val="accent1"/>
-          </a:effectRef>
-          <a:fontRef idx="minor">
-            <a:schemeClr val="lt1"/>
-          </a:fontRef>
-        </p:style>
-        <p:txBody>
-          <a:bodyPr rtlCol="0" anchor="ctr"/>
-          <a:lstStyle/>
-          <a:p>
-            <a:pPr algn="ctr"/>
-            <a:endParaRPr kumimoji="1" lang="ja-JP" altLang="en-US"/>
+              <a:rPr lang="ja-JP" altLang="en-US" dirty="0" smtClean="0">
+                <a:latin typeface="メイリオ" panose="020B0604030504040204" pitchFamily="50" charset="-128"/>
+                <a:ea typeface="メイリオ" panose="020B0604030504040204" pitchFamily="50" charset="-128"/>
+                <a:cs typeface="メイリオ" panose="020B0604030504040204" pitchFamily="50" charset="-128"/>
+              </a:rPr>
+              <a:t>・</a:t>
+            </a:r>
+            <a:r>
+              <a:rPr lang="en-US" altLang="ja-JP" dirty="0" smtClean="0">
+                <a:latin typeface="メイリオ" panose="020B0604030504040204" pitchFamily="50" charset="-128"/>
+                <a:ea typeface="メイリオ" panose="020B0604030504040204" pitchFamily="50" charset="-128"/>
+                <a:cs typeface="メイリオ" panose="020B0604030504040204" pitchFamily="50" charset="-128"/>
+              </a:rPr>
+              <a:t>Web</a:t>
+            </a:r>
+            <a:r>
+              <a:rPr lang="ja-JP" altLang="en-US" dirty="0" smtClean="0">
+                <a:latin typeface="メイリオ" panose="020B0604030504040204" pitchFamily="50" charset="-128"/>
+                <a:ea typeface="メイリオ" panose="020B0604030504040204" pitchFamily="50" charset="-128"/>
+                <a:cs typeface="メイリオ" panose="020B0604030504040204" pitchFamily="50" charset="-128"/>
+              </a:rPr>
+              <a:t>系の知識があると色々できそう</a:t>
+            </a:r>
+            <a:endParaRPr kumimoji="1" lang="en-US" altLang="ja-JP" dirty="0" smtClean="0">
+              <a:latin typeface="メイリオ" panose="020B0604030504040204" pitchFamily="50" charset="-128"/>
+              <a:ea typeface="メイリオ" panose="020B0604030504040204" pitchFamily="50" charset="-128"/>
+              <a:cs typeface="メイリオ" panose="020B0604030504040204" pitchFamily="50" charset="-128"/>
+            </a:endParaRPr>
           </a:p>
         </p:txBody>
       </p:sp>
     </p:spTree>
     <p:extLst>
       <p:ext uri="{BB962C8B-B14F-4D97-AF65-F5344CB8AC3E}">
-        <p14:creationId xmlns:p14="http://schemas.microsoft.com/office/powerpoint/2010/main" val="4008001964"/>
+        <p14:creationId xmlns:p14="http://schemas.microsoft.com/office/powerpoint/2010/main" val="2876769025"/>
       </p:ext>
     </p:extLst>
   </p:cSld>
@@ -5054,12 +4964,12 @@
       </p:grpSpPr>
       <p:sp>
         <p:nvSpPr>
-          <p:cNvPr id="3" name="コンテンツ プレースホルダー 2"/>
-          <p:cNvSpPr>
-            <a:spLocks noGrp="1"/>
-          </p:cNvSpPr>
-          <p:nvPr>
-            <p:ph idx="1"/>
+          <p:cNvPr id="2" name="タイトル 1"/>
+          <p:cNvSpPr>
+            <a:spLocks noGrp="1"/>
+          </p:cNvSpPr>
+          <p:nvPr>
+            <p:ph type="title"/>
           </p:nvPr>
         </p:nvSpPr>
         <p:spPr/>
@@ -5069,122 +4979,275 @@
           </a:bodyPr>
           <a:lstStyle/>
           <a:p>
+            <a:r>
+              <a:rPr lang="ja-JP" altLang="en-US" dirty="0">
+                <a:latin typeface="メイリオ" panose="020B0604030504040204" pitchFamily="50" charset="-128"/>
+                <a:ea typeface="メイリオ" panose="020B0604030504040204" pitchFamily="50" charset="-128"/>
+                <a:cs typeface="メイリオ" panose="020B0604030504040204" pitchFamily="50" charset="-128"/>
+              </a:rPr>
+              <a:t>反省</a:t>
+            </a:r>
+            <a:endParaRPr kumimoji="1" lang="ja-JP" altLang="en-US" dirty="0">
+              <a:latin typeface="メイリオ" panose="020B0604030504040204" pitchFamily="50" charset="-128"/>
+              <a:ea typeface="メイリオ" panose="020B0604030504040204" pitchFamily="50" charset="-128"/>
+              <a:cs typeface="メイリオ" panose="020B0604030504040204" pitchFamily="50" charset="-128"/>
+            </a:endParaRPr>
+          </a:p>
+        </p:txBody>
+      </p:sp>
+      <p:sp>
+        <p:nvSpPr>
+          <p:cNvPr id="3" name="コンテンツ プレースホルダー 2"/>
+          <p:cNvSpPr>
+            <a:spLocks noGrp="1"/>
+          </p:cNvSpPr>
+          <p:nvPr>
+            <p:ph idx="1"/>
+          </p:nvPr>
+        </p:nvSpPr>
+        <p:spPr>
+          <a:xfrm>
+            <a:off x="1259632" y="1124744"/>
+            <a:ext cx="7674056" cy="5328592"/>
+          </a:xfrm>
+        </p:spPr>
+        <p:txBody>
+          <a:bodyPr>
+            <a:normAutofit/>
+          </a:bodyPr>
+          <a:lstStyle/>
+          <a:p>
             <a:pPr marL="82296" indent="0">
               <a:buNone/>
             </a:pPr>
             <a:r>
-              <a:rPr lang="en-US" altLang="ja-JP" dirty="0"/>
-              <a:t>UWSC</a:t>
-            </a:r>
-            <a:r>
-              <a:rPr lang="ja-JP" altLang="en-US" dirty="0"/>
-              <a:t>　</a:t>
-            </a:r>
-            <a:r>
-              <a:rPr lang="en-US" altLang="ja-JP" dirty="0"/>
-              <a:t>/A</a:t>
-            </a:r>
-            <a:r>
-              <a:rPr lang="ja-JP" altLang="en-US" dirty="0"/>
-              <a:t>　</a:t>
-            </a:r>
-            <a:r>
-              <a:rPr lang="en-US" altLang="ja-JP" dirty="0" err="1"/>
-              <a:t>ORIGINAL.uws</a:t>
-            </a:r>
-            <a:r>
-              <a:rPr lang="ja-JP" altLang="en-US" dirty="0"/>
-              <a:t>　</a:t>
-            </a:r>
-            <a:r>
-              <a:rPr lang="en-US" altLang="ja-JP" dirty="0" err="1" smtClean="0"/>
-              <a:t>SCRAMBLED.uws</a:t>
-            </a:r>
-            <a:endParaRPr lang="en-US" altLang="ja-JP" dirty="0" smtClean="0"/>
+              <a:rPr kumimoji="1" lang="ja-JP" altLang="en-US" dirty="0" smtClean="0">
+                <a:latin typeface="メイリオ" panose="020B0604030504040204" pitchFamily="50" charset="-128"/>
+                <a:ea typeface="メイリオ" panose="020B0604030504040204" pitchFamily="50" charset="-128"/>
+                <a:cs typeface="メイリオ" panose="020B0604030504040204" pitchFamily="50" charset="-128"/>
+              </a:rPr>
+              <a:t>・</a:t>
+            </a:r>
+            <a:r>
+              <a:rPr lang="ja-JP" altLang="en-US" dirty="0" err="1" smtClean="0">
+                <a:latin typeface="メイリオ" panose="020B0604030504040204" pitchFamily="50" charset="-128"/>
+                <a:ea typeface="メイリオ" panose="020B0604030504040204" pitchFamily="50" charset="-128"/>
+                <a:cs typeface="メイリオ" panose="020B0604030504040204" pitchFamily="50" charset="-128"/>
+              </a:rPr>
+              <a:t>大した</a:t>
+            </a:r>
+            <a:r>
+              <a:rPr lang="ja-JP" altLang="en-US" dirty="0" smtClean="0">
+                <a:latin typeface="メイリオ" panose="020B0604030504040204" pitchFamily="50" charset="-128"/>
+                <a:ea typeface="メイリオ" panose="020B0604030504040204" pitchFamily="50" charset="-128"/>
+                <a:cs typeface="メイリオ" panose="020B0604030504040204" pitchFamily="50" charset="-128"/>
+              </a:rPr>
+              <a:t>ことが</a:t>
+            </a:r>
+            <a:r>
+              <a:rPr kumimoji="1" lang="ja-JP" altLang="en-US" dirty="0" smtClean="0">
+                <a:latin typeface="メイリオ" panose="020B0604030504040204" pitchFamily="50" charset="-128"/>
+                <a:ea typeface="メイリオ" panose="020B0604030504040204" pitchFamily="50" charset="-128"/>
+                <a:cs typeface="メイリオ" panose="020B0604030504040204" pitchFamily="50" charset="-128"/>
+              </a:rPr>
+              <a:t>できなかった・・・</a:t>
+            </a:r>
+            <a:endParaRPr kumimoji="1" lang="en-US" altLang="ja-JP" dirty="0" smtClean="0">
+              <a:latin typeface="メイリオ" panose="020B0604030504040204" pitchFamily="50" charset="-128"/>
+              <a:ea typeface="メイリオ" panose="020B0604030504040204" pitchFamily="50" charset="-128"/>
+              <a:cs typeface="メイリオ" panose="020B0604030504040204" pitchFamily="50" charset="-128"/>
+            </a:endParaRPr>
           </a:p>
           <a:p>
             <a:pPr marL="82296" indent="0">
               <a:buNone/>
             </a:pPr>
-            <a:endParaRPr kumimoji="1" lang="en-US" altLang="ja-JP" dirty="0"/>
+            <a:endParaRPr lang="en-US" altLang="ja-JP" dirty="0">
+              <a:latin typeface="メイリオ" panose="020B0604030504040204" pitchFamily="50" charset="-128"/>
+              <a:ea typeface="メイリオ" panose="020B0604030504040204" pitchFamily="50" charset="-128"/>
+              <a:cs typeface="メイリオ" panose="020B0604030504040204" pitchFamily="50" charset="-128"/>
+            </a:endParaRPr>
           </a:p>
           <a:p>
             <a:pPr marL="82296" indent="0">
               <a:buNone/>
             </a:pPr>
-            <a:endParaRPr lang="en-US" altLang="ja-JP" dirty="0" smtClean="0"/>
+            <a:r>
+              <a:rPr lang="ja-JP" altLang="en-US" dirty="0" smtClean="0">
+                <a:latin typeface="メイリオ" panose="020B0604030504040204" pitchFamily="50" charset="-128"/>
+                <a:ea typeface="メイリオ" panose="020B0604030504040204" pitchFamily="50" charset="-128"/>
+                <a:cs typeface="メイリオ" panose="020B0604030504040204" pitchFamily="50" charset="-128"/>
+              </a:rPr>
+              <a:t>　　　　　</a:t>
+            </a:r>
+            <a:r>
+              <a:rPr lang="en-US" altLang="ja-JP" dirty="0" smtClean="0">
+                <a:latin typeface="メイリオ" panose="020B0604030504040204" pitchFamily="50" charset="-128"/>
+                <a:ea typeface="メイリオ" panose="020B0604030504040204" pitchFamily="50" charset="-128"/>
+                <a:cs typeface="メイリオ" panose="020B0604030504040204" pitchFamily="50" charset="-128"/>
+              </a:rPr>
+              <a:t>JS</a:t>
+            </a:r>
+            <a:r>
+              <a:rPr lang="ja-JP" altLang="en-US" dirty="0" smtClean="0">
+                <a:latin typeface="メイリオ" panose="020B0604030504040204" pitchFamily="50" charset="-128"/>
+                <a:ea typeface="メイリオ" panose="020B0604030504040204" pitchFamily="50" charset="-128"/>
+                <a:cs typeface="メイリオ" panose="020B0604030504040204" pitchFamily="50" charset="-128"/>
+              </a:rPr>
+              <a:t>弱者</a:t>
+            </a:r>
+            <a:endParaRPr kumimoji="1" lang="en-US" altLang="ja-JP" dirty="0" smtClean="0">
+              <a:latin typeface="メイリオ" panose="020B0604030504040204" pitchFamily="50" charset="-128"/>
+              <a:ea typeface="メイリオ" panose="020B0604030504040204" pitchFamily="50" charset="-128"/>
+              <a:cs typeface="メイリオ" panose="020B0604030504040204" pitchFamily="50" charset="-128"/>
+            </a:endParaRPr>
           </a:p>
           <a:p>
             <a:pPr marL="82296" indent="0">
               <a:buNone/>
             </a:pPr>
-            <a:endParaRPr lang="en-US" altLang="ja-JP" dirty="0"/>
+            <a:endParaRPr lang="en-US" altLang="ja-JP" dirty="0" smtClean="0">
+              <a:latin typeface="メイリオ" panose="020B0604030504040204" pitchFamily="50" charset="-128"/>
+              <a:ea typeface="メイリオ" panose="020B0604030504040204" pitchFamily="50" charset="-128"/>
+              <a:cs typeface="メイリオ" panose="020B0604030504040204" pitchFamily="50" charset="-128"/>
+            </a:endParaRPr>
           </a:p>
           <a:p>
             <a:pPr marL="82296" indent="0">
               <a:buNone/>
             </a:pPr>
-            <a:endParaRPr lang="en-US" altLang="ja-JP" dirty="0" smtClean="0"/>
+            <a:endParaRPr lang="en-US" altLang="ja-JP" dirty="0">
+              <a:latin typeface="メイリオ" panose="020B0604030504040204" pitchFamily="50" charset="-128"/>
+              <a:ea typeface="メイリオ" panose="020B0604030504040204" pitchFamily="50" charset="-128"/>
+              <a:cs typeface="メイリオ" panose="020B0604030504040204" pitchFamily="50" charset="-128"/>
+            </a:endParaRPr>
           </a:p>
           <a:p>
             <a:pPr marL="82296" indent="0">
               <a:buNone/>
             </a:pPr>
             <a:r>
-              <a:rPr lang="en-US" altLang="ja-JP" sz="1200" dirty="0" smtClean="0"/>
-              <a:t>CUI</a:t>
-            </a:r>
-            <a:r>
-              <a:rPr lang="ja-JP" altLang="en-US" sz="1200" dirty="0" smtClean="0"/>
-              <a:t>で動かせるのって大事ですよね。</a:t>
-            </a:r>
-            <a:endParaRPr lang="en-US" altLang="ja-JP" sz="1200" dirty="0" smtClean="0"/>
-          </a:p>
-          <a:p>
-            <a:pPr marL="82296" indent="0">
-              <a:buNone/>
-            </a:pPr>
-            <a:r>
-              <a:rPr kumimoji="1" lang="ja-JP" altLang="en-US" sz="800" dirty="0"/>
-              <a:t>というかそれ</a:t>
-            </a:r>
-            <a:r>
-              <a:rPr kumimoji="1" lang="ja-JP" altLang="en-US" sz="800" dirty="0" smtClean="0"/>
-              <a:t>が普通・・・？</a:t>
-            </a:r>
-            <a:endParaRPr kumimoji="1" lang="en-US" altLang="ja-JP" sz="800" dirty="0" smtClean="0"/>
-          </a:p>
-        </p:txBody>
-      </p:sp>
-      <p:sp>
-        <p:nvSpPr>
-          <p:cNvPr id="4" name="タイトル 3"/>
-          <p:cNvSpPr>
-            <a:spLocks noGrp="1"/>
-          </p:cNvSpPr>
-          <p:nvPr>
-            <p:ph type="title"/>
-          </p:nvPr>
-        </p:nvSpPr>
-        <p:spPr/>
-        <p:txBody>
-          <a:bodyPr>
-            <a:normAutofit fontScale="90000"/>
-          </a:bodyPr>
-          <a:lstStyle/>
-          <a:p>
-            <a:r>
-              <a:rPr kumimoji="1" lang="ja-JP" altLang="en-US" dirty="0" smtClean="0"/>
-              <a:t>可読できないようにもできます</a:t>
-            </a:r>
-            <a:endParaRPr kumimoji="1" lang="ja-JP" altLang="en-US" dirty="0"/>
-          </a:p>
-        </p:txBody>
-      </p:sp>
+              <a:rPr kumimoji="1" lang="ja-JP" altLang="en-US" dirty="0" smtClean="0">
+                <a:latin typeface="メイリオ" panose="020B0604030504040204" pitchFamily="50" charset="-128"/>
+                <a:ea typeface="メイリオ" panose="020B0604030504040204" pitchFamily="50" charset="-128"/>
+                <a:cs typeface="メイリオ" panose="020B0604030504040204" pitchFamily="50" charset="-128"/>
+              </a:rPr>
+              <a:t>・</a:t>
+            </a:r>
+            <a:r>
+              <a:rPr kumimoji="1" lang="en-US" altLang="ja-JP" dirty="0" smtClean="0">
+                <a:latin typeface="メイリオ" panose="020B0604030504040204" pitchFamily="50" charset="-128"/>
+                <a:ea typeface="メイリオ" panose="020B0604030504040204" pitchFamily="50" charset="-128"/>
+                <a:cs typeface="メイリオ" panose="020B0604030504040204" pitchFamily="50" charset="-128"/>
+              </a:rPr>
+              <a:t>Monaca</a:t>
+            </a:r>
+            <a:r>
+              <a:rPr kumimoji="1" lang="ja-JP" altLang="en-US" dirty="0" smtClean="0">
+                <a:latin typeface="メイリオ" panose="020B0604030504040204" pitchFamily="50" charset="-128"/>
+                <a:ea typeface="メイリオ" panose="020B0604030504040204" pitchFamily="50" charset="-128"/>
+                <a:cs typeface="メイリオ" panose="020B0604030504040204" pitchFamily="50" charset="-128"/>
+              </a:rPr>
+              <a:t>で</a:t>
+            </a:r>
+            <a:r>
+              <a:rPr kumimoji="1" lang="en-US" altLang="ja-JP" dirty="0" smtClean="0">
+                <a:latin typeface="メイリオ" panose="020B0604030504040204" pitchFamily="50" charset="-128"/>
+                <a:ea typeface="メイリオ" panose="020B0604030504040204" pitchFamily="50" charset="-128"/>
+                <a:cs typeface="メイリオ" panose="020B0604030504040204" pitchFamily="50" charset="-128"/>
+              </a:rPr>
+              <a:t>JS</a:t>
+            </a:r>
+            <a:r>
+              <a:rPr kumimoji="1" lang="ja-JP" altLang="en-US" dirty="0" smtClean="0">
+                <a:latin typeface="メイリオ" panose="020B0604030504040204" pitchFamily="50" charset="-128"/>
+                <a:ea typeface="メイリオ" panose="020B0604030504040204" pitchFamily="50" charset="-128"/>
+                <a:cs typeface="メイリオ" panose="020B0604030504040204" pitchFamily="50" charset="-128"/>
+              </a:rPr>
+              <a:t>と</a:t>
+            </a:r>
+            <a:r>
+              <a:rPr lang="ja-JP" altLang="en-US" dirty="0">
+                <a:latin typeface="メイリオ" panose="020B0604030504040204" pitchFamily="50" charset="-128"/>
+                <a:ea typeface="メイリオ" panose="020B0604030504040204" pitchFamily="50" charset="-128"/>
+                <a:cs typeface="メイリオ" panose="020B0604030504040204" pitchFamily="50" charset="-128"/>
+              </a:rPr>
+              <a:t>か</a:t>
+            </a:r>
+            <a:r>
+              <a:rPr lang="ja-JP" altLang="en-US" dirty="0" smtClean="0">
+                <a:latin typeface="メイリオ" panose="020B0604030504040204" pitchFamily="50" charset="-128"/>
+                <a:ea typeface="メイリオ" panose="020B0604030504040204" pitchFamily="50" charset="-128"/>
+                <a:cs typeface="メイリオ" panose="020B0604030504040204" pitchFamily="50" charset="-128"/>
+              </a:rPr>
+              <a:t>の</a:t>
+            </a:r>
+            <a:r>
+              <a:rPr lang="en-US" altLang="ja-JP" dirty="0" smtClean="0">
+                <a:latin typeface="メイリオ" panose="020B0604030504040204" pitchFamily="50" charset="-128"/>
+                <a:ea typeface="メイリオ" panose="020B0604030504040204" pitchFamily="50" charset="-128"/>
+                <a:cs typeface="メイリオ" panose="020B0604030504040204" pitchFamily="50" charset="-128"/>
+              </a:rPr>
+              <a:t>Web</a:t>
+            </a:r>
+            <a:r>
+              <a:rPr lang="ja-JP" altLang="en-US" dirty="0" smtClean="0">
+                <a:latin typeface="メイリオ" panose="020B0604030504040204" pitchFamily="50" charset="-128"/>
+                <a:ea typeface="メイリオ" panose="020B0604030504040204" pitchFamily="50" charset="-128"/>
+                <a:cs typeface="メイリオ" panose="020B0604030504040204" pitchFamily="50" charset="-128"/>
+              </a:rPr>
+              <a:t>系技術</a:t>
+            </a:r>
+            <a:r>
+              <a:rPr kumimoji="1" lang="ja-JP" altLang="en-US" dirty="0" smtClean="0">
+                <a:latin typeface="メイリオ" panose="020B0604030504040204" pitchFamily="50" charset="-128"/>
+                <a:ea typeface="メイリオ" panose="020B0604030504040204" pitchFamily="50" charset="-128"/>
+                <a:cs typeface="メイリオ" panose="020B0604030504040204" pitchFamily="50" charset="-128"/>
+              </a:rPr>
+              <a:t>を学ぶこともできるかも。</a:t>
+            </a:r>
+            <a:endParaRPr kumimoji="1" lang="en-US" altLang="ja-JP" dirty="0" smtClean="0">
+              <a:latin typeface="メイリオ" panose="020B0604030504040204" pitchFamily="50" charset="-128"/>
+              <a:ea typeface="メイリオ" panose="020B0604030504040204" pitchFamily="50" charset="-128"/>
+              <a:cs typeface="メイリオ" panose="020B0604030504040204" pitchFamily="50" charset="-128"/>
+            </a:endParaRPr>
+          </a:p>
+        </p:txBody>
+      </p:sp>
+      <p:pic>
+        <p:nvPicPr>
+          <p:cNvPr id="4" name="図 3"/>
+          <p:cNvPicPr>
+            <a:picLocks noChangeAspect="1"/>
+          </p:cNvPicPr>
+          <p:nvPr/>
+        </p:nvPicPr>
+        <p:blipFill>
+          <a:blip r:embed="rId2">
+            <a:extLst>
+              <a:ext uri="{28A0092B-C50C-407E-A947-70E740481C1C}">
+                <a14:useLocalDpi xmlns:a14="http://schemas.microsoft.com/office/drawing/2010/main" val="0"/>
+              </a:ext>
+            </a:extLst>
+          </a:blip>
+          <a:stretch>
+            <a:fillRect/>
+          </a:stretch>
+        </p:blipFill>
+        <p:spPr>
+          <a:xfrm>
+            <a:off x="827584" y="908720"/>
+            <a:ext cx="3029322" cy="3029322"/>
+          </a:xfrm>
+          <a:prstGeom prst="rect">
+            <a:avLst/>
+          </a:prstGeom>
+        </p:spPr>
+      </p:pic>
     </p:spTree>
     <p:extLst>
       <p:ext uri="{BB962C8B-B14F-4D97-AF65-F5344CB8AC3E}">
-        <p14:creationId xmlns:p14="http://schemas.microsoft.com/office/powerpoint/2010/main" val="3783224327"/>
+        <p14:creationId xmlns:p14="http://schemas.microsoft.com/office/powerpoint/2010/main" val="2727123199"/>
       </p:ext>
     </p:extLst>
   </p:cSld>
@@ -5220,223 +5283,6 @@
       </p:grpSpPr>
       <p:sp>
         <p:nvSpPr>
-          <p:cNvPr id="2" name="タイトル 1"/>
-          <p:cNvSpPr>
-            <a:spLocks noGrp="1"/>
-          </p:cNvSpPr>
-          <p:nvPr>
-            <p:ph type="title"/>
-          </p:nvPr>
-        </p:nvSpPr>
-        <p:spPr/>
-        <p:txBody>
-          <a:bodyPr/>
-          <a:lstStyle/>
-          <a:p>
-            <a:r>
-              <a:rPr kumimoji="1" lang="ja-JP" altLang="en-US" dirty="0" smtClean="0"/>
-              <a:t>やってないけどやりたかった</a:t>
-            </a:r>
-            <a:endParaRPr kumimoji="1" lang="ja-JP" altLang="en-US" dirty="0"/>
-          </a:p>
-        </p:txBody>
-      </p:sp>
-      <p:sp>
-        <p:nvSpPr>
-          <p:cNvPr id="3" name="コンテンツ プレースホルダー 2"/>
-          <p:cNvSpPr>
-            <a:spLocks noGrp="1"/>
-          </p:cNvSpPr>
-          <p:nvPr>
-            <p:ph idx="1"/>
-          </p:nvPr>
-        </p:nvSpPr>
-        <p:spPr>
-          <a:xfrm>
-            <a:off x="1435608" y="1447800"/>
-            <a:ext cx="7498080" cy="5077544"/>
-          </a:xfrm>
-        </p:spPr>
-        <p:txBody>
-          <a:bodyPr>
-            <a:normAutofit/>
-          </a:bodyPr>
-          <a:lstStyle/>
-          <a:p>
-            <a:r>
-              <a:rPr kumimoji="1" lang="ja-JP" altLang="en-US" dirty="0" smtClean="0"/>
-              <a:t>画像認識ができるらしい</a:t>
-            </a:r>
-            <a:endParaRPr kumimoji="1" lang="en-US" altLang="ja-JP" dirty="0" smtClean="0"/>
-          </a:p>
-          <a:p>
-            <a:pPr marL="82296" indent="0">
-              <a:buNone/>
-            </a:pPr>
-            <a:endParaRPr lang="en-US" altLang="ja-JP" dirty="0" smtClean="0"/>
-          </a:p>
-          <a:p>
-            <a:r>
-              <a:rPr lang="ja-JP" altLang="en-US" dirty="0" smtClean="0"/>
-              <a:t>関数定義もできるので大き目なスクリプトも組めそう</a:t>
-            </a:r>
-            <a:endParaRPr lang="en-US" altLang="ja-JP" dirty="0" smtClean="0"/>
-          </a:p>
-          <a:p>
-            <a:endParaRPr lang="en-US" altLang="ja-JP" dirty="0"/>
-          </a:p>
-          <a:p>
-            <a:r>
-              <a:rPr lang="ja-JP" altLang="en-US" dirty="0" smtClean="0"/>
-              <a:t>ブラウザゲームで悪さもできます</a:t>
-            </a:r>
-            <a:endParaRPr lang="en-US" altLang="ja-JP" dirty="0"/>
-          </a:p>
-        </p:txBody>
-      </p:sp>
-    </p:spTree>
-    <p:extLst>
-      <p:ext uri="{BB962C8B-B14F-4D97-AF65-F5344CB8AC3E}">
-        <p14:creationId xmlns:p14="http://schemas.microsoft.com/office/powerpoint/2010/main" val="1686085276"/>
-      </p:ext>
-    </p:extLst>
-  </p:cSld>
-  <p:clrMapOvr>
-    <a:masterClrMapping/>
-  </p:clrMapOvr>
-</p:sld>
-</file>
-
-<file path=ppt/slides/slide14.xml><?xml version="1.0" encoding="utf-8"?>
-<p:sld xmlns:a="http://schemas.openxmlformats.org/drawingml/2006/main" xmlns:r="http://schemas.openxmlformats.org/officeDocument/2006/relationships" xmlns:p="http://schemas.openxmlformats.org/presentationml/2006/main">
-  <p:cSld>
-    <p:spTree>
-      <p:nvGrpSpPr>
-        <p:cNvPr id="1" name=""/>
-        <p:cNvGrpSpPr/>
-        <p:nvPr/>
-      </p:nvGrpSpPr>
-      <p:grpSpPr>
-        <a:xfrm>
-          <a:off x="0" y="0"/>
-          <a:ext cx="0" cy="0"/>
-          <a:chOff x="0" y="0"/>
-          <a:chExt cx="0" cy="0"/>
-        </a:xfrm>
-      </p:grpSpPr>
-      <p:sp>
-        <p:nvSpPr>
-          <p:cNvPr id="2" name="タイトル 1"/>
-          <p:cNvSpPr>
-            <a:spLocks noGrp="1"/>
-          </p:cNvSpPr>
-          <p:nvPr>
-            <p:ph type="title"/>
-          </p:nvPr>
-        </p:nvSpPr>
-        <p:spPr/>
-        <p:txBody>
-          <a:bodyPr/>
-          <a:lstStyle/>
-          <a:p>
-            <a:r>
-              <a:rPr kumimoji="1" lang="ja-JP" altLang="en-US" dirty="0" smtClean="0"/>
-              <a:t>感想</a:t>
-            </a:r>
-            <a:endParaRPr kumimoji="1" lang="ja-JP" altLang="en-US" dirty="0"/>
-          </a:p>
-        </p:txBody>
-      </p:sp>
-      <p:sp>
-        <p:nvSpPr>
-          <p:cNvPr id="6" name="コンテンツ プレースホルダー 2"/>
-          <p:cNvSpPr>
-            <a:spLocks noGrp="1"/>
-          </p:cNvSpPr>
-          <p:nvPr>
-            <p:ph idx="1"/>
-          </p:nvPr>
-        </p:nvSpPr>
-        <p:spPr>
-          <a:xfrm>
-            <a:off x="1435608" y="1447800"/>
-            <a:ext cx="7498080" cy="5077544"/>
-          </a:xfrm>
-        </p:spPr>
-        <p:txBody>
-          <a:bodyPr>
-            <a:normAutofit/>
-          </a:bodyPr>
-          <a:lstStyle/>
-          <a:p>
-            <a:r>
-              <a:rPr kumimoji="1" lang="ja-JP" altLang="en-US" dirty="0" smtClean="0"/>
-              <a:t>とりあえず動くものが簡単に作れて面白い</a:t>
-            </a:r>
-            <a:endParaRPr kumimoji="1" lang="en-US" altLang="ja-JP" dirty="0" smtClean="0"/>
-          </a:p>
-          <a:p>
-            <a:endParaRPr lang="en-US" altLang="ja-JP" dirty="0" smtClean="0"/>
-          </a:p>
-          <a:p>
-            <a:r>
-              <a:rPr lang="ja-JP" altLang="en-US" dirty="0" smtClean="0"/>
-              <a:t>すごい</a:t>
-            </a:r>
-            <a:endParaRPr lang="en-US" altLang="ja-JP" dirty="0" smtClean="0"/>
-          </a:p>
-          <a:p>
-            <a:endParaRPr lang="en-US" altLang="ja-JP" dirty="0"/>
-          </a:p>
-          <a:p>
-            <a:r>
-              <a:rPr lang="ja-JP" altLang="en-US" dirty="0" smtClean="0"/>
-              <a:t>ぶっちゃ</a:t>
-            </a:r>
-            <a:r>
-              <a:rPr lang="ja-JP" altLang="en-US" dirty="0" err="1" smtClean="0"/>
-              <a:t>け</a:t>
-            </a:r>
-            <a:r>
-              <a:rPr lang="ja-JP" altLang="en-US" dirty="0" smtClean="0"/>
-              <a:t>なんでもできそう</a:t>
-            </a:r>
-            <a:endParaRPr lang="en-US" altLang="ja-JP" dirty="0"/>
-          </a:p>
-        </p:txBody>
-      </p:sp>
-    </p:spTree>
-    <p:extLst>
-      <p:ext uri="{BB962C8B-B14F-4D97-AF65-F5344CB8AC3E}">
-        <p14:creationId xmlns:p14="http://schemas.microsoft.com/office/powerpoint/2010/main" val="868550525"/>
-      </p:ext>
-    </p:extLst>
-  </p:cSld>
-  <p:clrMapOvr>
-    <a:masterClrMapping/>
-  </p:clrMapOvr>
-</p:sld>
-</file>
-
-<file path=ppt/slides/slide15.xml><?xml version="1.0" encoding="utf-8"?>
-<p:sld xmlns:a="http://schemas.openxmlformats.org/drawingml/2006/main" xmlns:r="http://schemas.openxmlformats.org/officeDocument/2006/relationships" xmlns:p="http://schemas.openxmlformats.org/presentationml/2006/main">
-  <p:cSld>
-    <p:spTree>
-      <p:nvGrpSpPr>
-        <p:cNvPr id="1" name=""/>
-        <p:cNvGrpSpPr/>
-        <p:nvPr/>
-      </p:nvGrpSpPr>
-      <p:grpSpPr>
-        <a:xfrm>
-          <a:off x="0" y="0"/>
-          <a:ext cx="0" cy="0"/>
-          <a:chOff x="0" y="0"/>
-          <a:chExt cx="0" cy="0"/>
-        </a:xfrm>
-      </p:grpSpPr>
-      <p:sp>
-        <p:nvSpPr>
           <p:cNvPr id="3" name="コンテンツ プレースホルダー 2"/>
           <p:cNvSpPr>
             <a:spLocks noGrp="1"/>
@@ -5459,10 +5305,18 @@
               <a:buNone/>
             </a:pPr>
             <a:r>
-              <a:rPr kumimoji="1" lang="ja-JP" altLang="en-US" dirty="0" smtClean="0"/>
+              <a:rPr kumimoji="1" lang="ja-JP" altLang="en-US" dirty="0" smtClean="0">
+                <a:latin typeface="メイリオ" panose="020B0604030504040204" pitchFamily="50" charset="-128"/>
+                <a:ea typeface="メイリオ" panose="020B0604030504040204" pitchFamily="50" charset="-128"/>
+                <a:cs typeface="メイリオ" panose="020B0604030504040204" pitchFamily="50" charset="-128"/>
+              </a:rPr>
               <a:t>ご清聴ありがとうございました</a:t>
             </a:r>
-            <a:endParaRPr kumimoji="1" lang="ja-JP" altLang="en-US" dirty="0"/>
+            <a:endParaRPr kumimoji="1" lang="ja-JP" altLang="en-US" dirty="0">
+              <a:latin typeface="メイリオ" panose="020B0604030504040204" pitchFamily="50" charset="-128"/>
+              <a:ea typeface="メイリオ" panose="020B0604030504040204" pitchFamily="50" charset="-128"/>
+              <a:cs typeface="メイリオ" panose="020B0604030504040204" pitchFamily="50" charset="-128"/>
+            </a:endParaRPr>
           </a:p>
         </p:txBody>
       </p:sp>
@@ -5531,10 +5385,18 @@
           <a:lstStyle/>
           <a:p>
             <a:r>
-              <a:rPr kumimoji="1" lang="ja-JP" altLang="en-US" dirty="0" smtClean="0"/>
+              <a:rPr kumimoji="1" lang="ja-JP" altLang="en-US" dirty="0" smtClean="0">
+                <a:latin typeface="メイリオ" panose="020B0604030504040204" pitchFamily="50" charset="-128"/>
+                <a:ea typeface="メイリオ" panose="020B0604030504040204" pitchFamily="50" charset="-128"/>
+                <a:cs typeface="メイリオ" panose="020B0604030504040204" pitchFamily="50" charset="-128"/>
+              </a:rPr>
               <a:t>背景</a:t>
             </a:r>
-            <a:endParaRPr kumimoji="1" lang="ja-JP" altLang="en-US" dirty="0"/>
+            <a:endParaRPr kumimoji="1" lang="ja-JP" altLang="en-US" dirty="0">
+              <a:latin typeface="メイリオ" panose="020B0604030504040204" pitchFamily="50" charset="-128"/>
+              <a:ea typeface="メイリオ" panose="020B0604030504040204" pitchFamily="50" charset="-128"/>
+              <a:cs typeface="メイリオ" panose="020B0604030504040204" pitchFamily="50" charset="-128"/>
+            </a:endParaRPr>
           </a:p>
         </p:txBody>
       </p:sp>
@@ -5617,6 +5479,9 @@
                 <a:solidFill>
                   <a:schemeClr val="tx1"/>
                 </a:solidFill>
+                <a:latin typeface="メイリオ" panose="020B0604030504040204" pitchFamily="50" charset="-128"/>
+                <a:ea typeface="メイリオ" panose="020B0604030504040204" pitchFamily="50" charset="-128"/>
+                <a:cs typeface="メイリオ" panose="020B0604030504040204" pitchFamily="50" charset="-128"/>
               </a:rPr>
               <a:t>なんか最近</a:t>
             </a:r>
@@ -5625,6 +5490,9 @@
                 <a:solidFill>
                   <a:schemeClr val="tx1"/>
                 </a:solidFill>
+                <a:latin typeface="メイリオ" panose="020B0604030504040204" pitchFamily="50" charset="-128"/>
+                <a:ea typeface="メイリオ" panose="020B0604030504040204" pitchFamily="50" charset="-128"/>
+                <a:cs typeface="メイリオ" panose="020B0604030504040204" pitchFamily="50" charset="-128"/>
               </a:rPr>
               <a:t>Android</a:t>
             </a:r>
@@ -5633,6 +5501,9 @@
                 <a:solidFill>
                   <a:schemeClr val="tx1"/>
                 </a:solidFill>
+                <a:latin typeface="メイリオ" panose="020B0604030504040204" pitchFamily="50" charset="-128"/>
+                <a:ea typeface="メイリオ" panose="020B0604030504040204" pitchFamily="50" charset="-128"/>
+                <a:cs typeface="メイリオ" panose="020B0604030504040204" pitchFamily="50" charset="-128"/>
               </a:rPr>
               <a:t>の発表とか多くてちょっと興味あるなー。</a:t>
             </a:r>
@@ -5640,6 +5511,9 @@
               <a:solidFill>
                 <a:schemeClr val="tx1"/>
               </a:solidFill>
+              <a:latin typeface="メイリオ" panose="020B0604030504040204" pitchFamily="50" charset="-128"/>
+              <a:ea typeface="メイリオ" panose="020B0604030504040204" pitchFamily="50" charset="-128"/>
+              <a:cs typeface="メイリオ" panose="020B0604030504040204" pitchFamily="50" charset="-128"/>
             </a:endParaRPr>
           </a:p>
           <a:p>
@@ -5649,6 +5523,9 @@
                 <a:solidFill>
                   <a:schemeClr val="tx1"/>
                 </a:solidFill>
+                <a:latin typeface="メイリオ" panose="020B0604030504040204" pitchFamily="50" charset="-128"/>
+                <a:ea typeface="メイリオ" panose="020B0604030504040204" pitchFamily="50" charset="-128"/>
+                <a:cs typeface="メイリオ" panose="020B0604030504040204" pitchFamily="50" charset="-128"/>
               </a:rPr>
               <a:t>自分</a:t>
             </a:r>
@@ -5657,6 +5534,9 @@
                 <a:solidFill>
                   <a:schemeClr val="tx1"/>
                 </a:solidFill>
+                <a:latin typeface="メイリオ" panose="020B0604030504040204" pitchFamily="50" charset="-128"/>
+                <a:ea typeface="メイリオ" panose="020B0604030504040204" pitchFamily="50" charset="-128"/>
+                <a:cs typeface="メイリオ" panose="020B0604030504040204" pitchFamily="50" charset="-128"/>
               </a:rPr>
               <a:t>も</a:t>
             </a:r>
@@ -5665,6 +5545,9 @@
                 <a:solidFill>
                   <a:schemeClr val="tx1"/>
                 </a:solidFill>
+                <a:latin typeface="メイリオ" panose="020B0604030504040204" pitchFamily="50" charset="-128"/>
+                <a:ea typeface="メイリオ" panose="020B0604030504040204" pitchFamily="50" charset="-128"/>
+                <a:cs typeface="メイリオ" panose="020B0604030504040204" pitchFamily="50" charset="-128"/>
               </a:rPr>
               <a:t>やってみようかなぁ</a:t>
             </a:r>
@@ -5672,6 +5555,9 @@
               <a:solidFill>
                 <a:schemeClr val="tx1"/>
               </a:solidFill>
+              <a:latin typeface="メイリオ" panose="020B0604030504040204" pitchFamily="50" charset="-128"/>
+              <a:ea typeface="メイリオ" panose="020B0604030504040204" pitchFamily="50" charset="-128"/>
+              <a:cs typeface="メイリオ" panose="020B0604030504040204" pitchFamily="50" charset="-128"/>
             </a:endParaRPr>
           </a:p>
         </p:txBody>
@@ -5729,10 +5615,18 @@
           <a:lstStyle/>
           <a:p>
             <a:r>
-              <a:rPr kumimoji="1" lang="ja-JP" altLang="en-US" dirty="0" smtClean="0"/>
+              <a:rPr kumimoji="1" lang="ja-JP" altLang="en-US" dirty="0" smtClean="0">
+                <a:latin typeface="メイリオ" panose="020B0604030504040204" pitchFamily="50" charset="-128"/>
+                <a:ea typeface="メイリオ" panose="020B0604030504040204" pitchFamily="50" charset="-128"/>
+                <a:cs typeface="メイリオ" panose="020B0604030504040204" pitchFamily="50" charset="-128"/>
+              </a:rPr>
               <a:t>所持デバイス</a:t>
             </a:r>
-            <a:endParaRPr kumimoji="1" lang="ja-JP" altLang="en-US" dirty="0"/>
+            <a:endParaRPr kumimoji="1" lang="ja-JP" altLang="en-US" dirty="0">
+              <a:latin typeface="メイリオ" panose="020B0604030504040204" pitchFamily="50" charset="-128"/>
+              <a:ea typeface="メイリオ" panose="020B0604030504040204" pitchFamily="50" charset="-128"/>
+              <a:cs typeface="メイリオ" panose="020B0604030504040204" pitchFamily="50" charset="-128"/>
+            </a:endParaRPr>
           </a:p>
         </p:txBody>
       </p:sp>
@@ -5815,6 +5709,9 @@
                 <a:solidFill>
                   <a:schemeClr val="tx1"/>
                 </a:solidFill>
+                <a:latin typeface="メイリオ" panose="020B0604030504040204" pitchFamily="50" charset="-128"/>
+                <a:ea typeface="メイリオ" panose="020B0604030504040204" pitchFamily="50" charset="-128"/>
+                <a:cs typeface="メイリオ" panose="020B0604030504040204" pitchFamily="50" charset="-128"/>
               </a:rPr>
               <a:t>まぁ</a:t>
             </a:r>
@@ -5823,6 +5720,9 @@
                 <a:solidFill>
                   <a:schemeClr val="tx1"/>
                 </a:solidFill>
+                <a:latin typeface="メイリオ" panose="020B0604030504040204" pitchFamily="50" charset="-128"/>
+                <a:ea typeface="メイリオ" panose="020B0604030504040204" pitchFamily="50" charset="-128"/>
+                <a:cs typeface="メイリオ" panose="020B0604030504040204" pitchFamily="50" charset="-128"/>
               </a:rPr>
               <a:t>iOS</a:t>
             </a:r>
@@ -5831,6 +5731,9 @@
                 <a:solidFill>
                   <a:schemeClr val="tx1"/>
                 </a:solidFill>
+                <a:latin typeface="メイリオ" panose="020B0604030504040204" pitchFamily="50" charset="-128"/>
+                <a:ea typeface="メイリオ" panose="020B0604030504040204" pitchFamily="50" charset="-128"/>
+                <a:cs typeface="メイリオ" panose="020B0604030504040204" pitchFamily="50" charset="-128"/>
               </a:rPr>
               <a:t>アプリかな・・・</a:t>
             </a:r>
@@ -5838,6 +5741,9 @@
               <a:solidFill>
                 <a:schemeClr val="tx1"/>
               </a:solidFill>
+              <a:latin typeface="メイリオ" panose="020B0604030504040204" pitchFamily="50" charset="-128"/>
+              <a:ea typeface="メイリオ" panose="020B0604030504040204" pitchFamily="50" charset="-128"/>
+              <a:cs typeface="メイリオ" panose="020B0604030504040204" pitchFamily="50" charset="-128"/>
             </a:endParaRPr>
           </a:p>
         </p:txBody>
@@ -5925,14 +5831,26 @@
           <a:lstStyle/>
           <a:p>
             <a:r>
-              <a:rPr kumimoji="1" lang="en-US" altLang="ja-JP" dirty="0" smtClean="0"/>
+              <a:rPr kumimoji="1" lang="en-US" altLang="ja-JP" dirty="0" smtClean="0">
+                <a:latin typeface="メイリオ" panose="020B0604030504040204" pitchFamily="50" charset="-128"/>
+                <a:ea typeface="メイリオ" panose="020B0604030504040204" pitchFamily="50" charset="-128"/>
+                <a:cs typeface="メイリオ" panose="020B0604030504040204" pitchFamily="50" charset="-128"/>
+              </a:rPr>
               <a:t>iPod touch </a:t>
             </a:r>
             <a:r>
-              <a:rPr kumimoji="1" lang="ja-JP" altLang="en-US" dirty="0" smtClean="0"/>
+              <a:rPr kumimoji="1" lang="ja-JP" altLang="en-US" dirty="0" smtClean="0">
+                <a:latin typeface="メイリオ" panose="020B0604030504040204" pitchFamily="50" charset="-128"/>
+                <a:ea typeface="メイリオ" panose="020B0604030504040204" pitchFamily="50" charset="-128"/>
+                <a:cs typeface="メイリオ" panose="020B0604030504040204" pitchFamily="50" charset="-128"/>
+              </a:rPr>
               <a:t>第五世代</a:t>
             </a:r>
-            <a:endParaRPr kumimoji="1" lang="ja-JP" altLang="en-US" dirty="0"/>
+            <a:endParaRPr kumimoji="1" lang="ja-JP" altLang="en-US" dirty="0">
+              <a:latin typeface="メイリオ" panose="020B0604030504040204" pitchFamily="50" charset="-128"/>
+              <a:ea typeface="メイリオ" panose="020B0604030504040204" pitchFamily="50" charset="-128"/>
+              <a:cs typeface="メイリオ" panose="020B0604030504040204" pitchFamily="50" charset="-128"/>
+            </a:endParaRPr>
           </a:p>
         </p:txBody>
       </p:sp>
@@ -5959,18 +5877,34 @@
           <a:lstStyle/>
           <a:p>
             <a:r>
-              <a:rPr kumimoji="1" lang="en-US" altLang="ja-JP" dirty="0" smtClean="0"/>
+              <a:rPr kumimoji="1" lang="en-US" altLang="ja-JP" dirty="0" smtClean="0">
+                <a:latin typeface="メイリオ" panose="020B0604030504040204" pitchFamily="50" charset="-128"/>
+                <a:ea typeface="メイリオ" panose="020B0604030504040204" pitchFamily="50" charset="-128"/>
+                <a:cs typeface="メイリオ" panose="020B0604030504040204" pitchFamily="50" charset="-128"/>
+              </a:rPr>
               <a:t>iPad (</a:t>
             </a:r>
             <a:r>
-              <a:rPr kumimoji="1" lang="ja-JP" altLang="en-US" dirty="0" smtClean="0"/>
+              <a:rPr kumimoji="1" lang="ja-JP" altLang="en-US" dirty="0" smtClean="0">
+                <a:latin typeface="メイリオ" panose="020B0604030504040204" pitchFamily="50" charset="-128"/>
+                <a:ea typeface="メイリオ" panose="020B0604030504040204" pitchFamily="50" charset="-128"/>
+                <a:cs typeface="メイリオ" panose="020B0604030504040204" pitchFamily="50" charset="-128"/>
+              </a:rPr>
               <a:t>初期型</a:t>
             </a:r>
             <a:r>
-              <a:rPr kumimoji="1" lang="en-US" altLang="ja-JP" dirty="0" smtClean="0"/>
+              <a:rPr kumimoji="1" lang="en-US" altLang="ja-JP" dirty="0" smtClean="0">
+                <a:latin typeface="メイリオ" panose="020B0604030504040204" pitchFamily="50" charset="-128"/>
+                <a:ea typeface="メイリオ" panose="020B0604030504040204" pitchFamily="50" charset="-128"/>
+                <a:cs typeface="メイリオ" panose="020B0604030504040204" pitchFamily="50" charset="-128"/>
+              </a:rPr>
               <a:t>)</a:t>
             </a:r>
-            <a:endParaRPr kumimoji="1" lang="ja-JP" altLang="en-US" dirty="0"/>
+            <a:endParaRPr kumimoji="1" lang="ja-JP" altLang="en-US" dirty="0">
+              <a:latin typeface="メイリオ" panose="020B0604030504040204" pitchFamily="50" charset="-128"/>
+              <a:ea typeface="メイリオ" panose="020B0604030504040204" pitchFamily="50" charset="-128"/>
+              <a:cs typeface="メイリオ" panose="020B0604030504040204" pitchFamily="50" charset="-128"/>
+            </a:endParaRPr>
           </a:p>
         </p:txBody>
       </p:sp>
@@ -6038,10 +5972,18 @@
           <a:lstStyle/>
           <a:p>
             <a:r>
-              <a:rPr kumimoji="1" lang="en-US" altLang="ja-JP" dirty="0" smtClean="0"/>
+              <a:rPr kumimoji="1" lang="en-US" altLang="ja-JP" dirty="0" smtClean="0">
+                <a:latin typeface="メイリオ" panose="020B0604030504040204" pitchFamily="50" charset="-128"/>
+                <a:ea typeface="メイリオ" panose="020B0604030504040204" pitchFamily="50" charset="-128"/>
+                <a:cs typeface="メイリオ" panose="020B0604030504040204" pitchFamily="50" charset="-128"/>
+              </a:rPr>
               <a:t>Windows PC</a:t>
             </a:r>
-            <a:endParaRPr kumimoji="1" lang="ja-JP" altLang="en-US" dirty="0"/>
+            <a:endParaRPr kumimoji="1" lang="ja-JP" altLang="en-US" dirty="0">
+              <a:latin typeface="メイリオ" panose="020B0604030504040204" pitchFamily="50" charset="-128"/>
+              <a:ea typeface="メイリオ" panose="020B0604030504040204" pitchFamily="50" charset="-128"/>
+              <a:cs typeface="メイリオ" panose="020B0604030504040204" pitchFamily="50" charset="-128"/>
+            </a:endParaRPr>
           </a:p>
         </p:txBody>
       </p:sp>
@@ -6098,10 +6040,18 @@
           <a:lstStyle/>
           <a:p>
             <a:r>
-              <a:rPr kumimoji="1" lang="ja-JP" altLang="en-US" dirty="0" smtClean="0"/>
+              <a:rPr kumimoji="1" lang="ja-JP" altLang="en-US" dirty="0" smtClean="0">
+                <a:latin typeface="メイリオ" panose="020B0604030504040204" pitchFamily="50" charset="-128"/>
+                <a:ea typeface="メイリオ" panose="020B0604030504040204" pitchFamily="50" charset="-128"/>
+                <a:cs typeface="メイリオ" panose="020B0604030504040204" pitchFamily="50" charset="-128"/>
+              </a:rPr>
               <a:t>現実</a:t>
             </a:r>
-            <a:endParaRPr kumimoji="1" lang="ja-JP" altLang="en-US" dirty="0"/>
+            <a:endParaRPr kumimoji="1" lang="ja-JP" altLang="en-US" dirty="0">
+              <a:latin typeface="メイリオ" panose="020B0604030504040204" pitchFamily="50" charset="-128"/>
+              <a:ea typeface="メイリオ" panose="020B0604030504040204" pitchFamily="50" charset="-128"/>
+              <a:cs typeface="メイリオ" panose="020B0604030504040204" pitchFamily="50" charset="-128"/>
+            </a:endParaRPr>
           </a:p>
         </p:txBody>
       </p:sp>
@@ -6113,8 +6063,8 @@
         </p:nvSpPr>
         <p:spPr>
           <a:xfrm>
-            <a:off x="4788710" y="3599672"/>
-            <a:ext cx="4322518" cy="2736304"/>
+            <a:off x="3851920" y="3599672"/>
+            <a:ext cx="5259308" cy="2736304"/>
           </a:xfrm>
           <a:prstGeom prst="cloudCallout">
             <a:avLst>
@@ -6150,33 +6100,34 @@
           <a:p>
             <a:pPr algn="ctr"/>
             <a:r>
-              <a:rPr kumimoji="1" lang="ja-JP" altLang="en-US" sz="2800" dirty="0" smtClean="0">
+              <a:rPr lang="ja-JP" altLang="en-US" sz="2800" dirty="0">
                 <a:solidFill>
                   <a:schemeClr val="tx1"/>
                 </a:solidFill>
-              </a:rPr>
-              <a:t>金がかかるとか</a:t>
-            </a:r>
-            <a:r>
-              <a:rPr lang="en-US" altLang="ja-JP" sz="2800" dirty="0" smtClean="0">
+                <a:latin typeface="メイリオ" panose="020B0604030504040204" pitchFamily="50" charset="-128"/>
+                <a:ea typeface="メイリオ" panose="020B0604030504040204" pitchFamily="50" charset="-128"/>
+                <a:cs typeface="メイリオ" panose="020B0604030504040204" pitchFamily="50" charset="-128"/>
+              </a:rPr>
+              <a:t>そんな</a:t>
+            </a:r>
+            <a:r>
+              <a:rPr lang="ja-JP" altLang="en-US" sz="2800" dirty="0" smtClean="0">
                 <a:solidFill>
                   <a:schemeClr val="tx1"/>
                 </a:solidFill>
-              </a:rPr>
-              <a:t>Mac</a:t>
-            </a:r>
-            <a:r>
-              <a:rPr kumimoji="1" lang="ja-JP" altLang="en-US" sz="2800" dirty="0" smtClean="0">
-                <a:solidFill>
-                  <a:schemeClr val="tx1"/>
-                </a:solidFill>
-              </a:rPr>
-              <a:t>じゃないと動かないとか。</a:t>
+                <a:latin typeface="メイリオ" panose="020B0604030504040204" pitchFamily="50" charset="-128"/>
+                <a:ea typeface="メイリオ" panose="020B0604030504040204" pitchFamily="50" charset="-128"/>
+                <a:cs typeface="メイリオ" panose="020B0604030504040204" pitchFamily="50" charset="-128"/>
+              </a:rPr>
+              <a:t>にリンゴ信者じゃないです・・・</a:t>
             </a:r>
             <a:endParaRPr kumimoji="1" lang="ja-JP" altLang="en-US" sz="2800" dirty="0">
               <a:solidFill>
                 <a:schemeClr val="tx1"/>
               </a:solidFill>
+              <a:latin typeface="メイリオ" panose="020B0604030504040204" pitchFamily="50" charset="-128"/>
+              <a:ea typeface="メイリオ" panose="020B0604030504040204" pitchFamily="50" charset="-128"/>
+              <a:cs typeface="メイリオ" panose="020B0604030504040204" pitchFamily="50" charset="-128"/>
             </a:endParaRPr>
           </a:p>
         </p:txBody>
@@ -6203,7 +6154,7 @@
         </p:blipFill>
         <p:spPr>
           <a:xfrm>
-            <a:off x="1043608" y="3564303"/>
+            <a:off x="822598" y="3564303"/>
             <a:ext cx="3029322" cy="3029322"/>
           </a:xfrm>
           <a:prstGeom prst="rect">
@@ -6211,6 +6162,308 @@
           </a:prstGeom>
         </p:spPr>
       </p:pic>
+      <p:graphicFrame>
+        <p:nvGraphicFramePr>
+          <p:cNvPr id="3" name="表 2"/>
+          <p:cNvGraphicFramePr>
+            <a:graphicFrameLocks noGrp="1"/>
+          </p:cNvGraphicFramePr>
+          <p:nvPr>
+            <p:extLst>
+              <p:ext uri="{D42A27DB-BD31-4B8C-83A1-F6EECF244321}">
+                <p14:modId xmlns:p14="http://schemas.microsoft.com/office/powerpoint/2010/main" val="420835726"/>
+              </p:ext>
+            </p:extLst>
+          </p:nvPr>
+        </p:nvGraphicFramePr>
+        <p:xfrm>
+          <a:off x="1403648" y="1286853"/>
+          <a:ext cx="7272808" cy="2277450"/>
+        </p:xfrm>
+        <a:graphic>
+          <a:graphicData uri="http://schemas.openxmlformats.org/drawingml/2006/table">
+            <a:tbl>
+              <a:tblPr firstRow="1" bandRow="1">
+                <a:tableStyleId>{5C22544A-7EE6-4342-B048-85BDC9FD1C3A}</a:tableStyleId>
+              </a:tblPr>
+              <a:tblGrid>
+                <a:gridCol w="3636404"/>
+                <a:gridCol w="3636404"/>
+              </a:tblGrid>
+              <a:tr h="1048254">
+                <a:tc>
+                  <a:txBody>
+                    <a:bodyPr/>
+                    <a:lstStyle/>
+                    <a:p>
+                      <a:r>
+                        <a:rPr kumimoji="1" lang="en-US" altLang="ja-JP" sz="3200" b="0" dirty="0" smtClean="0">
+                          <a:solidFill>
+                            <a:schemeClr val="tx1"/>
+                          </a:solidFill>
+                          <a:latin typeface="メイリオ" panose="020B0604030504040204" pitchFamily="50" charset="-128"/>
+                          <a:ea typeface="メイリオ" panose="020B0604030504040204" pitchFamily="50" charset="-128"/>
+                          <a:cs typeface="メイリオ" panose="020B0604030504040204" pitchFamily="50" charset="-128"/>
+                        </a:rPr>
+                        <a:t>iOS</a:t>
+                      </a:r>
+                      <a:r>
+                        <a:rPr kumimoji="1" lang="en-US" altLang="ja-JP" sz="3200" b="0" baseline="0" dirty="0" smtClean="0">
+                          <a:solidFill>
+                            <a:schemeClr val="tx1"/>
+                          </a:solidFill>
+                          <a:latin typeface="メイリオ" panose="020B0604030504040204" pitchFamily="50" charset="-128"/>
+                          <a:ea typeface="メイリオ" panose="020B0604030504040204" pitchFamily="50" charset="-128"/>
+                          <a:cs typeface="メイリオ" panose="020B0604030504040204" pitchFamily="50" charset="-128"/>
+                        </a:rPr>
+                        <a:t> SDK</a:t>
+                      </a:r>
+                    </a:p>
+                    <a:p>
+                      <a:r>
+                        <a:rPr kumimoji="1" lang="ja-JP" altLang="en-US" sz="3200" b="0" baseline="0" dirty="0" smtClean="0">
+                          <a:solidFill>
+                            <a:schemeClr val="tx1"/>
+                          </a:solidFill>
+                          <a:latin typeface="メイリオ" panose="020B0604030504040204" pitchFamily="50" charset="-128"/>
+                          <a:ea typeface="メイリオ" panose="020B0604030504040204" pitchFamily="50" charset="-128"/>
+                          <a:cs typeface="メイリオ" panose="020B0604030504040204" pitchFamily="50" charset="-128"/>
+                        </a:rPr>
+                        <a:t>開発環境</a:t>
+                      </a:r>
+                      <a:r>
+                        <a:rPr kumimoji="1" lang="en-US" altLang="ja-JP" sz="3200" b="0" baseline="0" dirty="0" smtClean="0">
+                          <a:solidFill>
+                            <a:schemeClr val="tx1"/>
+                          </a:solidFill>
+                          <a:latin typeface="メイリオ" panose="020B0604030504040204" pitchFamily="50" charset="-128"/>
+                          <a:ea typeface="メイリオ" panose="020B0604030504040204" pitchFamily="50" charset="-128"/>
+                          <a:cs typeface="メイリオ" panose="020B0604030504040204" pitchFamily="50" charset="-128"/>
+                        </a:rPr>
+                        <a:t>(</a:t>
+                      </a:r>
+                      <a:r>
+                        <a:rPr kumimoji="1" lang="en-US" altLang="ja-JP" sz="3200" b="0" baseline="0" dirty="0" err="1" smtClean="0">
+                          <a:solidFill>
+                            <a:schemeClr val="tx1"/>
+                          </a:solidFill>
+                          <a:latin typeface="メイリオ" panose="020B0604030504040204" pitchFamily="50" charset="-128"/>
+                          <a:ea typeface="メイリオ" panose="020B0604030504040204" pitchFamily="50" charset="-128"/>
+                          <a:cs typeface="メイリオ" panose="020B0604030504040204" pitchFamily="50" charset="-128"/>
+                        </a:rPr>
+                        <a:t>XCode</a:t>
+                      </a:r>
+                      <a:r>
+                        <a:rPr kumimoji="1" lang="en-US" altLang="ja-JP" sz="3200" b="0" baseline="0" dirty="0" smtClean="0">
+                          <a:solidFill>
+                            <a:schemeClr val="tx1"/>
+                          </a:solidFill>
+                          <a:latin typeface="メイリオ" panose="020B0604030504040204" pitchFamily="50" charset="-128"/>
+                          <a:ea typeface="メイリオ" panose="020B0604030504040204" pitchFamily="50" charset="-128"/>
+                          <a:cs typeface="メイリオ" panose="020B0604030504040204" pitchFamily="50" charset="-128"/>
+                        </a:rPr>
+                        <a:t>)</a:t>
+                      </a:r>
+                    </a:p>
+                  </a:txBody>
+                  <a:tcPr>
+                    <a:solidFill>
+                      <a:schemeClr val="bg1">
+                        <a:lumMod val="85000"/>
+                      </a:schemeClr>
+                    </a:solidFill>
+                  </a:tcPr>
+                </a:tc>
+                <a:tc>
+                  <a:txBody>
+                    <a:bodyPr/>
+                    <a:lstStyle/>
+                    <a:p>
+                      <a:r>
+                        <a:rPr kumimoji="1" lang="en-US" altLang="ja-JP" sz="3200" b="0" dirty="0" smtClean="0">
+                          <a:solidFill>
+                            <a:srgbClr val="FF0000"/>
+                          </a:solidFill>
+                          <a:latin typeface="メイリオ" panose="020B0604030504040204" pitchFamily="50" charset="-128"/>
+                          <a:ea typeface="メイリオ" panose="020B0604030504040204" pitchFamily="50" charset="-128"/>
+                          <a:cs typeface="メイリオ" panose="020B0604030504040204" pitchFamily="50" charset="-128"/>
+                        </a:rPr>
+                        <a:t>Mac</a:t>
+                      </a:r>
+                      <a:r>
+                        <a:rPr kumimoji="1" lang="ja-JP" altLang="en-US" sz="3200" b="0" dirty="0" smtClean="0">
+                          <a:solidFill>
+                            <a:srgbClr val="FF0000"/>
+                          </a:solidFill>
+                          <a:latin typeface="メイリオ" panose="020B0604030504040204" pitchFamily="50" charset="-128"/>
+                          <a:ea typeface="メイリオ" panose="020B0604030504040204" pitchFamily="50" charset="-128"/>
+                          <a:cs typeface="メイリオ" panose="020B0604030504040204" pitchFamily="50" charset="-128"/>
+                        </a:rPr>
+                        <a:t>のみ対応</a:t>
+                      </a:r>
+                      <a:endParaRPr kumimoji="1" lang="ja-JP" altLang="en-US" sz="3200" b="0" dirty="0">
+                        <a:solidFill>
+                          <a:srgbClr val="FF0000"/>
+                        </a:solidFill>
+                        <a:latin typeface="メイリオ" panose="020B0604030504040204" pitchFamily="50" charset="-128"/>
+                        <a:ea typeface="メイリオ" panose="020B0604030504040204" pitchFamily="50" charset="-128"/>
+                        <a:cs typeface="メイリオ" panose="020B0604030504040204" pitchFamily="50" charset="-128"/>
+                      </a:endParaRPr>
+                    </a:p>
+                  </a:txBody>
+                  <a:tcPr>
+                    <a:solidFill>
+                      <a:schemeClr val="bg1">
+                        <a:lumMod val="85000"/>
+                      </a:schemeClr>
+                    </a:solidFill>
+                  </a:tcPr>
+                </a:tc>
+              </a:tr>
+              <a:tr h="605325">
+                <a:tc>
+                  <a:txBody>
+                    <a:bodyPr/>
+                    <a:lstStyle/>
+                    <a:p>
+                      <a:r>
+                        <a:rPr kumimoji="1" lang="ja-JP" altLang="en-US" sz="3200" b="0" dirty="0" smtClean="0">
+                          <a:solidFill>
+                            <a:schemeClr val="tx1"/>
+                          </a:solidFill>
+                          <a:latin typeface="メイリオ" panose="020B0604030504040204" pitchFamily="50" charset="-128"/>
+                          <a:ea typeface="メイリオ" panose="020B0604030504040204" pitchFamily="50" charset="-128"/>
+                          <a:cs typeface="メイリオ" panose="020B0604030504040204" pitchFamily="50" charset="-128"/>
+                        </a:rPr>
+                        <a:t>実機での動作確認</a:t>
+                      </a:r>
+                      <a:endParaRPr kumimoji="1" lang="ja-JP" altLang="en-US" sz="3200" b="0" dirty="0">
+                        <a:solidFill>
+                          <a:schemeClr val="tx1"/>
+                        </a:solidFill>
+                        <a:latin typeface="メイリオ" panose="020B0604030504040204" pitchFamily="50" charset="-128"/>
+                        <a:ea typeface="メイリオ" panose="020B0604030504040204" pitchFamily="50" charset="-128"/>
+                        <a:cs typeface="メイリオ" panose="020B0604030504040204" pitchFamily="50" charset="-128"/>
+                      </a:endParaRPr>
+                    </a:p>
+                  </a:txBody>
+                  <a:tcPr>
+                    <a:solidFill>
+                      <a:schemeClr val="bg1">
+                        <a:lumMod val="85000"/>
+                      </a:schemeClr>
+                    </a:solidFill>
+                  </a:tcPr>
+                </a:tc>
+                <a:tc>
+                  <a:txBody>
+                    <a:bodyPr/>
+                    <a:lstStyle/>
+                    <a:p>
+                      <a:r>
+                        <a:rPr kumimoji="1" lang="ja-JP" altLang="en-US" sz="3200" b="1" dirty="0" smtClean="0">
+                          <a:solidFill>
+                            <a:srgbClr val="FF0000"/>
+                          </a:solidFill>
+                          <a:latin typeface="メイリオ" panose="020B0604030504040204" pitchFamily="50" charset="-128"/>
+                          <a:ea typeface="メイリオ" panose="020B0604030504040204" pitchFamily="50" charset="-128"/>
+                          <a:cs typeface="メイリオ" panose="020B0604030504040204" pitchFamily="50" charset="-128"/>
+                        </a:rPr>
+                        <a:t>有料</a:t>
+                      </a:r>
+                      <a:endParaRPr kumimoji="1" lang="ja-JP" altLang="en-US" sz="3200" b="1" dirty="0">
+                        <a:solidFill>
+                          <a:srgbClr val="FF0000"/>
+                        </a:solidFill>
+                        <a:latin typeface="メイリオ" panose="020B0604030504040204" pitchFamily="50" charset="-128"/>
+                        <a:ea typeface="メイリオ" panose="020B0604030504040204" pitchFamily="50" charset="-128"/>
+                        <a:cs typeface="メイリオ" panose="020B0604030504040204" pitchFamily="50" charset="-128"/>
+                      </a:endParaRPr>
+                    </a:p>
+                  </a:txBody>
+                  <a:tcPr>
+                    <a:solidFill>
+                      <a:schemeClr val="bg1">
+                        <a:lumMod val="85000"/>
+                      </a:schemeClr>
+                    </a:solidFill>
+                  </a:tcPr>
+                </a:tc>
+              </a:tr>
+              <a:tr h="605325">
+                <a:tc>
+                  <a:txBody>
+                    <a:bodyPr/>
+                    <a:lstStyle/>
+                    <a:p>
+                      <a:r>
+                        <a:rPr kumimoji="1" lang="ja-JP" altLang="en-US" sz="3200" b="0" dirty="0" smtClean="0">
+                          <a:solidFill>
+                            <a:schemeClr val="tx1"/>
+                          </a:solidFill>
+                          <a:latin typeface="メイリオ" panose="020B0604030504040204" pitchFamily="50" charset="-128"/>
+                          <a:ea typeface="メイリオ" panose="020B0604030504040204" pitchFamily="50" charset="-128"/>
+                          <a:cs typeface="メイリオ" panose="020B0604030504040204" pitchFamily="50" charset="-128"/>
+                        </a:rPr>
+                        <a:t>アプリの公開</a:t>
+                      </a:r>
+                      <a:endParaRPr kumimoji="1" lang="ja-JP" altLang="en-US" sz="3200" b="0" dirty="0">
+                        <a:solidFill>
+                          <a:schemeClr val="tx1"/>
+                        </a:solidFill>
+                        <a:latin typeface="メイリオ" panose="020B0604030504040204" pitchFamily="50" charset="-128"/>
+                        <a:ea typeface="メイリオ" panose="020B0604030504040204" pitchFamily="50" charset="-128"/>
+                        <a:cs typeface="メイリオ" panose="020B0604030504040204" pitchFamily="50" charset="-128"/>
+                      </a:endParaRPr>
+                    </a:p>
+                  </a:txBody>
+                  <a:tcPr>
+                    <a:solidFill>
+                      <a:schemeClr val="bg1">
+                        <a:lumMod val="85000"/>
+                      </a:schemeClr>
+                    </a:solidFill>
+                  </a:tcPr>
+                </a:tc>
+                <a:tc>
+                  <a:txBody>
+                    <a:bodyPr/>
+                    <a:lstStyle/>
+                    <a:p>
+                      <a:r>
+                        <a:rPr kumimoji="1" lang="ja-JP" altLang="en-US" sz="3200" b="1" dirty="0" smtClean="0">
+                          <a:solidFill>
+                            <a:srgbClr val="FF0000"/>
+                          </a:solidFill>
+                          <a:latin typeface="メイリオ" panose="020B0604030504040204" pitchFamily="50" charset="-128"/>
+                          <a:ea typeface="メイリオ" panose="020B0604030504040204" pitchFamily="50" charset="-128"/>
+                          <a:cs typeface="メイリオ" panose="020B0604030504040204" pitchFamily="50" charset="-128"/>
+                        </a:rPr>
+                        <a:t>有料</a:t>
+                      </a:r>
+                      <a:endParaRPr kumimoji="1" lang="ja-JP" altLang="en-US" sz="3200" b="1" dirty="0">
+                        <a:solidFill>
+                          <a:srgbClr val="FF0000"/>
+                        </a:solidFill>
+                        <a:latin typeface="メイリオ" panose="020B0604030504040204" pitchFamily="50" charset="-128"/>
+                        <a:ea typeface="メイリオ" panose="020B0604030504040204" pitchFamily="50" charset="-128"/>
+                        <a:cs typeface="メイリオ" panose="020B0604030504040204" pitchFamily="50" charset="-128"/>
+                      </a:endParaRPr>
+                    </a:p>
+                  </a:txBody>
+                  <a:tcPr>
+                    <a:solidFill>
+                      <a:schemeClr val="bg1">
+                        <a:lumMod val="85000"/>
+                      </a:schemeClr>
+                    </a:solidFill>
+                  </a:tcPr>
+                </a:tc>
+              </a:tr>
+            </a:tbl>
+          </a:graphicData>
+        </a:graphic>
+      </p:graphicFrame>
     </p:spTree>
     <p:extLst>
       <p:ext uri="{BB962C8B-B14F-4D97-AF65-F5344CB8AC3E}">
@@ -6264,20 +6517,24 @@
           <a:lstStyle/>
           <a:p>
             <a:r>
-              <a:rPr kumimoji="1" lang="en-US" altLang="ja-JP" dirty="0" smtClean="0"/>
-              <a:t>UWSC</a:t>
-            </a:r>
-            <a:r>
-              <a:rPr kumimoji="1" lang="ja-JP" altLang="en-US" dirty="0" smtClean="0"/>
-              <a:t>とは？</a:t>
-            </a:r>
-            <a:endParaRPr kumimoji="1" lang="ja-JP" altLang="en-US" dirty="0"/>
-          </a:p>
-        </p:txBody>
-      </p:sp>
-      <p:sp>
-        <p:nvSpPr>
-          <p:cNvPr id="3" name="コンテンツ プレースホルダー 2"/>
+              <a:rPr lang="ja-JP" altLang="en-US" dirty="0">
+                <a:latin typeface="メイリオ" panose="020B0604030504040204" pitchFamily="50" charset="-128"/>
+                <a:ea typeface="メイリオ" panose="020B0604030504040204" pitchFamily="50" charset="-128"/>
+                <a:cs typeface="メイリオ" panose="020B0604030504040204" pitchFamily="50" charset="-128"/>
+              </a:rPr>
+              <a:t>その後</a:t>
+            </a:r>
+            <a:endParaRPr kumimoji="1" lang="ja-JP" altLang="en-US" dirty="0">
+              <a:latin typeface="メイリオ" panose="020B0604030504040204" pitchFamily="50" charset="-128"/>
+              <a:ea typeface="メイリオ" panose="020B0604030504040204" pitchFamily="50" charset="-128"/>
+              <a:cs typeface="メイリオ" panose="020B0604030504040204" pitchFamily="50" charset="-128"/>
+            </a:endParaRPr>
+          </a:p>
+        </p:txBody>
+      </p:sp>
+      <p:sp>
+        <p:nvSpPr>
+          <p:cNvPr id="7" name="コンテンツ プレースホルダー 2"/>
           <p:cNvSpPr>
             <a:spLocks noGrp="1"/>
           </p:cNvSpPr>
@@ -6301,48 +6558,178 @@
               <a:buNone/>
             </a:pPr>
             <a:r>
-              <a:rPr lang="ja-JP" altLang="ja-JP" dirty="0"/>
-              <a:t>Windowsの作業を自動化するツール</a:t>
-            </a:r>
-            <a:endParaRPr kumimoji="1" lang="en-US" altLang="ja-JP" dirty="0" smtClean="0"/>
-          </a:p>
-          <a:p>
-            <a:pPr marL="82296" indent="0">
-              <a:buNone/>
-            </a:pPr>
-            <a:endParaRPr lang="en-US" altLang="ja-JP" dirty="0" smtClean="0"/>
-          </a:p>
-          <a:p>
-            <a:pPr marL="82296" indent="0">
-              <a:buNone/>
-            </a:pPr>
-            <a:r>
-              <a:rPr lang="ja-JP" altLang="en-US" dirty="0" smtClean="0"/>
-              <a:t>フリー版、シェアウェア版の２種類存在</a:t>
-            </a:r>
-            <a:endParaRPr lang="en-US" altLang="ja-JP" dirty="0" smtClean="0"/>
-          </a:p>
-          <a:p>
-            <a:pPr marL="82296" indent="0">
-              <a:buNone/>
-            </a:pPr>
-            <a:endParaRPr lang="en-US" altLang="ja-JP" dirty="0"/>
-          </a:p>
-          <a:p>
-            <a:pPr marL="82296" indent="0">
-              <a:buNone/>
-            </a:pPr>
-            <a:r>
-              <a:rPr lang="en-US" altLang="ja-JP" dirty="0"/>
-              <a:t>http://www.uwsc.info/</a:t>
-            </a:r>
+              <a:rPr lang="en-US" altLang="ja-JP" dirty="0" smtClean="0">
+                <a:latin typeface="メイリオ" panose="020B0604030504040204" pitchFamily="50" charset="-128"/>
+                <a:ea typeface="メイリオ" panose="020B0604030504040204" pitchFamily="50" charset="-128"/>
+                <a:cs typeface="メイリオ" panose="020B0604030504040204" pitchFamily="50" charset="-128"/>
+              </a:rPr>
+              <a:t>HTML</a:t>
+            </a:r>
+            <a:r>
+              <a:rPr lang="ja-JP" altLang="en-US" dirty="0" smtClean="0">
+                <a:latin typeface="メイリオ" panose="020B0604030504040204" pitchFamily="50" charset="-128"/>
+                <a:ea typeface="メイリオ" panose="020B0604030504040204" pitchFamily="50" charset="-128"/>
+                <a:cs typeface="メイリオ" panose="020B0604030504040204" pitchFamily="50" charset="-128"/>
+              </a:rPr>
+              <a:t>とか</a:t>
+            </a:r>
+            <a:r>
+              <a:rPr lang="en-US" altLang="ja-JP" dirty="0" smtClean="0">
+                <a:latin typeface="メイリオ" panose="020B0604030504040204" pitchFamily="50" charset="-128"/>
+                <a:ea typeface="メイリオ" panose="020B0604030504040204" pitchFamily="50" charset="-128"/>
+                <a:cs typeface="メイリオ" panose="020B0604030504040204" pitchFamily="50" charset="-128"/>
+              </a:rPr>
+              <a:t>JavaScript</a:t>
+            </a:r>
+            <a:r>
+              <a:rPr lang="ja-JP" altLang="en-US" dirty="0" smtClean="0">
+                <a:latin typeface="メイリオ" panose="020B0604030504040204" pitchFamily="50" charset="-128"/>
+                <a:ea typeface="メイリオ" panose="020B0604030504040204" pitchFamily="50" charset="-128"/>
+                <a:cs typeface="メイリオ" panose="020B0604030504040204" pitchFamily="50" charset="-128"/>
+              </a:rPr>
+              <a:t>でアプリが作れるらしい？</a:t>
+            </a:r>
+            <a:endParaRPr lang="en-US" altLang="ja-JP" dirty="0">
+              <a:latin typeface="メイリオ" panose="020B0604030504040204" pitchFamily="50" charset="-128"/>
+              <a:ea typeface="メイリオ" panose="020B0604030504040204" pitchFamily="50" charset="-128"/>
+              <a:cs typeface="メイリオ" panose="020B0604030504040204" pitchFamily="50" charset="-128"/>
+            </a:endParaRPr>
+          </a:p>
+        </p:txBody>
+      </p:sp>
+      <p:pic>
+        <p:nvPicPr>
+          <p:cNvPr id="4" name="図 3"/>
+          <p:cNvPicPr>
+            <a:picLocks noChangeAspect="1"/>
+          </p:cNvPicPr>
+          <p:nvPr/>
+        </p:nvPicPr>
+        <p:blipFill>
+          <a:blip r:embed="rId2">
+            <a:extLst>
+              <a:ext uri="{28A0092B-C50C-407E-A947-70E740481C1C}">
+                <a14:useLocalDpi xmlns:a14="http://schemas.microsoft.com/office/drawing/2010/main" val="0"/>
+              </a:ext>
+            </a:extLst>
+          </a:blip>
+          <a:stretch>
+            <a:fillRect/>
+          </a:stretch>
+        </p:blipFill>
+        <p:spPr>
+          <a:xfrm>
+            <a:off x="243028" y="2343876"/>
+            <a:ext cx="4545682" cy="4545682"/>
+          </a:xfrm>
+          <a:prstGeom prst="rect">
+            <a:avLst/>
+          </a:prstGeom>
+        </p:spPr>
+      </p:pic>
+      <p:sp>
+        <p:nvSpPr>
+          <p:cNvPr id="5" name="雲形吹き出し 4"/>
+          <p:cNvSpPr/>
+          <p:nvPr/>
+        </p:nvSpPr>
+        <p:spPr>
+          <a:xfrm>
+            <a:off x="4788710" y="2653283"/>
+            <a:ext cx="4322518" cy="2736304"/>
+          </a:xfrm>
+          <a:prstGeom prst="cloudCallout">
+            <a:avLst>
+              <a:gd name="adj1" fmla="val -64870"/>
+              <a:gd name="adj2" fmla="val -2192"/>
+            </a:avLst>
+          </a:prstGeom>
+          <a:solidFill>
+            <a:schemeClr val="bg1">
+              <a:lumMod val="85000"/>
+            </a:schemeClr>
+          </a:solidFill>
+        </p:spPr>
+        <p:style>
+          <a:lnRef idx="2">
+            <a:schemeClr val="accent1">
+              <a:shade val="50000"/>
+            </a:schemeClr>
+          </a:lnRef>
+          <a:fillRef idx="1">
+            <a:schemeClr val="accent1"/>
+          </a:fillRef>
+          <a:effectRef idx="0">
+            <a:schemeClr val="accent1"/>
+          </a:effectRef>
+          <a:fontRef idx="minor">
+            <a:schemeClr val="lt1"/>
+          </a:fontRef>
+        </p:style>
+        <p:txBody>
+          <a:bodyPr rtlCol="0" anchor="ctr"/>
+          <a:lstStyle/>
+          <a:p>
+            <a:pPr algn="ctr"/>
+            <a:r>
+              <a:rPr kumimoji="1" lang="en-US" altLang="ja-JP" sz="2800" dirty="0" smtClean="0">
+                <a:solidFill>
+                  <a:schemeClr val="tx1"/>
+                </a:solidFill>
+                <a:latin typeface="メイリオ" panose="020B0604030504040204" pitchFamily="50" charset="-128"/>
+                <a:ea typeface="メイリオ" panose="020B0604030504040204" pitchFamily="50" charset="-128"/>
+                <a:cs typeface="メイリオ" panose="020B0604030504040204" pitchFamily="50" charset="-128"/>
+              </a:rPr>
+              <a:t>Monaca</a:t>
+            </a:r>
+            <a:r>
+              <a:rPr kumimoji="1" lang="ja-JP" altLang="en-US" sz="2800" dirty="0" smtClean="0">
+                <a:solidFill>
+                  <a:schemeClr val="tx1"/>
+                </a:solidFill>
+                <a:latin typeface="メイリオ" panose="020B0604030504040204" pitchFamily="50" charset="-128"/>
+                <a:ea typeface="メイリオ" panose="020B0604030504040204" pitchFamily="50" charset="-128"/>
+                <a:cs typeface="メイリオ" panose="020B0604030504040204" pitchFamily="50" charset="-128"/>
+              </a:rPr>
+              <a:t>とか</a:t>
+            </a:r>
+            <a:endParaRPr kumimoji="1" lang="en-US" altLang="ja-JP" sz="2800" dirty="0" smtClean="0">
+              <a:solidFill>
+                <a:schemeClr val="tx1"/>
+              </a:solidFill>
+              <a:latin typeface="メイリオ" panose="020B0604030504040204" pitchFamily="50" charset="-128"/>
+              <a:ea typeface="メイリオ" panose="020B0604030504040204" pitchFamily="50" charset="-128"/>
+              <a:cs typeface="メイリオ" panose="020B0604030504040204" pitchFamily="50" charset="-128"/>
+            </a:endParaRPr>
+          </a:p>
+          <a:p>
+            <a:pPr algn="ctr"/>
+            <a:r>
+              <a:rPr kumimoji="1" lang="ja-JP" altLang="en-US" sz="2800" dirty="0" smtClean="0">
+                <a:solidFill>
+                  <a:schemeClr val="tx1"/>
+                </a:solidFill>
+                <a:latin typeface="メイリオ" panose="020B0604030504040204" pitchFamily="50" charset="-128"/>
+                <a:ea typeface="メイリオ" panose="020B0604030504040204" pitchFamily="50" charset="-128"/>
+                <a:cs typeface="メイリオ" panose="020B0604030504040204" pitchFamily="50" charset="-128"/>
+              </a:rPr>
+              <a:t>いうのを触ってみよう！</a:t>
+            </a:r>
+            <a:endParaRPr kumimoji="1" lang="ja-JP" altLang="en-US" sz="2800" dirty="0">
+              <a:solidFill>
+                <a:schemeClr val="tx1"/>
+              </a:solidFill>
+              <a:latin typeface="メイリオ" panose="020B0604030504040204" pitchFamily="50" charset="-128"/>
+              <a:ea typeface="メイリオ" panose="020B0604030504040204" pitchFamily="50" charset="-128"/>
+              <a:cs typeface="メイリオ" panose="020B0604030504040204" pitchFamily="50" charset="-128"/>
+            </a:endParaRPr>
           </a:p>
         </p:txBody>
       </p:sp>
     </p:spTree>
     <p:extLst>
       <p:ext uri="{BB962C8B-B14F-4D97-AF65-F5344CB8AC3E}">
-        <p14:creationId xmlns:p14="http://schemas.microsoft.com/office/powerpoint/2010/main" val="3376307830"/>
+        <p14:creationId xmlns:p14="http://schemas.microsoft.com/office/powerpoint/2010/main" val="1293338094"/>
       </p:ext>
     </p:extLst>
   </p:cSld>
@@ -6392,18 +6779,26 @@
           <a:lstStyle/>
           <a:p>
             <a:r>
-              <a:rPr kumimoji="1" lang="en-US" altLang="ja-JP" dirty="0" smtClean="0"/>
+              <a:rPr kumimoji="1" lang="en-US" altLang="ja-JP" dirty="0" smtClean="0">
+                <a:latin typeface="メイリオ" panose="020B0604030504040204" pitchFamily="50" charset="-128"/>
+                <a:ea typeface="メイリオ" panose="020B0604030504040204" pitchFamily="50" charset="-128"/>
+                <a:cs typeface="メイリオ" panose="020B0604030504040204" pitchFamily="50" charset="-128"/>
+              </a:rPr>
               <a:t>Monaca</a:t>
             </a:r>
             <a:r>
-              <a:rPr kumimoji="1" lang="ja-JP" altLang="en-US" dirty="0" smtClean="0"/>
-              <a:t>と</a:t>
-            </a:r>
-            <a:r>
-              <a:rPr kumimoji="1" lang="ja-JP" altLang="en-US" dirty="0" smtClean="0"/>
-              <a:t>は？</a:t>
-            </a:r>
-            <a:endParaRPr kumimoji="1" lang="ja-JP" altLang="en-US" dirty="0"/>
+              <a:rPr kumimoji="1" lang="ja-JP" altLang="en-US" dirty="0" smtClean="0">
+                <a:latin typeface="メイリオ" panose="020B0604030504040204" pitchFamily="50" charset="-128"/>
+                <a:ea typeface="メイリオ" panose="020B0604030504040204" pitchFamily="50" charset="-128"/>
+                <a:cs typeface="メイリオ" panose="020B0604030504040204" pitchFamily="50" charset="-128"/>
+              </a:rPr>
+              <a:t>とは？</a:t>
+            </a:r>
+            <a:endParaRPr kumimoji="1" lang="ja-JP" altLang="en-US" dirty="0">
+              <a:latin typeface="メイリオ" panose="020B0604030504040204" pitchFamily="50" charset="-128"/>
+              <a:ea typeface="メイリオ" panose="020B0604030504040204" pitchFamily="50" charset="-128"/>
+              <a:cs typeface="メイリオ" panose="020B0604030504040204" pitchFamily="50" charset="-128"/>
+            </a:endParaRPr>
           </a:p>
         </p:txBody>
       </p:sp>
@@ -6420,7 +6815,7 @@
         <p:spPr>
           <a:xfrm>
             <a:off x="1115616" y="1124744"/>
-            <a:ext cx="7818072" cy="5544616"/>
+            <a:ext cx="7818072" cy="5733256"/>
           </a:xfrm>
         </p:spPr>
         <p:txBody>
@@ -6433,73 +6828,214 @@
               <a:buNone/>
             </a:pPr>
             <a:r>
-              <a:rPr lang="en-US" altLang="ja-JP" dirty="0"/>
+              <a:rPr lang="ja-JP" altLang="en-US" dirty="0" smtClean="0">
+                <a:latin typeface="メイリオ" panose="020B0604030504040204" pitchFamily="50" charset="-128"/>
+                <a:ea typeface="メイリオ" panose="020B0604030504040204" pitchFamily="50" charset="-128"/>
+                <a:cs typeface="メイリオ" panose="020B0604030504040204" pitchFamily="50" charset="-128"/>
+              </a:rPr>
+              <a:t>・</a:t>
+            </a:r>
+            <a:r>
+              <a:rPr lang="en-US" altLang="ja-JP" dirty="0" smtClean="0">
+                <a:latin typeface="メイリオ" panose="020B0604030504040204" pitchFamily="50" charset="-128"/>
+                <a:ea typeface="メイリオ" panose="020B0604030504040204" pitchFamily="50" charset="-128"/>
+                <a:cs typeface="メイリオ" panose="020B0604030504040204" pitchFamily="50" charset="-128"/>
+              </a:rPr>
               <a:t>HTML5</a:t>
             </a:r>
             <a:r>
-              <a:rPr lang="ja-JP" altLang="en-US" dirty="0"/>
-              <a:t>でモバイルアプリを開発するための</a:t>
-            </a:r>
-            <a:r>
-              <a:rPr lang="ja-JP" altLang="en-US" dirty="0" smtClean="0"/>
-              <a:t>ツール</a:t>
-            </a:r>
-            <a:endParaRPr lang="en-US" altLang="ja-JP" dirty="0" smtClean="0"/>
+              <a:rPr lang="ja-JP" altLang="en-US" dirty="0">
+                <a:latin typeface="メイリオ" panose="020B0604030504040204" pitchFamily="50" charset="-128"/>
+                <a:ea typeface="メイリオ" panose="020B0604030504040204" pitchFamily="50" charset="-128"/>
+                <a:cs typeface="メイリオ" panose="020B0604030504040204" pitchFamily="50" charset="-128"/>
+              </a:rPr>
+              <a:t>でモバイルアプリを開発</a:t>
+            </a:r>
+            <a:r>
+              <a:rPr lang="ja-JP" altLang="en-US" dirty="0" smtClean="0">
+                <a:latin typeface="メイリオ" panose="020B0604030504040204" pitchFamily="50" charset="-128"/>
+                <a:ea typeface="メイリオ" panose="020B0604030504040204" pitchFamily="50" charset="-128"/>
+                <a:cs typeface="メイリオ" panose="020B0604030504040204" pitchFamily="50" charset="-128"/>
+              </a:rPr>
+              <a:t>する</a:t>
+            </a:r>
+            <a:endParaRPr lang="en-US" altLang="ja-JP" dirty="0" smtClean="0">
+              <a:latin typeface="メイリオ" panose="020B0604030504040204" pitchFamily="50" charset="-128"/>
+              <a:ea typeface="メイリオ" panose="020B0604030504040204" pitchFamily="50" charset="-128"/>
+              <a:cs typeface="メイリオ" panose="020B0604030504040204" pitchFamily="50" charset="-128"/>
+            </a:endParaRPr>
           </a:p>
           <a:p>
             <a:pPr marL="82296" indent="0">
               <a:buNone/>
             </a:pPr>
-            <a:endParaRPr lang="en-US" altLang="ja-JP" dirty="0" smtClean="0"/>
+            <a:r>
+              <a:rPr lang="ja-JP" altLang="en-US" dirty="0" smtClean="0">
+                <a:latin typeface="メイリオ" panose="020B0604030504040204" pitchFamily="50" charset="-128"/>
+                <a:ea typeface="メイリオ" panose="020B0604030504040204" pitchFamily="50" charset="-128"/>
+                <a:cs typeface="メイリオ" panose="020B0604030504040204" pitchFamily="50" charset="-128"/>
+              </a:rPr>
+              <a:t>　ため</a:t>
+            </a:r>
+            <a:r>
+              <a:rPr lang="ja-JP" altLang="en-US" dirty="0">
+                <a:latin typeface="メイリオ" panose="020B0604030504040204" pitchFamily="50" charset="-128"/>
+                <a:ea typeface="メイリオ" panose="020B0604030504040204" pitchFamily="50" charset="-128"/>
+                <a:cs typeface="メイリオ" panose="020B0604030504040204" pitchFamily="50" charset="-128"/>
+              </a:rPr>
+              <a:t>の</a:t>
+            </a:r>
+            <a:r>
+              <a:rPr lang="ja-JP" altLang="en-US" dirty="0" smtClean="0">
+                <a:latin typeface="メイリオ" panose="020B0604030504040204" pitchFamily="50" charset="-128"/>
+                <a:ea typeface="メイリオ" panose="020B0604030504040204" pitchFamily="50" charset="-128"/>
+                <a:cs typeface="メイリオ" panose="020B0604030504040204" pitchFamily="50" charset="-128"/>
+              </a:rPr>
+              <a:t>ツール</a:t>
+            </a:r>
+            <a:endParaRPr lang="en-US" altLang="ja-JP" dirty="0" smtClean="0">
+              <a:latin typeface="メイリオ" panose="020B0604030504040204" pitchFamily="50" charset="-128"/>
+              <a:ea typeface="メイリオ" panose="020B0604030504040204" pitchFamily="50" charset="-128"/>
+              <a:cs typeface="メイリオ" panose="020B0604030504040204" pitchFamily="50" charset="-128"/>
+            </a:endParaRPr>
           </a:p>
           <a:p>
             <a:pPr marL="82296" indent="0">
               <a:buNone/>
             </a:pPr>
             <a:r>
-              <a:rPr lang="en-US" altLang="ja-JP" dirty="0" smtClean="0"/>
-              <a:t>Web</a:t>
-            </a:r>
-            <a:r>
-              <a:rPr lang="ja-JP" altLang="en-US" dirty="0" smtClean="0"/>
-              <a:t>ブラウザで動作する</a:t>
-            </a:r>
-            <a:r>
-              <a:rPr lang="en-US" altLang="ja-JP" dirty="0" smtClean="0"/>
-              <a:t>IDE</a:t>
-            </a:r>
-            <a:r>
-              <a:rPr lang="ja-JP" altLang="en-US" dirty="0" smtClean="0"/>
-              <a:t>あり</a:t>
-            </a:r>
-            <a:endParaRPr lang="en-US" altLang="ja-JP" dirty="0" smtClean="0"/>
+              <a:rPr lang="ja-JP" altLang="en-US" dirty="0" smtClean="0">
+                <a:latin typeface="メイリオ" panose="020B0604030504040204" pitchFamily="50" charset="-128"/>
+                <a:ea typeface="メイリオ" panose="020B0604030504040204" pitchFamily="50" charset="-128"/>
+                <a:cs typeface="メイリオ" panose="020B0604030504040204" pitchFamily="50" charset="-128"/>
+              </a:rPr>
+              <a:t>・基本的に無料</a:t>
+            </a:r>
+            <a:endParaRPr lang="en-US" altLang="ja-JP" dirty="0" smtClean="0">
+              <a:latin typeface="メイリオ" panose="020B0604030504040204" pitchFamily="50" charset="-128"/>
+              <a:ea typeface="メイリオ" panose="020B0604030504040204" pitchFamily="50" charset="-128"/>
+              <a:cs typeface="メイリオ" panose="020B0604030504040204" pitchFamily="50" charset="-128"/>
+            </a:endParaRPr>
           </a:p>
           <a:p>
             <a:pPr marL="82296" indent="0">
               <a:buNone/>
             </a:pPr>
-            <a:endParaRPr lang="en-US" altLang="ja-JP" dirty="0"/>
+            <a:r>
+              <a:rPr lang="ja-JP" altLang="en-US" dirty="0" smtClean="0">
+                <a:latin typeface="メイリオ" panose="020B0604030504040204" pitchFamily="50" charset="-128"/>
+                <a:ea typeface="メイリオ" panose="020B0604030504040204" pitchFamily="50" charset="-128"/>
+                <a:cs typeface="メイリオ" panose="020B0604030504040204" pitchFamily="50" charset="-128"/>
+              </a:rPr>
+              <a:t>・</a:t>
+            </a:r>
+            <a:r>
+              <a:rPr lang="en-US" altLang="ja-JP" dirty="0" smtClean="0">
+                <a:latin typeface="メイリオ" panose="020B0604030504040204" pitchFamily="50" charset="-128"/>
+                <a:ea typeface="メイリオ" panose="020B0604030504040204" pitchFamily="50" charset="-128"/>
+                <a:cs typeface="メイリオ" panose="020B0604030504040204" pitchFamily="50" charset="-128"/>
+              </a:rPr>
+              <a:t>Web</a:t>
+            </a:r>
+            <a:r>
+              <a:rPr lang="ja-JP" altLang="en-US" dirty="0" smtClean="0">
+                <a:latin typeface="メイリオ" panose="020B0604030504040204" pitchFamily="50" charset="-128"/>
+                <a:ea typeface="メイリオ" panose="020B0604030504040204" pitchFamily="50" charset="-128"/>
+                <a:cs typeface="メイリオ" panose="020B0604030504040204" pitchFamily="50" charset="-128"/>
+              </a:rPr>
+              <a:t>ブラウザで動作する</a:t>
+            </a:r>
+            <a:r>
+              <a:rPr lang="en-US" altLang="ja-JP" dirty="0" smtClean="0">
+                <a:latin typeface="メイリオ" panose="020B0604030504040204" pitchFamily="50" charset="-128"/>
+                <a:ea typeface="メイリオ" panose="020B0604030504040204" pitchFamily="50" charset="-128"/>
+                <a:cs typeface="メイリオ" panose="020B0604030504040204" pitchFamily="50" charset="-128"/>
+              </a:rPr>
+              <a:t>IDE</a:t>
+            </a:r>
+            <a:r>
+              <a:rPr lang="ja-JP" altLang="en-US" dirty="0" smtClean="0">
+                <a:latin typeface="メイリオ" panose="020B0604030504040204" pitchFamily="50" charset="-128"/>
+                <a:ea typeface="メイリオ" panose="020B0604030504040204" pitchFamily="50" charset="-128"/>
+                <a:cs typeface="メイリオ" panose="020B0604030504040204" pitchFamily="50" charset="-128"/>
+              </a:rPr>
+              <a:t>あり</a:t>
+            </a:r>
+            <a:endParaRPr lang="en-US" altLang="ja-JP" dirty="0" smtClean="0">
+              <a:latin typeface="メイリオ" panose="020B0604030504040204" pitchFamily="50" charset="-128"/>
+              <a:ea typeface="メイリオ" panose="020B0604030504040204" pitchFamily="50" charset="-128"/>
+              <a:cs typeface="メイリオ" panose="020B0604030504040204" pitchFamily="50" charset="-128"/>
+            </a:endParaRPr>
           </a:p>
           <a:p>
             <a:pPr marL="82296" indent="0">
               <a:buNone/>
             </a:pPr>
-            <a:endParaRPr lang="en-US" altLang="ja-JP" smtClean="0"/>
+            <a:r>
+              <a:rPr lang="ja-JP" altLang="en-US" dirty="0" smtClean="0">
+                <a:latin typeface="メイリオ" panose="020B0604030504040204" pitchFamily="50" charset="-128"/>
+                <a:ea typeface="メイリオ" panose="020B0604030504040204" pitchFamily="50" charset="-128"/>
+                <a:cs typeface="メイリオ" panose="020B0604030504040204" pitchFamily="50" charset="-128"/>
+              </a:rPr>
+              <a:t>・実機デバッグ用アプリあり</a:t>
+            </a:r>
+            <a:endParaRPr lang="en-US" altLang="ja-JP" dirty="0">
+              <a:latin typeface="メイリオ" panose="020B0604030504040204" pitchFamily="50" charset="-128"/>
+              <a:ea typeface="メイリオ" panose="020B0604030504040204" pitchFamily="50" charset="-128"/>
+              <a:cs typeface="メイリオ" panose="020B0604030504040204" pitchFamily="50" charset="-128"/>
+            </a:endParaRPr>
           </a:p>
           <a:p>
             <a:pPr marL="82296" indent="0">
               <a:buNone/>
             </a:pPr>
-            <a:endParaRPr lang="en-US" altLang="ja-JP" dirty="0"/>
+            <a:r>
+              <a:rPr lang="ja-JP" altLang="en-US" dirty="0" smtClean="0">
+                <a:solidFill>
+                  <a:srgbClr val="FF0000"/>
+                </a:solidFill>
+                <a:latin typeface="メイリオ" panose="020B0604030504040204" pitchFamily="50" charset="-128"/>
+                <a:ea typeface="メイリオ" panose="020B0604030504040204" pitchFamily="50" charset="-128"/>
+                <a:cs typeface="メイリオ" panose="020B0604030504040204" pitchFamily="50" charset="-128"/>
+              </a:rPr>
+              <a:t>・日本製</a:t>
+            </a:r>
+            <a:endParaRPr lang="en-US" altLang="ja-JP" dirty="0" smtClean="0">
+              <a:solidFill>
+                <a:srgbClr val="FF0000"/>
+              </a:solidFill>
+              <a:latin typeface="メイリオ" panose="020B0604030504040204" pitchFamily="50" charset="-128"/>
+              <a:ea typeface="メイリオ" panose="020B0604030504040204" pitchFamily="50" charset="-128"/>
+              <a:cs typeface="メイリオ" panose="020B0604030504040204" pitchFamily="50" charset="-128"/>
+            </a:endParaRPr>
           </a:p>
           <a:p>
             <a:pPr marL="82296" indent="0">
               <a:buNone/>
             </a:pPr>
-            <a:r>
-              <a:rPr lang="en-US" altLang="ja-JP" dirty="0"/>
-              <a:t>http://www.uwsc.info/</a:t>
-            </a:r>
+            <a:endParaRPr lang="en-US" altLang="ja-JP" dirty="0">
+              <a:latin typeface="メイリオ" panose="020B0604030504040204" pitchFamily="50" charset="-128"/>
+              <a:ea typeface="メイリオ" panose="020B0604030504040204" pitchFamily="50" charset="-128"/>
+              <a:cs typeface="メイリオ" panose="020B0604030504040204" pitchFamily="50" charset="-128"/>
+            </a:endParaRPr>
+          </a:p>
+          <a:p>
+            <a:pPr marL="82296" indent="0">
+              <a:buNone/>
+            </a:pPr>
+            <a:r>
+              <a:rPr lang="en-US" altLang="ja-JP" dirty="0">
+                <a:latin typeface="メイリオ" panose="020B0604030504040204" pitchFamily="50" charset="-128"/>
+                <a:ea typeface="メイリオ" panose="020B0604030504040204" pitchFamily="50" charset="-128"/>
+                <a:cs typeface="メイリオ" panose="020B0604030504040204" pitchFamily="50" charset="-128"/>
+              </a:rPr>
+              <a:t>http://monaca.mobi/ja/</a:t>
+            </a:r>
+            <a:endParaRPr lang="en-US" altLang="ja-JP" dirty="0">
+              <a:latin typeface="メイリオ" panose="020B0604030504040204" pitchFamily="50" charset="-128"/>
+              <a:ea typeface="メイリオ" panose="020B0604030504040204" pitchFamily="50" charset="-128"/>
+              <a:cs typeface="メイリオ" panose="020B0604030504040204" pitchFamily="50" charset="-128"/>
+            </a:endParaRPr>
           </a:p>
         </p:txBody>
       </p:sp>
@@ -6552,180 +7088,245 @@
         </p:nvSpPr>
         <p:spPr/>
         <p:txBody>
+          <a:bodyPr/>
+          <a:lstStyle/>
+          <a:p>
+            <a:r>
+              <a:rPr lang="ja-JP" altLang="en-US" dirty="0" smtClean="0">
+                <a:latin typeface="メイリオ" panose="020B0604030504040204" pitchFamily="50" charset="-128"/>
+                <a:ea typeface="メイリオ" panose="020B0604030504040204" pitchFamily="50" charset="-128"/>
+                <a:cs typeface="メイリオ" panose="020B0604030504040204" pitchFamily="50" charset="-128"/>
+              </a:rPr>
+              <a:t>環境</a:t>
+            </a:r>
+            <a:r>
+              <a:rPr lang="ja-JP" altLang="en-US" dirty="0">
+                <a:latin typeface="メイリオ" panose="020B0604030504040204" pitchFamily="50" charset="-128"/>
+                <a:ea typeface="メイリオ" panose="020B0604030504040204" pitchFamily="50" charset="-128"/>
+                <a:cs typeface="メイリオ" panose="020B0604030504040204" pitchFamily="50" charset="-128"/>
+              </a:rPr>
+              <a:t>準備</a:t>
+            </a:r>
+            <a:endParaRPr kumimoji="1" lang="ja-JP" altLang="en-US" dirty="0">
+              <a:latin typeface="メイリオ" panose="020B0604030504040204" pitchFamily="50" charset="-128"/>
+              <a:ea typeface="メイリオ" panose="020B0604030504040204" pitchFamily="50" charset="-128"/>
+              <a:cs typeface="メイリオ" panose="020B0604030504040204" pitchFamily="50" charset="-128"/>
+            </a:endParaRPr>
+          </a:p>
+        </p:txBody>
+      </p:sp>
+      <p:sp>
+        <p:nvSpPr>
+          <p:cNvPr id="3" name="コンテンツ プレースホルダー 2"/>
+          <p:cNvSpPr>
+            <a:spLocks noGrp="1"/>
+          </p:cNvSpPr>
+          <p:nvPr>
+            <p:ph idx="1"/>
+          </p:nvPr>
+        </p:nvSpPr>
+        <p:spPr>
+          <a:xfrm>
+            <a:off x="1115616" y="1124744"/>
+            <a:ext cx="7818072" cy="5544616"/>
+          </a:xfrm>
+        </p:spPr>
+        <p:txBody>
           <a:bodyPr>
             <a:normAutofit/>
           </a:bodyPr>
           <a:lstStyle/>
           <a:p>
-            <a:r>
-              <a:rPr kumimoji="1" lang="ja-JP" altLang="en-US" dirty="0" smtClean="0"/>
-              <a:t>公式トップより</a:t>
-            </a:r>
-            <a:endParaRPr kumimoji="1" lang="ja-JP" altLang="en-US" dirty="0"/>
-          </a:p>
-        </p:txBody>
-      </p:sp>
-      <p:sp>
-        <p:nvSpPr>
-          <p:cNvPr id="3" name="コンテンツ プレースホルダー 2"/>
-          <p:cNvSpPr>
-            <a:spLocks noGrp="1"/>
-          </p:cNvSpPr>
-          <p:nvPr>
-            <p:ph idx="1"/>
-          </p:nvPr>
-        </p:nvSpPr>
-        <p:spPr>
-          <a:xfrm>
-            <a:off x="1259632" y="1124744"/>
-            <a:ext cx="7674056" cy="5328592"/>
-          </a:xfrm>
-        </p:spPr>
-        <p:txBody>
-          <a:bodyPr>
-            <a:normAutofit fontScale="85000" lnSpcReduction="20000"/>
-          </a:bodyPr>
-          <a:lstStyle/>
-          <a:p>
-            <a:pPr marL="82296" indent="0">
+            <a:pPr marL="82296" indent="0" algn="ctr">
               <a:buNone/>
             </a:pPr>
             <a:r>
-              <a:rPr lang="ja-JP" altLang="en-US" dirty="0"/>
-              <a:t>「機能」</a:t>
-            </a:r>
-            <a:br>
-              <a:rPr lang="ja-JP" altLang="en-US" dirty="0"/>
-            </a:br>
-            <a:r>
-              <a:rPr lang="ja-JP" altLang="en-US" dirty="0" smtClean="0"/>
-              <a:t>・ </a:t>
-            </a:r>
-            <a:r>
-              <a:rPr lang="ja-JP" altLang="en-US" dirty="0"/>
-              <a:t>マウスとキーボード入力を記録して再生する事ができます</a:t>
-            </a:r>
-            <a:r>
-              <a:rPr lang="ja-JP" altLang="en-US" dirty="0" smtClean="0"/>
-              <a:t>。（</a:t>
-            </a:r>
-            <a:r>
-              <a:rPr lang="ja-JP" altLang="en-US" dirty="0"/>
-              <a:t>スクリプト形式ですので自由に編集する事ができます）</a:t>
-            </a:r>
-            <a:br>
-              <a:rPr lang="ja-JP" altLang="en-US" dirty="0"/>
-            </a:br>
-            <a:endParaRPr lang="en-US" altLang="ja-JP" dirty="0" smtClean="0"/>
-          </a:p>
-          <a:p>
-            <a:pPr marL="82296" indent="0">
+              <a:rPr lang="ja-JP" altLang="en-US" dirty="0" smtClean="0">
+                <a:latin typeface="メイリオ" panose="020B0604030504040204" pitchFamily="50" charset="-128"/>
+                <a:ea typeface="メイリオ" panose="020B0604030504040204" pitchFamily="50" charset="-128"/>
+                <a:cs typeface="メイリオ" panose="020B0604030504040204" pitchFamily="50" charset="-128"/>
+              </a:rPr>
+              <a:t>アカウントの登録</a:t>
+            </a:r>
+            <a:endParaRPr lang="en-US" altLang="ja-JP" dirty="0" smtClean="0">
+              <a:latin typeface="メイリオ" panose="020B0604030504040204" pitchFamily="50" charset="-128"/>
+              <a:ea typeface="メイリオ" panose="020B0604030504040204" pitchFamily="50" charset="-128"/>
+              <a:cs typeface="メイリオ" panose="020B0604030504040204" pitchFamily="50" charset="-128"/>
+            </a:endParaRPr>
+          </a:p>
+          <a:p>
+            <a:pPr marL="82296" indent="0" algn="ctr">
               <a:buNone/>
             </a:pPr>
             <a:r>
-              <a:rPr lang="ja-JP" altLang="en-US" dirty="0" smtClean="0"/>
-              <a:t>・ </a:t>
-            </a:r>
-            <a:r>
-              <a:rPr lang="ja-JP" altLang="en-US" dirty="0"/>
-              <a:t>強力なスクリプト言語によりアプリの操作ができます</a:t>
-            </a:r>
-            <a:r>
-              <a:rPr lang="ja-JP" altLang="en-US" dirty="0" smtClean="0"/>
-              <a:t>。（</a:t>
-            </a:r>
-            <a:r>
-              <a:rPr lang="en-US" altLang="ja-JP" dirty="0"/>
-              <a:t>COM</a:t>
-            </a:r>
-            <a:r>
-              <a:rPr lang="ja-JP" altLang="en-US" dirty="0"/>
-              <a:t>オブジェクト、</a:t>
-            </a:r>
-            <a:r>
-              <a:rPr lang="en-US" altLang="ja-JP" dirty="0"/>
-              <a:t>DLL</a:t>
-            </a:r>
-            <a:r>
-              <a:rPr lang="ja-JP" altLang="en-US" dirty="0"/>
-              <a:t>の利用も可能です</a:t>
-            </a:r>
-            <a:r>
-              <a:rPr lang="ja-JP" altLang="en-US" dirty="0" smtClean="0"/>
-              <a:t>）</a:t>
-            </a:r>
-            <a:endParaRPr lang="en-US" altLang="ja-JP" dirty="0" smtClean="0"/>
-          </a:p>
-          <a:p>
-            <a:pPr marL="82296" indent="0">
+              <a:rPr lang="en-US" altLang="ja-JP" dirty="0" smtClean="0">
+                <a:latin typeface="メイリオ" panose="020B0604030504040204" pitchFamily="50" charset="-128"/>
+                <a:ea typeface="メイリオ" panose="020B0604030504040204" pitchFamily="50" charset="-128"/>
+                <a:cs typeface="メイリオ" panose="020B0604030504040204" pitchFamily="50" charset="-128"/>
+              </a:rPr>
+              <a:t>(</a:t>
+            </a:r>
+            <a:r>
+              <a:rPr lang="ja-JP" altLang="en-US" dirty="0" smtClean="0">
+                <a:latin typeface="メイリオ" panose="020B0604030504040204" pitchFamily="50" charset="-128"/>
+                <a:ea typeface="メイリオ" panose="020B0604030504040204" pitchFamily="50" charset="-128"/>
+                <a:cs typeface="メイリオ" panose="020B0604030504040204" pitchFamily="50" charset="-128"/>
+              </a:rPr>
+              <a:t>推奨：</a:t>
+            </a:r>
+            <a:r>
+              <a:rPr lang="en-US" altLang="ja-JP" dirty="0" smtClean="0">
+                <a:latin typeface="メイリオ" panose="020B0604030504040204" pitchFamily="50" charset="-128"/>
+                <a:ea typeface="メイリオ" panose="020B0604030504040204" pitchFamily="50" charset="-128"/>
+                <a:cs typeface="メイリオ" panose="020B0604030504040204" pitchFamily="50" charset="-128"/>
+              </a:rPr>
+              <a:t>Chrome</a:t>
+            </a:r>
+            <a:r>
+              <a:rPr lang="ja-JP" altLang="en-US" dirty="0" smtClean="0">
+                <a:latin typeface="メイリオ" panose="020B0604030504040204" pitchFamily="50" charset="-128"/>
+                <a:ea typeface="メイリオ" panose="020B0604030504040204" pitchFamily="50" charset="-128"/>
+                <a:cs typeface="メイリオ" panose="020B0604030504040204" pitchFamily="50" charset="-128"/>
+              </a:rPr>
+              <a:t>か</a:t>
+            </a:r>
+            <a:r>
+              <a:rPr lang="en-US" altLang="ja-JP" dirty="0" smtClean="0">
+                <a:latin typeface="メイリオ" panose="020B0604030504040204" pitchFamily="50" charset="-128"/>
+                <a:ea typeface="メイリオ" panose="020B0604030504040204" pitchFamily="50" charset="-128"/>
+                <a:cs typeface="メイリオ" panose="020B0604030504040204" pitchFamily="50" charset="-128"/>
+              </a:rPr>
+              <a:t>Safari)</a:t>
+            </a:r>
+            <a:endParaRPr lang="en-US" altLang="ja-JP" dirty="0" smtClean="0">
+              <a:latin typeface="メイリオ" panose="020B0604030504040204" pitchFamily="50" charset="-128"/>
+              <a:ea typeface="メイリオ" panose="020B0604030504040204" pitchFamily="50" charset="-128"/>
+              <a:cs typeface="メイリオ" panose="020B0604030504040204" pitchFamily="50" charset="-128"/>
+            </a:endParaRPr>
+          </a:p>
+          <a:p>
+            <a:pPr marL="82296" indent="0" algn="ctr">
               <a:buNone/>
             </a:pPr>
             <a:r>
-              <a:rPr lang="ja-JP" altLang="en-US" dirty="0"/>
-              <a:t/>
-            </a:r>
-            <a:br>
-              <a:rPr lang="ja-JP" altLang="en-US" dirty="0"/>
-            </a:br>
-            <a:r>
-              <a:rPr lang="ja-JP" altLang="en-US" dirty="0" smtClean="0"/>
-              <a:t>・ </a:t>
-            </a:r>
-            <a:r>
-              <a:rPr lang="ja-JP" altLang="en-US" dirty="0"/>
-              <a:t>スケジュール機能により指定時間や指定ウィンドウが現れた時などの指定ができます。</a:t>
-            </a:r>
-            <a:br>
-              <a:rPr lang="ja-JP" altLang="en-US" dirty="0"/>
-            </a:br>
-            <a:endParaRPr lang="en-US" altLang="ja-JP" dirty="0" smtClean="0"/>
-          </a:p>
-          <a:p>
-            <a:pPr marL="82296" indent="0">
+              <a:rPr lang="ja-JP" altLang="en-US" dirty="0" smtClean="0">
+                <a:latin typeface="メイリオ" panose="020B0604030504040204" pitchFamily="50" charset="-128"/>
+                <a:ea typeface="メイリオ" panose="020B0604030504040204" pitchFamily="50" charset="-128"/>
+                <a:cs typeface="メイリオ" panose="020B0604030504040204" pitchFamily="50" charset="-128"/>
+              </a:rPr>
+              <a:t>↓</a:t>
+            </a:r>
+            <a:endParaRPr lang="en-US" altLang="ja-JP" dirty="0" smtClean="0">
+              <a:latin typeface="メイリオ" panose="020B0604030504040204" pitchFamily="50" charset="-128"/>
+              <a:ea typeface="メイリオ" panose="020B0604030504040204" pitchFamily="50" charset="-128"/>
+              <a:cs typeface="メイリオ" panose="020B0604030504040204" pitchFamily="50" charset="-128"/>
+            </a:endParaRPr>
+          </a:p>
+          <a:p>
+            <a:pPr marL="82296" indent="0" algn="ctr">
               <a:buNone/>
             </a:pPr>
             <a:r>
-              <a:rPr lang="ja-JP" altLang="en-US" dirty="0"/>
-              <a:t/>
-            </a:r>
-            <a:br>
-              <a:rPr lang="ja-JP" altLang="en-US" dirty="0"/>
-            </a:br>
-            <a:r>
-              <a:rPr lang="ja-JP" altLang="en-US" dirty="0"/>
-              <a:t>「動作環境」</a:t>
-            </a:r>
-            <a:br>
-              <a:rPr lang="ja-JP" altLang="en-US" dirty="0"/>
-            </a:br>
-            <a:r>
-              <a:rPr lang="ja-JP" altLang="en-US" dirty="0"/>
-              <a:t>　</a:t>
-            </a:r>
-            <a:r>
-              <a:rPr lang="en-US" altLang="ja-JP" dirty="0"/>
-              <a:t>Windows</a:t>
-            </a:r>
-            <a:r>
-              <a:rPr lang="ja-JP" altLang="en-US" dirty="0"/>
-              <a:t>　</a:t>
-            </a:r>
-            <a:r>
-              <a:rPr lang="en-US" altLang="ja-JP" dirty="0"/>
-              <a:t>XP / Vista / 7 / </a:t>
-            </a:r>
-            <a:r>
-              <a:rPr lang="en-US" altLang="ja-JP" dirty="0" smtClean="0"/>
-              <a:t>8</a:t>
-            </a:r>
-            <a:endParaRPr kumimoji="1" lang="en-US" altLang="ja-JP" dirty="0" smtClean="0"/>
+              <a:rPr lang="ja-JP" altLang="en-US" dirty="0" smtClean="0">
+                <a:latin typeface="メイリオ" panose="020B0604030504040204" pitchFamily="50" charset="-128"/>
+                <a:ea typeface="メイリオ" panose="020B0604030504040204" pitchFamily="50" charset="-128"/>
+                <a:cs typeface="メイリオ" panose="020B0604030504040204" pitchFamily="50" charset="-128"/>
+              </a:rPr>
+              <a:t>専用デバッグツールのインストール</a:t>
+            </a:r>
+            <a:endParaRPr lang="en-US" altLang="ja-JP" dirty="0" smtClean="0">
+              <a:latin typeface="メイリオ" panose="020B0604030504040204" pitchFamily="50" charset="-128"/>
+              <a:ea typeface="メイリオ" panose="020B0604030504040204" pitchFamily="50" charset="-128"/>
+              <a:cs typeface="メイリオ" panose="020B0604030504040204" pitchFamily="50" charset="-128"/>
+            </a:endParaRPr>
+          </a:p>
+          <a:p>
+            <a:pPr marL="82296" indent="0" algn="ctr">
+              <a:buNone/>
+            </a:pPr>
+            <a:r>
+              <a:rPr lang="en-US" altLang="ja-JP" dirty="0" smtClean="0">
+                <a:latin typeface="メイリオ" panose="020B0604030504040204" pitchFamily="50" charset="-128"/>
+                <a:ea typeface="メイリオ" panose="020B0604030504040204" pitchFamily="50" charset="-128"/>
+                <a:cs typeface="メイリオ" panose="020B0604030504040204" pitchFamily="50" charset="-128"/>
+              </a:rPr>
+              <a:t>(App</a:t>
+            </a:r>
+            <a:r>
+              <a:rPr lang="ja-JP" altLang="en-US" dirty="0">
+                <a:latin typeface="メイリオ" panose="020B0604030504040204" pitchFamily="50" charset="-128"/>
+                <a:ea typeface="メイリオ" panose="020B0604030504040204" pitchFamily="50" charset="-128"/>
+                <a:cs typeface="メイリオ" panose="020B0604030504040204" pitchFamily="50" charset="-128"/>
+              </a:rPr>
+              <a:t> </a:t>
+            </a:r>
+            <a:r>
+              <a:rPr lang="en-US" altLang="ja-JP" dirty="0" smtClean="0">
+                <a:latin typeface="メイリオ" panose="020B0604030504040204" pitchFamily="50" charset="-128"/>
+                <a:ea typeface="メイリオ" panose="020B0604030504040204" pitchFamily="50" charset="-128"/>
+                <a:cs typeface="メイリオ" panose="020B0604030504040204" pitchFamily="50" charset="-128"/>
+              </a:rPr>
+              <a:t>Store/Google Play</a:t>
+            </a:r>
+            <a:r>
+              <a:rPr lang="ja-JP" altLang="en-US" dirty="0" smtClean="0">
+                <a:latin typeface="メイリオ" panose="020B0604030504040204" pitchFamily="50" charset="-128"/>
+                <a:ea typeface="メイリオ" panose="020B0604030504040204" pitchFamily="50" charset="-128"/>
+                <a:cs typeface="メイリオ" panose="020B0604030504040204" pitchFamily="50" charset="-128"/>
+              </a:rPr>
+              <a:t>より</a:t>
+            </a:r>
+            <a:r>
+              <a:rPr lang="en-US" altLang="ja-JP" dirty="0" smtClean="0">
+                <a:latin typeface="メイリオ" panose="020B0604030504040204" pitchFamily="50" charset="-128"/>
+                <a:ea typeface="メイリオ" panose="020B0604030504040204" pitchFamily="50" charset="-128"/>
+                <a:cs typeface="メイリオ" panose="020B0604030504040204" pitchFamily="50" charset="-128"/>
+              </a:rPr>
+              <a:t>)</a:t>
+            </a:r>
+          </a:p>
+          <a:p>
+            <a:pPr marL="82296" indent="0" algn="ctr">
+              <a:buNone/>
+            </a:pPr>
+            <a:r>
+              <a:rPr lang="ja-JP" altLang="en-US" dirty="0" smtClean="0">
+                <a:latin typeface="メイリオ" panose="020B0604030504040204" pitchFamily="50" charset="-128"/>
+                <a:ea typeface="メイリオ" panose="020B0604030504040204" pitchFamily="50" charset="-128"/>
+                <a:cs typeface="メイリオ" panose="020B0604030504040204" pitchFamily="50" charset="-128"/>
+              </a:rPr>
+              <a:t>↓</a:t>
+            </a:r>
+            <a:endParaRPr lang="en-US" altLang="ja-JP" dirty="0" smtClean="0">
+              <a:latin typeface="メイリオ" panose="020B0604030504040204" pitchFamily="50" charset="-128"/>
+              <a:ea typeface="メイリオ" panose="020B0604030504040204" pitchFamily="50" charset="-128"/>
+              <a:cs typeface="メイリオ" panose="020B0604030504040204" pitchFamily="50" charset="-128"/>
+            </a:endParaRPr>
+          </a:p>
+          <a:p>
+            <a:pPr marL="82296" indent="0" algn="ctr">
+              <a:buNone/>
+            </a:pPr>
+            <a:r>
+              <a:rPr lang="ja-JP" altLang="en-US" dirty="0" smtClean="0">
+                <a:latin typeface="メイリオ" panose="020B0604030504040204" pitchFamily="50" charset="-128"/>
+                <a:ea typeface="メイリオ" panose="020B0604030504040204" pitchFamily="50" charset="-128"/>
+                <a:cs typeface="メイリオ" panose="020B0604030504040204" pitchFamily="50" charset="-128"/>
+              </a:rPr>
+              <a:t>ログイン</a:t>
+            </a:r>
+            <a:endParaRPr lang="en-US" altLang="ja-JP" dirty="0" smtClean="0">
+              <a:latin typeface="メイリオ" panose="020B0604030504040204" pitchFamily="50" charset="-128"/>
+              <a:ea typeface="メイリオ" panose="020B0604030504040204" pitchFamily="50" charset="-128"/>
+              <a:cs typeface="メイリオ" panose="020B0604030504040204" pitchFamily="50" charset="-128"/>
+            </a:endParaRPr>
           </a:p>
         </p:txBody>
       </p:sp>
     </p:spTree>
     <p:extLst>
       <p:ext uri="{BB962C8B-B14F-4D97-AF65-F5344CB8AC3E}">
-        <p14:creationId xmlns:p14="http://schemas.microsoft.com/office/powerpoint/2010/main" val="878443423"/>
+        <p14:creationId xmlns:p14="http://schemas.microsoft.com/office/powerpoint/2010/main" val="4015032478"/>
       </p:ext>
     </p:extLst>
   </p:cSld>
@@ -6771,140 +7372,60 @@
         </p:nvSpPr>
         <p:spPr/>
         <p:txBody>
-          <a:bodyPr/>
-          <a:lstStyle/>
-          <a:p>
-            <a:r>
-              <a:rPr kumimoji="1" lang="ja-JP" altLang="en-US" dirty="0" smtClean="0"/>
-              <a:t>まず使ってみる</a:t>
-            </a:r>
-            <a:endParaRPr kumimoji="1" lang="ja-JP" altLang="en-US" dirty="0"/>
-          </a:p>
-        </p:txBody>
-      </p:sp>
-      <p:sp>
-        <p:nvSpPr>
-          <p:cNvPr id="3" name="コンテンツ プレースホルダー 2"/>
-          <p:cNvSpPr>
-            <a:spLocks noGrp="1"/>
-          </p:cNvSpPr>
-          <p:nvPr>
-            <p:ph idx="1"/>
-          </p:nvPr>
-        </p:nvSpPr>
-        <p:spPr>
-          <a:xfrm>
-            <a:off x="899592" y="1447800"/>
-            <a:ext cx="8136904" cy="4069432"/>
-          </a:xfrm>
-        </p:spPr>
-        <p:txBody>
           <a:bodyPr>
             <a:normAutofit/>
           </a:bodyPr>
           <a:lstStyle/>
           <a:p>
-            <a:pPr marL="82296" indent="0">
-              <a:buNone/>
-            </a:pPr>
-            <a:r>
-              <a:rPr kumimoji="1" lang="ja-JP" altLang="en-US" dirty="0" smtClean="0"/>
-              <a:t>とりあえず記録→再生するだけでも</a:t>
-            </a:r>
-            <a:endParaRPr kumimoji="1" lang="en-US" altLang="ja-JP" dirty="0" smtClean="0"/>
-          </a:p>
-          <a:p>
-            <a:pPr marL="82296" indent="0">
-              <a:buNone/>
-            </a:pPr>
-            <a:r>
-              <a:rPr kumimoji="1" lang="ja-JP" altLang="en-US" dirty="0" smtClean="0"/>
-              <a:t>結構それらしくなります。</a:t>
-            </a:r>
-            <a:endParaRPr kumimoji="1" lang="en-US" altLang="ja-JP" dirty="0" smtClean="0"/>
-          </a:p>
-          <a:p>
-            <a:pPr marL="82296" indent="0">
-              <a:buNone/>
-            </a:pPr>
-            <a:endParaRPr lang="en-US" altLang="ja-JP" dirty="0"/>
-          </a:p>
+            <a:r>
+              <a:rPr kumimoji="1" lang="ja-JP" altLang="en-US" dirty="0" smtClean="0">
+                <a:latin typeface="メイリオ" panose="020B0604030504040204" pitchFamily="50" charset="-128"/>
+                <a:ea typeface="メイリオ" panose="020B0604030504040204" pitchFamily="50" charset="-128"/>
+                <a:cs typeface="メイリオ" panose="020B0604030504040204" pitchFamily="50" charset="-128"/>
+              </a:rPr>
+              <a:t>使ってみよう</a:t>
+            </a:r>
+            <a:endParaRPr kumimoji="1" lang="ja-JP" altLang="en-US" dirty="0">
+              <a:latin typeface="メイリオ" panose="020B0604030504040204" pitchFamily="50" charset="-128"/>
+              <a:ea typeface="メイリオ" panose="020B0604030504040204" pitchFamily="50" charset="-128"/>
+              <a:cs typeface="メイリオ" panose="020B0604030504040204" pitchFamily="50" charset="-128"/>
+            </a:endParaRPr>
+          </a:p>
+        </p:txBody>
+      </p:sp>
+      <p:sp>
+        <p:nvSpPr>
+          <p:cNvPr id="3" name="コンテンツ プレースホルダー 2"/>
+          <p:cNvSpPr>
+            <a:spLocks noGrp="1"/>
+          </p:cNvSpPr>
+          <p:nvPr>
+            <p:ph idx="1"/>
+          </p:nvPr>
+        </p:nvSpPr>
+        <p:spPr>
+          <a:xfrm>
+            <a:off x="1259632" y="1124744"/>
+            <a:ext cx="7674056" cy="5328592"/>
+          </a:xfrm>
+        </p:spPr>
+        <p:txBody>
+          <a:bodyPr>
+            <a:normAutofit/>
+          </a:bodyPr>
+          <a:lstStyle/>
           <a:p>
             <a:pPr marL="82296" indent="0">
               <a:buNone/>
             </a:pPr>
             <a:endParaRPr kumimoji="1" lang="en-US" altLang="ja-JP" dirty="0" smtClean="0"/>
           </a:p>
-          <a:p>
-            <a:pPr marL="82296" indent="0">
-              <a:buNone/>
-            </a:pPr>
-            <a:r>
-              <a:rPr kumimoji="1" lang="ja-JP" altLang="en-US" dirty="0" smtClean="0"/>
-              <a:t>記録してできたスクリプトの中身を読んで</a:t>
-            </a:r>
-            <a:endParaRPr kumimoji="1" lang="en-US" altLang="ja-JP" dirty="0" smtClean="0"/>
-          </a:p>
-          <a:p>
-            <a:pPr marL="82296" indent="0">
-              <a:buNone/>
-            </a:pPr>
-            <a:r>
-              <a:rPr lang="ja-JP" altLang="en-US" dirty="0"/>
-              <a:t>いじくってみる</a:t>
-            </a:r>
-            <a:r>
-              <a:rPr lang="ja-JP" altLang="en-US" dirty="0" smtClean="0"/>
-              <a:t>と面白い感じに。</a:t>
-            </a:r>
-            <a:endParaRPr kumimoji="1" lang="en-US" altLang="ja-JP" dirty="0" smtClean="0"/>
-          </a:p>
-        </p:txBody>
-      </p:sp>
-      <p:sp>
-        <p:nvSpPr>
-          <p:cNvPr id="6" name="下矢印 5"/>
-          <p:cNvSpPr/>
-          <p:nvPr/>
-        </p:nvSpPr>
-        <p:spPr>
-          <a:xfrm>
-            <a:off x="4211960" y="2827106"/>
-            <a:ext cx="936104" cy="720080"/>
-          </a:xfrm>
-          <a:prstGeom prst="downArrow">
-            <a:avLst/>
-          </a:prstGeom>
-        </p:spPr>
-        <p:style>
-          <a:lnRef idx="2">
-            <a:schemeClr val="accent1">
-              <a:shade val="50000"/>
-            </a:schemeClr>
-          </a:lnRef>
-          <a:fillRef idx="1">
-            <a:schemeClr val="accent1"/>
-          </a:fillRef>
-          <a:effectRef idx="0">
-            <a:schemeClr val="accent1"/>
-          </a:effectRef>
-          <a:fontRef idx="minor">
-            <a:schemeClr val="lt1"/>
-          </a:fontRef>
-        </p:style>
-        <p:txBody>
-          <a:bodyPr rtlCol="0" anchor="ctr"/>
-          <a:lstStyle/>
-          <a:p>
-            <a:pPr algn="ctr"/>
-            <a:endParaRPr kumimoji="1" lang="ja-JP" altLang="en-US"/>
-          </a:p>
         </p:txBody>
       </p:sp>
     </p:spTree>
     <p:extLst>
       <p:ext uri="{BB962C8B-B14F-4D97-AF65-F5344CB8AC3E}">
-        <p14:creationId xmlns:p14="http://schemas.microsoft.com/office/powerpoint/2010/main" val="2494857876"/>
+        <p14:creationId xmlns:p14="http://schemas.microsoft.com/office/powerpoint/2010/main" val="878443423"/>
       </p:ext>
     </p:extLst>
   </p:cSld>
@@ -6956,10 +7477,26 @@
           <a:lstStyle/>
           <a:p>
             <a:r>
-              <a:rPr kumimoji="1" lang="ja-JP" altLang="en-US" dirty="0" smtClean="0"/>
-              <a:t>スクリプトを組もう</a:t>
-            </a:r>
-            <a:endParaRPr kumimoji="1" lang="ja-JP" altLang="en-US" dirty="0"/>
+              <a:rPr kumimoji="1" lang="en-US" altLang="ja-JP" dirty="0" smtClean="0">
+                <a:latin typeface="メイリオ" panose="020B0604030504040204" pitchFamily="50" charset="-128"/>
+                <a:ea typeface="メイリオ" panose="020B0604030504040204" pitchFamily="50" charset="-128"/>
+                <a:cs typeface="メイリオ" panose="020B0604030504040204" pitchFamily="50" charset="-128"/>
+              </a:rPr>
+              <a:t>jQuery</a:t>
+            </a:r>
+            <a:r>
+              <a:rPr kumimoji="1" lang="ja-JP" altLang="en-US" dirty="0" smtClean="0">
+                <a:latin typeface="メイリオ" panose="020B0604030504040204" pitchFamily="50" charset="-128"/>
+                <a:ea typeface="メイリオ" panose="020B0604030504040204" pitchFamily="50" charset="-128"/>
+                <a:cs typeface="メイリオ" panose="020B0604030504040204" pitchFamily="50" charset="-128"/>
+              </a:rPr>
+              <a:t>も使えます</a:t>
+            </a:r>
+            <a:endParaRPr kumimoji="1" lang="ja-JP" altLang="en-US" dirty="0">
+              <a:latin typeface="メイリオ" panose="020B0604030504040204" pitchFamily="50" charset="-128"/>
+              <a:ea typeface="メイリオ" panose="020B0604030504040204" pitchFamily="50" charset="-128"/>
+              <a:cs typeface="メイリオ" panose="020B0604030504040204" pitchFamily="50" charset="-128"/>
+            </a:endParaRPr>
           </a:p>
         </p:txBody>
       </p:sp>
@@ -6975,8 +7512,8 @@
         </p:nvSpPr>
         <p:spPr>
           <a:xfrm>
-            <a:off x="899592" y="1447800"/>
-            <a:ext cx="8136904" cy="4800600"/>
+            <a:off x="1259632" y="1124744"/>
+            <a:ext cx="7674056" cy="5328592"/>
           </a:xfrm>
         </p:spPr>
         <p:txBody>
@@ -6988,46 +7525,18 @@
             <a:pPr marL="82296" indent="0">
               <a:buNone/>
             </a:pPr>
-            <a:r>
-              <a:rPr kumimoji="1" lang="ja-JP" altLang="en-US" dirty="0" smtClean="0"/>
-              <a:t>公式のヘルプやサンプルに色々あります。</a:t>
-            </a:r>
-            <a:endParaRPr kumimoji="1" lang="en-US" altLang="ja-JP" dirty="0" smtClean="0"/>
-          </a:p>
-          <a:p>
-            <a:pPr marL="82296" indent="0">
-              <a:buNone/>
-            </a:pPr>
-            <a:endParaRPr lang="en-US" altLang="ja-JP" dirty="0"/>
-          </a:p>
-          <a:p>
-            <a:pPr marL="82296" indent="0">
-              <a:buNone/>
-            </a:pPr>
-            <a:r>
-              <a:rPr kumimoji="1" lang="ja-JP" altLang="en-US" dirty="0" smtClean="0"/>
-              <a:t>ググ</a:t>
-            </a:r>
-            <a:r>
-              <a:rPr kumimoji="1" lang="ja-JP" altLang="en-US" dirty="0" err="1" smtClean="0"/>
-              <a:t>ると</a:t>
-            </a:r>
-            <a:r>
-              <a:rPr kumimoji="1" lang="ja-JP" altLang="en-US" dirty="0" smtClean="0"/>
-              <a:t>結構参考になるスクリプトを公開している人</a:t>
-            </a:r>
-            <a:r>
-              <a:rPr kumimoji="1" lang="ja-JP" altLang="en-US" smtClean="0"/>
-              <a:t>も。</a:t>
-            </a:r>
-            <a:endParaRPr kumimoji="1" lang="en-US" altLang="ja-JP" dirty="0" smtClean="0"/>
+            <a:endParaRPr kumimoji="1" lang="en-US" altLang="ja-JP" dirty="0" smtClean="0">
+              <a:latin typeface="メイリオ" panose="020B0604030504040204" pitchFamily="50" charset="-128"/>
+              <a:ea typeface="メイリオ" panose="020B0604030504040204" pitchFamily="50" charset="-128"/>
+              <a:cs typeface="メイリオ" panose="020B0604030504040204" pitchFamily="50" charset="-128"/>
+            </a:endParaRPr>
           </a:p>
         </p:txBody>
       </p:sp>
     </p:spTree>
     <p:extLst>
       <p:ext uri="{BB962C8B-B14F-4D97-AF65-F5344CB8AC3E}">
-        <p14:creationId xmlns:p14="http://schemas.microsoft.com/office/powerpoint/2010/main" val="9406206"/>
+        <p14:creationId xmlns:p14="http://schemas.microsoft.com/office/powerpoint/2010/main" val="820059394"/>
       </p:ext>
     </p:extLst>
   </p:cSld>
